--- a/Foundation/Submit/Onboarding the team.pptx
+++ b/Foundation/Submit/Onboarding the team.pptx
@@ -5,7 +5,7 @@
     <p:sldMasterId id="2147483648" r:id="rId1"/>
   </p:sldMasterIdLst>
   <p:notesMasterIdLst>
-    <p:notesMasterId r:id="rId20"/>
+    <p:notesMasterId r:id="rId24"/>
   </p:notesMasterIdLst>
   <p:sldIdLst>
     <p:sldId id="256" r:id="rId2"/>
@@ -25,20 +25,17 @@
     <p:sldId id="290" r:id="rId16"/>
     <p:sldId id="291" r:id="rId17"/>
     <p:sldId id="292" r:id="rId18"/>
-    <p:sldId id="269" r:id="rId19"/>
+    <p:sldId id="295" r:id="rId19"/>
+    <p:sldId id="296" r:id="rId20"/>
+    <p:sldId id="297" r:id="rId21"/>
+    <p:sldId id="298" r:id="rId22"/>
+    <p:sldId id="269" r:id="rId23"/>
   </p:sldIdLst>
   <p:sldSz cx="18288000" cy="10287000"/>
   <p:notesSz cx="6858000" cy="9144000"/>
   <p:embeddedFontLst>
     <p:embeddedFont>
-      <p:font typeface="Calibri" panose="020F0502020204030204" pitchFamily="34" charset="0"/>
-      <p:regular r:id="rId21"/>
-      <p:bold r:id="rId22"/>
-      <p:italic r:id="rId23"/>
-      <p:boldItalic r:id="rId24"/>
-    </p:embeddedFont>
-    <p:embeddedFont>
-      <p:font typeface="ＭＳ Ｐゴシック" panose="020B0600070205080204" pitchFamily="34" charset="-128"/>
+      <p:font typeface="Pattanakarn Bold" panose="020B0604020202020204" charset="-34"/>
       <p:regular r:id="rId25"/>
     </p:embeddedFont>
     <p:embeddedFont>
@@ -46,13 +43,20 @@
       <p:regular r:id="rId26"/>
     </p:embeddedFont>
     <p:embeddedFont>
-      <p:font typeface="Pattanakarn Bold" panose="020B0604020202020204" charset="-34"/>
+      <p:font typeface="游ゴシック" panose="020B0400000000000000" pitchFamily="34" charset="-128"/>
       <p:regular r:id="rId27"/>
+      <p:bold r:id="rId28"/>
     </p:embeddedFont>
     <p:embeddedFont>
-      <p:font typeface="游ゴシック" panose="020B0400000000000000" pitchFamily="34" charset="-128"/>
-      <p:regular r:id="rId28"/>
-      <p:bold r:id="rId29"/>
+      <p:font typeface="Calibri" panose="020F0502020204030204" pitchFamily="34" charset="0"/>
+      <p:regular r:id="rId29"/>
+      <p:bold r:id="rId30"/>
+      <p:italic r:id="rId31"/>
+      <p:boldItalic r:id="rId32"/>
+    </p:embeddedFont>
+    <p:embeddedFont>
+      <p:font typeface="ＭＳ Ｐゴシック" panose="020B0600070205080204" pitchFamily="34" charset="-128"/>
+      <p:regular r:id="rId33"/>
     </p:embeddedFont>
   </p:embeddedFontLst>
   <p:defaultTextStyle>
@@ -1887,11 +1891,7 @@
             </a:r>
             <a:r>
               <a:rPr lang="en-US" altLang="ja-JP" b="1" dirty="0" smtClean="0"/>
-              <a:t>Part </a:t>
-            </a:r>
-            <a:r>
-              <a:rPr lang="en-US" altLang="ja-JP" b="1" dirty="0" smtClean="0"/>
-              <a:t>3:</a:t>
+              <a:t>Part 3:</a:t>
             </a:r>
             <a:r>
               <a:rPr lang="en-US" altLang="ja-JP" b="1" baseline="0" dirty="0" smtClean="0"/>
@@ -1899,15 +1899,7 @@
             </a:r>
             <a:r>
               <a:rPr lang="en-US" altLang="ja-JP" dirty="0" smtClean="0"/>
-              <a:t>, </a:t>
-            </a:r>
-            <a:r>
-              <a:rPr lang="en-US" altLang="ja-JP" dirty="0" smtClean="0"/>
-              <a:t>where we will delve </a:t>
-            </a:r>
-            <a:r>
-              <a:rPr lang="en-US" altLang="ja-JP" dirty="0" smtClean="0"/>
-              <a:t>into</a:t>
+              <a:t>, where we will delve into</a:t>
             </a:r>
             <a:r>
               <a:rPr lang="en-US" altLang="ja-JP" baseline="0" dirty="0" smtClean="0"/>
@@ -2363,6 +2355,272 @@
 </p:notes>
 </file>
 
+<file path=ppt/notesSlides/notesSlide18.xml><?xml version="1.0" encoding="utf-8"?>
+<p:notes xmlns:a="http://schemas.openxmlformats.org/drawingml/2006/main" xmlns:r="http://schemas.openxmlformats.org/officeDocument/2006/relationships" xmlns:p="http://schemas.openxmlformats.org/presentationml/2006/main">
+  <p:cSld>
+    <p:spTree>
+      <p:nvGrpSpPr>
+        <p:cNvPr id="1" name=""/>
+        <p:cNvGrpSpPr/>
+        <p:nvPr/>
+      </p:nvGrpSpPr>
+      <p:grpSpPr>
+        <a:xfrm>
+          <a:off x="0" y="0"/>
+          <a:ext cx="0" cy="0"/>
+          <a:chOff x="0" y="0"/>
+          <a:chExt cx="0" cy="0"/>
+        </a:xfrm>
+      </p:grpSpPr>
+      <p:sp>
+        <p:nvSpPr>
+          <p:cNvPr id="2" name="Slide Image Placeholder 1"/>
+          <p:cNvSpPr>
+            <a:spLocks noGrp="1" noRot="1" noChangeAspect="1"/>
+          </p:cNvSpPr>
+          <p:nvPr>
+            <p:ph type="sldImg"/>
+          </p:nvPr>
+        </p:nvSpPr>
+        <p:spPr/>
+      </p:sp>
+      <p:sp>
+        <p:nvSpPr>
+          <p:cNvPr id="3" name="Notes Placeholder 2"/>
+          <p:cNvSpPr>
+            <a:spLocks noGrp="1"/>
+          </p:cNvSpPr>
+          <p:nvPr>
+            <p:ph type="body" idx="1"/>
+          </p:nvPr>
+        </p:nvSpPr>
+        <p:spPr/>
+        <p:txBody>
+          <a:bodyPr/>
+          <a:lstStyle/>
+          <a:p>
+            <a:pPr marL="171450" indent="-171450">
+              <a:buFont typeface="Arial" panose="020B0604020202020204" pitchFamily="34" charset="0"/>
+              <a:buChar char="•"/>
+            </a:pPr>
+            <a:r>
+              <a:rPr lang="en-US" altLang="ja-JP" dirty="0" smtClean="0"/>
+              <a:t>Now that we’ve identified the key skill gaps and challenges within the </a:t>
+            </a:r>
+            <a:r>
+              <a:rPr lang="en-US" altLang="ja-JP" dirty="0" err="1" smtClean="0"/>
+              <a:t>WorldVisitz</a:t>
+            </a:r>
+            <a:r>
+              <a:rPr lang="en-US" altLang="ja-JP" dirty="0" smtClean="0"/>
+              <a:t> team, it’s clear that bridging these gaps requires a structured and systematic approach. To address this, I propose leveraging the </a:t>
+            </a:r>
+            <a:r>
+              <a:rPr lang="en-US" altLang="ja-JP" b="1" dirty="0" smtClean="0"/>
+              <a:t>Shu-Ha-</a:t>
+            </a:r>
+            <a:r>
+              <a:rPr lang="en-US" altLang="ja-JP" b="1" dirty="0" err="1" smtClean="0"/>
+              <a:t>Ri</a:t>
+            </a:r>
+            <a:r>
+              <a:rPr lang="en-US" altLang="ja-JP" b="1" dirty="0" smtClean="0"/>
+              <a:t> model</a:t>
+            </a:r>
+            <a:r>
+              <a:rPr lang="en-US" altLang="ja-JP" dirty="0" smtClean="0"/>
+              <a:t>—a proven framework for skill development and mindset transformation.</a:t>
+            </a:r>
+          </a:p>
+          <a:p>
+            <a:pPr marL="171450" indent="-171450">
+              <a:buFont typeface="Arial" panose="020B0604020202020204" pitchFamily="34" charset="0"/>
+              <a:buChar char="•"/>
+            </a:pPr>
+            <a:r>
+              <a:rPr lang="en-US" altLang="ja-JP" dirty="0" smtClean="0"/>
+              <a:t>The Shu-Ha-</a:t>
+            </a:r>
+            <a:r>
+              <a:rPr lang="en-US" altLang="ja-JP" dirty="0" err="1" smtClean="0"/>
+              <a:t>Ri</a:t>
+            </a:r>
+            <a:r>
+              <a:rPr lang="en-US" altLang="ja-JP" dirty="0" smtClean="0"/>
+              <a:t> model guides individuals and teams through three stages of learning: </a:t>
+            </a:r>
+            <a:r>
+              <a:rPr lang="en-US" altLang="ja-JP" b="1" dirty="0" smtClean="0"/>
+              <a:t>Shu (Follow)</a:t>
+            </a:r>
+            <a:r>
+              <a:rPr lang="en-US" altLang="ja-JP" dirty="0" smtClean="0"/>
+              <a:t>, where foundational knowledge is established; </a:t>
+            </a:r>
+            <a:r>
+              <a:rPr lang="en-US" altLang="ja-JP" b="1" dirty="0" smtClean="0"/>
+              <a:t>Ha (Adapt)</a:t>
+            </a:r>
+            <a:r>
+              <a:rPr lang="en-US" altLang="ja-JP" dirty="0" smtClean="0"/>
+              <a:t>, where practices are refined and tailored; and finally, </a:t>
+            </a:r>
+            <a:r>
+              <a:rPr lang="en-US" altLang="ja-JP" b="1" dirty="0" err="1" smtClean="0"/>
+              <a:t>Ri</a:t>
+            </a:r>
+            <a:r>
+              <a:rPr lang="en-US" altLang="ja-JP" b="1" dirty="0" smtClean="0"/>
+              <a:t> (Innovate)</a:t>
+            </a:r>
+            <a:r>
+              <a:rPr lang="en-US" altLang="ja-JP" dirty="0" smtClean="0"/>
+              <a:t>, where the team achieves mastery and autonomy.</a:t>
+            </a:r>
+          </a:p>
+          <a:p>
+            <a:pPr marL="171450" indent="-171450">
+              <a:buFont typeface="Arial" panose="020B0604020202020204" pitchFamily="34" charset="0"/>
+              <a:buChar char="•"/>
+            </a:pPr>
+            <a:r>
+              <a:rPr lang="en-US" altLang="ja-JP" dirty="0" smtClean="0"/>
+              <a:t>By applying this model, we can ensure that each team member progresses effectively, building the skills, collaboration, and trust required for a successful Agile transformation at </a:t>
+            </a:r>
+            <a:r>
+              <a:rPr lang="en-US" altLang="ja-JP" dirty="0" err="1" smtClean="0"/>
+              <a:t>WorldVisitz</a:t>
+            </a:r>
+            <a:r>
+              <a:rPr lang="en-US" altLang="ja-JP" dirty="0" smtClean="0"/>
+              <a:t>.</a:t>
+            </a:r>
+          </a:p>
+          <a:p>
+            <a:endParaRPr lang="en-US" altLang="ja-JP" dirty="0"/>
+          </a:p>
+        </p:txBody>
+      </p:sp>
+      <p:sp>
+        <p:nvSpPr>
+          <p:cNvPr id="4" name="Slide Number Placeholder 3"/>
+          <p:cNvSpPr>
+            <a:spLocks noGrp="1"/>
+          </p:cNvSpPr>
+          <p:nvPr>
+            <p:ph type="sldNum" sz="quarter" idx="10"/>
+          </p:nvPr>
+        </p:nvSpPr>
+        <p:spPr/>
+        <p:txBody>
+          <a:bodyPr/>
+          <a:lstStyle/>
+          <a:p>
+            <a:fld id="{C1987810-38A0-4764-B021-2AB7DCDE7533}" type="slidenum">
+              <a:rPr lang="en-US" altLang="ja-JP" smtClean="0"/>
+              <a:t>18</a:t>
+            </a:fld>
+            <a:endParaRPr lang="ja-JP" altLang="en-US"/>
+          </a:p>
+        </p:txBody>
+      </p:sp>
+    </p:spTree>
+    <p:extLst>
+      <p:ext uri="{BB962C8B-B14F-4D97-AF65-F5344CB8AC3E}">
+        <p14:creationId xmlns:p14="http://schemas.microsoft.com/office/powerpoint/2010/main" val="2191147077"/>
+      </p:ext>
+    </p:extLst>
+  </p:cSld>
+  <p:clrMapOvr>
+    <a:masterClrMapping/>
+  </p:clrMapOvr>
+</p:notes>
+</file>
+
+<file path=ppt/notesSlides/notesSlide19.xml><?xml version="1.0" encoding="utf-8"?>
+<p:notes xmlns:a="http://schemas.openxmlformats.org/drawingml/2006/main" xmlns:r="http://schemas.openxmlformats.org/officeDocument/2006/relationships" xmlns:p="http://schemas.openxmlformats.org/presentationml/2006/main">
+  <p:cSld>
+    <p:spTree>
+      <p:nvGrpSpPr>
+        <p:cNvPr id="1" name=""/>
+        <p:cNvGrpSpPr/>
+        <p:nvPr/>
+      </p:nvGrpSpPr>
+      <p:grpSpPr>
+        <a:xfrm>
+          <a:off x="0" y="0"/>
+          <a:ext cx="0" cy="0"/>
+          <a:chOff x="0" y="0"/>
+          <a:chExt cx="0" cy="0"/>
+        </a:xfrm>
+      </p:grpSpPr>
+      <p:sp>
+        <p:nvSpPr>
+          <p:cNvPr id="2" name="Slide Image Placeholder 1"/>
+          <p:cNvSpPr>
+            <a:spLocks noGrp="1" noRot="1" noChangeAspect="1"/>
+          </p:cNvSpPr>
+          <p:nvPr>
+            <p:ph type="sldImg"/>
+          </p:nvPr>
+        </p:nvSpPr>
+        <p:spPr/>
+      </p:sp>
+      <p:sp>
+        <p:nvSpPr>
+          <p:cNvPr id="3" name="Notes Placeholder 2"/>
+          <p:cNvSpPr>
+            <a:spLocks noGrp="1"/>
+          </p:cNvSpPr>
+          <p:nvPr>
+            <p:ph type="body" idx="1"/>
+          </p:nvPr>
+        </p:nvSpPr>
+        <p:spPr/>
+        <p:txBody>
+          <a:bodyPr/>
+          <a:lstStyle/>
+          <a:p>
+            <a:endParaRPr lang="en-US" altLang="ja-JP" dirty="0"/>
+          </a:p>
+        </p:txBody>
+      </p:sp>
+      <p:sp>
+        <p:nvSpPr>
+          <p:cNvPr id="4" name="Slide Number Placeholder 3"/>
+          <p:cNvSpPr>
+            <a:spLocks noGrp="1"/>
+          </p:cNvSpPr>
+          <p:nvPr>
+            <p:ph type="sldNum" sz="quarter" idx="10"/>
+          </p:nvPr>
+        </p:nvSpPr>
+        <p:spPr/>
+        <p:txBody>
+          <a:bodyPr/>
+          <a:lstStyle/>
+          <a:p>
+            <a:fld id="{C1987810-38A0-4764-B021-2AB7DCDE7533}" type="slidenum">
+              <a:rPr lang="en-US" altLang="ja-JP" smtClean="0"/>
+              <a:t>19</a:t>
+            </a:fld>
+            <a:endParaRPr lang="ja-JP" altLang="en-US"/>
+          </a:p>
+        </p:txBody>
+      </p:sp>
+    </p:spTree>
+    <p:extLst>
+      <p:ext uri="{BB962C8B-B14F-4D97-AF65-F5344CB8AC3E}">
+        <p14:creationId xmlns:p14="http://schemas.microsoft.com/office/powerpoint/2010/main" val="847926462"/>
+      </p:ext>
+    </p:extLst>
+  </p:cSld>
+  <p:clrMapOvr>
+    <a:masterClrMapping/>
+  </p:clrMapOvr>
+</p:notes>
+</file>
+
 <file path=ppt/notesSlides/notesSlide2.xml><?xml version="1.0" encoding="utf-8"?>
 <p:notes xmlns:a="http://schemas.openxmlformats.org/drawingml/2006/main" xmlns:r="http://schemas.openxmlformats.org/officeDocument/2006/relationships" xmlns:p="http://schemas.openxmlformats.org/presentationml/2006/main">
   <p:cSld>
@@ -2476,6 +2734,258 @@
     <p:extLst>
       <p:ext uri="{BB962C8B-B14F-4D97-AF65-F5344CB8AC3E}">
         <p14:creationId xmlns:p14="http://schemas.microsoft.com/office/powerpoint/2010/main" val="2604643771"/>
+      </p:ext>
+    </p:extLst>
+  </p:cSld>
+  <p:clrMapOvr>
+    <a:masterClrMapping/>
+  </p:clrMapOvr>
+</p:notes>
+</file>
+
+<file path=ppt/notesSlides/notesSlide20.xml><?xml version="1.0" encoding="utf-8"?>
+<p:notes xmlns:a="http://schemas.openxmlformats.org/drawingml/2006/main" xmlns:r="http://schemas.openxmlformats.org/officeDocument/2006/relationships" xmlns:p="http://schemas.openxmlformats.org/presentationml/2006/main">
+  <p:cSld>
+    <p:spTree>
+      <p:nvGrpSpPr>
+        <p:cNvPr id="1" name=""/>
+        <p:cNvGrpSpPr/>
+        <p:nvPr/>
+      </p:nvGrpSpPr>
+      <p:grpSpPr>
+        <a:xfrm>
+          <a:off x="0" y="0"/>
+          <a:ext cx="0" cy="0"/>
+          <a:chOff x="0" y="0"/>
+          <a:chExt cx="0" cy="0"/>
+        </a:xfrm>
+      </p:grpSpPr>
+      <p:sp>
+        <p:nvSpPr>
+          <p:cNvPr id="2" name="Slide Image Placeholder 1"/>
+          <p:cNvSpPr>
+            <a:spLocks noGrp="1" noRot="1" noChangeAspect="1"/>
+          </p:cNvSpPr>
+          <p:nvPr>
+            <p:ph type="sldImg"/>
+          </p:nvPr>
+        </p:nvSpPr>
+        <p:spPr/>
+      </p:sp>
+      <p:sp>
+        <p:nvSpPr>
+          <p:cNvPr id="3" name="Notes Placeholder 2"/>
+          <p:cNvSpPr>
+            <a:spLocks noGrp="1"/>
+          </p:cNvSpPr>
+          <p:nvPr>
+            <p:ph type="body" idx="1"/>
+          </p:nvPr>
+        </p:nvSpPr>
+        <p:spPr/>
+        <p:txBody>
+          <a:bodyPr/>
+          <a:lstStyle/>
+          <a:p>
+            <a:endParaRPr lang="en-US" altLang="ja-JP" dirty="0"/>
+          </a:p>
+        </p:txBody>
+      </p:sp>
+      <p:sp>
+        <p:nvSpPr>
+          <p:cNvPr id="4" name="Slide Number Placeholder 3"/>
+          <p:cNvSpPr>
+            <a:spLocks noGrp="1"/>
+          </p:cNvSpPr>
+          <p:nvPr>
+            <p:ph type="sldNum" sz="quarter" idx="10"/>
+          </p:nvPr>
+        </p:nvSpPr>
+        <p:spPr/>
+        <p:txBody>
+          <a:bodyPr/>
+          <a:lstStyle/>
+          <a:p>
+            <a:fld id="{C1987810-38A0-4764-B021-2AB7DCDE7533}" type="slidenum">
+              <a:rPr lang="en-US" altLang="ja-JP" smtClean="0"/>
+              <a:t>20</a:t>
+            </a:fld>
+            <a:endParaRPr lang="ja-JP" altLang="en-US"/>
+          </a:p>
+        </p:txBody>
+      </p:sp>
+    </p:spTree>
+    <p:extLst>
+      <p:ext uri="{BB962C8B-B14F-4D97-AF65-F5344CB8AC3E}">
+        <p14:creationId xmlns:p14="http://schemas.microsoft.com/office/powerpoint/2010/main" val="3068949785"/>
+      </p:ext>
+    </p:extLst>
+  </p:cSld>
+  <p:clrMapOvr>
+    <a:masterClrMapping/>
+  </p:clrMapOvr>
+</p:notes>
+</file>
+
+<file path=ppt/notesSlides/notesSlide21.xml><?xml version="1.0" encoding="utf-8"?>
+<p:notes xmlns:a="http://schemas.openxmlformats.org/drawingml/2006/main" xmlns:r="http://schemas.openxmlformats.org/officeDocument/2006/relationships" xmlns:p="http://schemas.openxmlformats.org/presentationml/2006/main">
+  <p:cSld>
+    <p:spTree>
+      <p:nvGrpSpPr>
+        <p:cNvPr id="1" name=""/>
+        <p:cNvGrpSpPr/>
+        <p:nvPr/>
+      </p:nvGrpSpPr>
+      <p:grpSpPr>
+        <a:xfrm>
+          <a:off x="0" y="0"/>
+          <a:ext cx="0" cy="0"/>
+          <a:chOff x="0" y="0"/>
+          <a:chExt cx="0" cy="0"/>
+        </a:xfrm>
+      </p:grpSpPr>
+      <p:sp>
+        <p:nvSpPr>
+          <p:cNvPr id="2" name="Slide Image Placeholder 1"/>
+          <p:cNvSpPr>
+            <a:spLocks noGrp="1" noRot="1" noChangeAspect="1"/>
+          </p:cNvSpPr>
+          <p:nvPr>
+            <p:ph type="sldImg"/>
+          </p:nvPr>
+        </p:nvSpPr>
+        <p:spPr/>
+      </p:sp>
+      <p:sp>
+        <p:nvSpPr>
+          <p:cNvPr id="3" name="Notes Placeholder 2"/>
+          <p:cNvSpPr>
+            <a:spLocks noGrp="1"/>
+          </p:cNvSpPr>
+          <p:nvPr>
+            <p:ph type="body" idx="1"/>
+          </p:nvPr>
+        </p:nvSpPr>
+        <p:spPr/>
+        <p:txBody>
+          <a:bodyPr/>
+          <a:lstStyle/>
+          <a:p>
+            <a:endParaRPr lang="en-US" altLang="ja-JP" dirty="0"/>
+          </a:p>
+        </p:txBody>
+      </p:sp>
+      <p:sp>
+        <p:nvSpPr>
+          <p:cNvPr id="4" name="Slide Number Placeholder 3"/>
+          <p:cNvSpPr>
+            <a:spLocks noGrp="1"/>
+          </p:cNvSpPr>
+          <p:nvPr>
+            <p:ph type="sldNum" sz="quarter" idx="10"/>
+          </p:nvPr>
+        </p:nvSpPr>
+        <p:spPr/>
+        <p:txBody>
+          <a:bodyPr/>
+          <a:lstStyle/>
+          <a:p>
+            <a:fld id="{C1987810-38A0-4764-B021-2AB7DCDE7533}" type="slidenum">
+              <a:rPr lang="en-US" altLang="ja-JP" smtClean="0"/>
+              <a:t>21</a:t>
+            </a:fld>
+            <a:endParaRPr lang="ja-JP" altLang="en-US"/>
+          </a:p>
+        </p:txBody>
+      </p:sp>
+    </p:spTree>
+    <p:extLst>
+      <p:ext uri="{BB962C8B-B14F-4D97-AF65-F5344CB8AC3E}">
+        <p14:creationId xmlns:p14="http://schemas.microsoft.com/office/powerpoint/2010/main" val="3270922467"/>
+      </p:ext>
+    </p:extLst>
+  </p:cSld>
+  <p:clrMapOvr>
+    <a:masterClrMapping/>
+  </p:clrMapOvr>
+</p:notes>
+</file>
+
+<file path=ppt/notesSlides/notesSlide22.xml><?xml version="1.0" encoding="utf-8"?>
+<p:notes xmlns:a="http://schemas.openxmlformats.org/drawingml/2006/main" xmlns:r="http://schemas.openxmlformats.org/officeDocument/2006/relationships" xmlns:p="http://schemas.openxmlformats.org/presentationml/2006/main">
+  <p:cSld>
+    <p:spTree>
+      <p:nvGrpSpPr>
+        <p:cNvPr id="1" name=""/>
+        <p:cNvGrpSpPr/>
+        <p:nvPr/>
+      </p:nvGrpSpPr>
+      <p:grpSpPr>
+        <a:xfrm>
+          <a:off x="0" y="0"/>
+          <a:ext cx="0" cy="0"/>
+          <a:chOff x="0" y="0"/>
+          <a:chExt cx="0" cy="0"/>
+        </a:xfrm>
+      </p:grpSpPr>
+      <p:sp>
+        <p:nvSpPr>
+          <p:cNvPr id="2" name="Slide Image Placeholder 1"/>
+          <p:cNvSpPr>
+            <a:spLocks noGrp="1" noRot="1" noChangeAspect="1"/>
+          </p:cNvSpPr>
+          <p:nvPr>
+            <p:ph type="sldImg"/>
+          </p:nvPr>
+        </p:nvSpPr>
+        <p:spPr/>
+      </p:sp>
+      <p:sp>
+        <p:nvSpPr>
+          <p:cNvPr id="3" name="Notes Placeholder 2"/>
+          <p:cNvSpPr>
+            <a:spLocks noGrp="1"/>
+          </p:cNvSpPr>
+          <p:nvPr>
+            <p:ph type="body" idx="1"/>
+          </p:nvPr>
+        </p:nvSpPr>
+        <p:spPr/>
+        <p:txBody>
+          <a:bodyPr/>
+          <a:lstStyle/>
+          <a:p>
+            <a:endParaRPr kumimoji="1" lang="ja-JP" altLang="en-US"/>
+          </a:p>
+        </p:txBody>
+      </p:sp>
+      <p:sp>
+        <p:nvSpPr>
+          <p:cNvPr id="4" name="Slide Number Placeholder 3"/>
+          <p:cNvSpPr>
+            <a:spLocks noGrp="1"/>
+          </p:cNvSpPr>
+          <p:nvPr>
+            <p:ph type="sldNum" sz="quarter" idx="10"/>
+          </p:nvPr>
+        </p:nvSpPr>
+        <p:spPr/>
+        <p:txBody>
+          <a:bodyPr/>
+          <a:lstStyle/>
+          <a:p>
+            <a:fld id="{C1987810-38A0-4764-B021-2AB7DCDE7533}" type="slidenum">
+              <a:rPr lang="en-US" altLang="ja-JP" smtClean="0"/>
+              <a:t>22</a:t>
+            </a:fld>
+            <a:endParaRPr lang="ja-JP" altLang="en-US"/>
+          </a:p>
+        </p:txBody>
+      </p:sp>
+    </p:spTree>
+    <p:extLst>
+      <p:ext uri="{BB962C8B-B14F-4D97-AF65-F5344CB8AC3E}">
+        <p14:creationId xmlns:p14="http://schemas.microsoft.com/office/powerpoint/2010/main" val="219344220"/>
       </p:ext>
     </p:extLst>
   </p:cSld>
@@ -2718,15 +3228,7 @@
             </a:r>
             <a:r>
               <a:rPr lang="en-US" altLang="ja-JP" dirty="0" smtClean="0"/>
-              <a:t> first while incorporating real-time feedback. This ensures that the product adapts to market needs quickly and reduces the risk of wasted efforts from </a:t>
-            </a:r>
-            <a:r>
-              <a:rPr lang="en-US" altLang="ja-JP" dirty="0" smtClean="0"/>
-              <a:t>over planning</a:t>
-            </a:r>
-            <a:r>
-              <a:rPr lang="en-US" altLang="ja-JP" dirty="0" smtClean="0"/>
-              <a:t>.</a:t>
+              <a:t> first while incorporating real-time feedback. This ensures that the product adapts to market needs quickly and reduces the risk of wasted efforts from over planning.</a:t>
             </a:r>
           </a:p>
           <a:p>
@@ -7369,7 +7871,7 @@
             <a:blip r:embed="rId3">
               <a:extLst>
                 <a:ext uri="{96DAC541-7B7A-43D3-8B79-37D633B846F1}">
-                  <asvg:svgBlip xmlns="" xmlns:asvg="http://schemas.microsoft.com/office/drawing/2016/SVG/main" r:embed="rId4"/>
+                  <asvg:svgBlip xmlns:asvg="http://schemas.microsoft.com/office/drawing/2016/SVG/main" xmlns="" r:embed="rId4"/>
                 </a:ext>
               </a:extLst>
             </a:blip>
@@ -8188,7 +8690,7 @@
             <a:blip r:embed="rId3">
               <a:extLst>
                 <a:ext uri="{96DAC541-7B7A-43D3-8B79-37D633B846F1}">
-                  <asvg:svgBlip xmlns="" xmlns:asvg="http://schemas.microsoft.com/office/drawing/2016/SVG/main" r:embed="rId4"/>
+                  <asvg:svgBlip xmlns:asvg="http://schemas.microsoft.com/office/drawing/2016/SVG/main" xmlns="" r:embed="rId4"/>
                 </a:ext>
               </a:extLst>
             </a:blip>
@@ -8868,7 +9370,7 @@
             <a:blip r:embed="rId3">
               <a:extLst>
                 <a:ext uri="{96DAC541-7B7A-43D3-8B79-37D633B846F1}">
-                  <asvg:svgBlip xmlns="" xmlns:asvg="http://schemas.microsoft.com/office/drawing/2016/SVG/main" r:embed="rId7"/>
+                  <asvg:svgBlip xmlns:asvg="http://schemas.microsoft.com/office/drawing/2016/SVG/main" xmlns="" r:embed="rId7"/>
                 </a:ext>
               </a:extLst>
             </a:blip>
@@ -8921,7 +9423,7 @@
               <a:alphaModFix amt="32999"/>
               <a:extLst>
                 <a:ext uri="{96DAC541-7B7A-43D3-8B79-37D633B846F1}">
-                  <asvg:svgBlip xmlns="" xmlns:asvg="http://schemas.microsoft.com/office/drawing/2016/SVG/main" r:embed="rId9"/>
+                  <asvg:svgBlip xmlns:asvg="http://schemas.microsoft.com/office/drawing/2016/SVG/main" xmlns="" r:embed="rId9"/>
                 </a:ext>
               </a:extLst>
             </a:blip>
@@ -9744,7 +10246,7 @@
             <a:blip r:embed="rId3">
               <a:extLst>
                 <a:ext uri="{96DAC541-7B7A-43D3-8B79-37D633B846F1}">
-                  <asvg:svgBlip xmlns="" xmlns:asvg="http://schemas.microsoft.com/office/drawing/2016/SVG/main" r:embed="rId4"/>
+                  <asvg:svgBlip xmlns:asvg="http://schemas.microsoft.com/office/drawing/2016/SVG/main" xmlns="" r:embed="rId4"/>
                 </a:ext>
               </a:extLst>
             </a:blip>
@@ -10424,7 +10926,7 @@
             <a:blip r:embed="rId3">
               <a:extLst>
                 <a:ext uri="{96DAC541-7B7A-43D3-8B79-37D633B846F1}">
-                  <asvg:svgBlip xmlns="" xmlns:asvg="http://schemas.microsoft.com/office/drawing/2016/SVG/main" r:embed="rId7"/>
+                  <asvg:svgBlip xmlns:asvg="http://schemas.microsoft.com/office/drawing/2016/SVG/main" xmlns="" r:embed="rId7"/>
                 </a:ext>
               </a:extLst>
             </a:blip>
@@ -10477,7 +10979,7 @@
               <a:alphaModFix amt="32999"/>
               <a:extLst>
                 <a:ext uri="{96DAC541-7B7A-43D3-8B79-37D633B846F1}">
-                  <asvg:svgBlip xmlns="" xmlns:asvg="http://schemas.microsoft.com/office/drawing/2016/SVG/main" r:embed="rId9"/>
+                  <asvg:svgBlip xmlns:asvg="http://schemas.microsoft.com/office/drawing/2016/SVG/main" xmlns="" r:embed="rId9"/>
                 </a:ext>
               </a:extLst>
             </a:blip>
@@ -11137,7 +11639,7 @@
             <a:blip r:embed="rId3">
               <a:extLst>
                 <a:ext uri="{96DAC541-7B7A-43D3-8B79-37D633B846F1}">
-                  <asvg:svgBlip xmlns="" xmlns:asvg="http://schemas.microsoft.com/office/drawing/2016/SVG/main" r:embed="rId4"/>
+                  <asvg:svgBlip xmlns:asvg="http://schemas.microsoft.com/office/drawing/2016/SVG/main" xmlns="" r:embed="rId4"/>
                 </a:ext>
               </a:extLst>
             </a:blip>
@@ -11817,7 +12319,7 @@
             <a:blip r:embed="rId3">
               <a:extLst>
                 <a:ext uri="{96DAC541-7B7A-43D3-8B79-37D633B846F1}">
-                  <asvg:svgBlip xmlns="" xmlns:asvg="http://schemas.microsoft.com/office/drawing/2016/SVG/main" r:embed="rId7"/>
+                  <asvg:svgBlip xmlns:asvg="http://schemas.microsoft.com/office/drawing/2016/SVG/main" xmlns="" r:embed="rId7"/>
                 </a:ext>
               </a:extLst>
             </a:blip>
@@ -11870,7 +12372,7 @@
               <a:alphaModFix amt="32999"/>
               <a:extLst>
                 <a:ext uri="{96DAC541-7B7A-43D3-8B79-37D633B846F1}">
-                  <asvg:svgBlip xmlns="" xmlns:asvg="http://schemas.microsoft.com/office/drawing/2016/SVG/main" r:embed="rId9"/>
+                  <asvg:svgBlip xmlns:asvg="http://schemas.microsoft.com/office/drawing/2016/SVG/main" xmlns="" r:embed="rId9"/>
                 </a:ext>
               </a:extLst>
             </a:blip>
@@ -12335,7 +12837,7 @@
               <a:alphaModFix amt="32999"/>
               <a:extLst>
                 <a:ext uri="{96DAC541-7B7A-43D3-8B79-37D633B846F1}">
-                  <asvg:svgBlip xmlns="" xmlns:asvg="http://schemas.microsoft.com/office/drawing/2016/SVG/main" r:embed="rId4"/>
+                  <asvg:svgBlip xmlns:asvg="http://schemas.microsoft.com/office/drawing/2016/SVG/main" xmlns="" r:embed="rId4"/>
                 </a:ext>
               </a:extLst>
             </a:blip>
@@ -12513,7 +13015,7 @@
             <a:blip r:embed="rId5">
               <a:extLst>
                 <a:ext uri="{96DAC541-7B7A-43D3-8B79-37D633B846F1}">
-                  <asvg:svgBlip xmlns="" xmlns:asvg="http://schemas.microsoft.com/office/drawing/2016/SVG/main" r:embed="rId7"/>
+                  <asvg:svgBlip xmlns:asvg="http://schemas.microsoft.com/office/drawing/2016/SVG/main" xmlns="" r:embed="rId7"/>
                 </a:ext>
               </a:extLst>
             </a:blip>
@@ -13186,7 +13688,7 @@
             <a:blip r:embed="rId3">
               <a:extLst>
                 <a:ext uri="{96DAC541-7B7A-43D3-8B79-37D633B846F1}">
-                  <asvg:svgBlip xmlns="" xmlns:asvg="http://schemas.microsoft.com/office/drawing/2016/SVG/main" r:embed="rId5"/>
+                  <asvg:svgBlip xmlns:asvg="http://schemas.microsoft.com/office/drawing/2016/SVG/main" xmlns="" r:embed="rId5"/>
                 </a:ext>
               </a:extLst>
             </a:blip>
@@ -13988,7 +14490,7 @@
               <a:alphaModFix amt="32999"/>
               <a:extLst>
                 <a:ext uri="{96DAC541-7B7A-43D3-8B79-37D633B846F1}">
-                  <asvg:svgBlip xmlns="" xmlns:asvg="http://schemas.microsoft.com/office/drawing/2016/SVG/main" r:embed="rId5"/>
+                  <asvg:svgBlip xmlns:asvg="http://schemas.microsoft.com/office/drawing/2016/SVG/main" xmlns="" r:embed="rId5"/>
                 </a:ext>
               </a:extLst>
             </a:blip>
@@ -14036,15 +14538,6 @@
               </a:rPr>
               <a:t>Appendix 1 - Skill Gaps</a:t>
             </a:r>
-            <a:endParaRPr lang="en-US" sz="6000" b="1" dirty="0">
-              <a:solidFill>
-                <a:srgbClr val="005EFF"/>
-              </a:solidFill>
-              <a:latin typeface="+mj-lt"/>
-              <a:ea typeface="Pattanakarn Bold"/>
-              <a:cs typeface="Pattanakarn Bold"/>
-              <a:sym typeface="Pattanakarn Bold"/>
-            </a:endParaRPr>
           </a:p>
         </p:txBody>
       </p:sp>
@@ -15023,7 +15516,7 @@
               <a:alphaModFix amt="32999"/>
               <a:extLst>
                 <a:ext uri="{96DAC541-7B7A-43D3-8B79-37D633B846F1}">
-                  <asvg:svgBlip xmlns="" xmlns:asvg="http://schemas.microsoft.com/office/drawing/2016/SVG/main" r:embed="rId5"/>
+                  <asvg:svgBlip xmlns:asvg="http://schemas.microsoft.com/office/drawing/2016/SVG/main" xmlns="" r:embed="rId5"/>
                 </a:ext>
               </a:extLst>
             </a:blip>
@@ -15071,15 +15564,6 @@
               </a:rPr>
               <a:t>Appendix 2 - Training &amp; Coaching Plan</a:t>
             </a:r>
-            <a:endParaRPr lang="en-US" sz="6000" b="1" dirty="0">
-              <a:solidFill>
-                <a:srgbClr val="005EFF"/>
-              </a:solidFill>
-              <a:latin typeface="+mj-lt"/>
-              <a:ea typeface="Pattanakarn Bold"/>
-              <a:cs typeface="Pattanakarn Bold"/>
-              <a:sym typeface="Pattanakarn Bold"/>
-            </a:endParaRPr>
           </a:p>
         </p:txBody>
       </p:sp>
@@ -15476,7 +15960,7 @@
           <p:nvPr>
             <p:extLst>
               <p:ext uri="{D42A27DB-BD31-4B8C-83A1-F6EECF244321}">
-                <p14:modId xmlns:p14="http://schemas.microsoft.com/office/powerpoint/2010/main" val="336836620"/>
+                <p14:modId xmlns:p14="http://schemas.microsoft.com/office/powerpoint/2010/main" val="564491613"/>
               </p:ext>
             </p:extLst>
           </p:nvPr>
@@ -15564,8 +16048,8 @@
                         <a:t> to </a:t>
                       </a:r>
                       <a:r>
-                        <a:rPr kumimoji="1" lang="en-US" altLang="ja-JP" baseline="0" dirty="0" err="1" smtClean="0"/>
-                        <a:t>improment</a:t>
+                        <a:rPr kumimoji="1" lang="en-US" altLang="ja-JP" baseline="0" dirty="0" smtClean="0"/>
+                        <a:t>improvement</a:t>
                       </a:r>
                       <a:endParaRPr kumimoji="1" lang="ja-JP" altLang="en-US" dirty="0"/>
                     </a:p>
@@ -16094,7 +16578,7 @@
               <a:alphaModFix amt="32999"/>
               <a:extLst>
                 <a:ext uri="{96DAC541-7B7A-43D3-8B79-37D633B846F1}">
-                  <asvg:svgBlip xmlns="" xmlns:asvg="http://schemas.microsoft.com/office/drawing/2016/SVG/main" r:embed="rId5"/>
+                  <asvg:svgBlip xmlns:asvg="http://schemas.microsoft.com/office/drawing/2016/SVG/main" xmlns="" r:embed="rId5"/>
                 </a:ext>
               </a:extLst>
             </a:blip>
@@ -16142,15 +16626,6 @@
               </a:rPr>
               <a:t>Appendix 2 - Training &amp; Coaching Plan</a:t>
             </a:r>
-            <a:endParaRPr lang="en-US" sz="6000" b="1" dirty="0">
-              <a:solidFill>
-                <a:srgbClr val="005EFF"/>
-              </a:solidFill>
-              <a:latin typeface="+mj-lt"/>
-              <a:ea typeface="Pattanakarn Bold"/>
-              <a:cs typeface="Pattanakarn Bold"/>
-              <a:sym typeface="Pattanakarn Bold"/>
-            </a:endParaRPr>
           </a:p>
         </p:txBody>
       </p:sp>
@@ -17037,14 +17512,14 @@
       </p:grpSpPr>
       <p:sp>
         <p:nvSpPr>
-          <p:cNvPr id="2" name="Freeform 2"/>
+          <p:cNvPr id="8" name="Freeform 8"/>
           <p:cNvSpPr/>
           <p:nvPr/>
         </p:nvSpPr>
         <p:spPr>
           <a:xfrm>
-            <a:off x="9449760" y="-439536"/>
-            <a:ext cx="7275446" cy="7275446"/>
+            <a:off x="5624601" y="2100480"/>
+            <a:ext cx="10522211" cy="10522211"/>
           </a:xfrm>
           <a:custGeom>
             <a:avLst/>
@@ -17053,18 +17528,18 @@
             <a:cxnLst/>
             <a:rect l="l" t="t" r="r" b="b"/>
             <a:pathLst>
-              <a:path w="7275446" h="7275446">
+              <a:path w="10522211" h="10522211">
                 <a:moveTo>
                   <a:pt x="0" y="0"/>
                 </a:moveTo>
                 <a:lnTo>
-                  <a:pt x="7275446" y="0"/>
+                  <a:pt x="10522212" y="0"/>
                 </a:lnTo>
                 <a:lnTo>
-                  <a:pt x="7275446" y="7275446"/>
+                  <a:pt x="10522212" y="10522211"/>
                 </a:lnTo>
                 <a:lnTo>
-                  <a:pt x="0" y="7275446"/>
+                  <a:pt x="0" y="10522211"/>
                 </a:lnTo>
                 <a:lnTo>
                   <a:pt x="0" y="0"/>
@@ -17074,11 +17549,11 @@
             </a:pathLst>
           </a:custGeom>
           <a:blipFill>
-            <a:blip r:embed="rId2">
+            <a:blip r:embed="rId3">
               <a:alphaModFix amt="32999"/>
               <a:extLst>
                 <a:ext uri="{96DAC541-7B7A-43D3-8B79-37D633B846F1}">
-                  <asvg:svgBlip xmlns="" xmlns:asvg="http://schemas.microsoft.com/office/drawing/2016/SVG/main" r:embed="rId4"/>
+                  <asvg:svgBlip xmlns:asvg="http://schemas.microsoft.com/office/drawing/2016/SVG/main" xmlns="" r:embed="rId5"/>
                 </a:ext>
               </a:extLst>
             </a:blip>
@@ -17090,28 +17565,28 @@
       </p:sp>
       <p:grpSp>
         <p:nvGrpSpPr>
-          <p:cNvPr id="3" name="Group 3"/>
+          <p:cNvPr id="16" name="Group 16"/>
           <p:cNvGrpSpPr/>
           <p:nvPr/>
         </p:nvGrpSpPr>
         <p:grpSpPr>
-          <a:xfrm rot="-2346748">
-            <a:off x="6196826" y="1119047"/>
-            <a:ext cx="12732324" cy="13418974"/>
+          <a:xfrm rot="-4026990">
+            <a:off x="-6173058" y="5534528"/>
+            <a:ext cx="10174055" cy="1849514"/>
             <a:chOff x="0" y="0"/>
-            <a:chExt cx="3353369" cy="3534215"/>
+            <a:chExt cx="3353369" cy="609600"/>
           </a:xfrm>
         </p:grpSpPr>
         <p:sp>
           <p:nvSpPr>
-            <p:cNvPr id="4" name="Freeform 4"/>
+            <p:cNvPr id="17" name="Freeform 17"/>
             <p:cNvSpPr/>
             <p:nvPr/>
           </p:nvSpPr>
           <p:spPr>
             <a:xfrm>
-              <a:off x="2583" y="0"/>
-              <a:ext cx="3348202" cy="3534215"/>
+              <a:off x="18488" y="0"/>
+              <a:ext cx="3316393" cy="609600"/>
             </a:xfrm>
             <a:custGeom>
               <a:avLst/>
@@ -17120,51 +17595,51 @@
               <a:cxnLst/>
               <a:rect l="l" t="t" r="r" b="b"/>
               <a:pathLst>
-                <a:path w="3348202" h="3534215">
+                <a:path w="3316393" h="609600">
                   <a:moveTo>
-                    <a:pt x="261422" y="0"/>
+                    <a:pt x="260807" y="0"/>
                   </a:moveTo>
                   <a:lnTo>
-                    <a:pt x="3289981" y="0"/>
+                    <a:pt x="3258787" y="0"/>
                   </a:lnTo>
                   <a:cubicBezTo>
-                    <a:pt x="3305779" y="0"/>
-                    <a:pt x="3320879" y="6510"/>
-                    <a:pt x="3331725" y="17997"/>
-                  </a:cubicBezTo>
-                  <a:cubicBezTo>
-                    <a:pt x="3342570" y="29484"/>
-                    <a:pt x="3348203" y="44933"/>
-                    <a:pt x="3347296" y="60705"/>
+                    <a:pt x="3276416" y="0"/>
+                    <a:pt x="3292972" y="8475"/>
+                    <a:pt x="3303280" y="22777"/>
+                  </a:cubicBezTo>
+                  <a:cubicBezTo>
+                    <a:pt x="3313588" y="37079"/>
+                    <a:pt x="3316393" y="55465"/>
+                    <a:pt x="3310818" y="72190"/>
                   </a:cubicBezTo>
                   <a:lnTo>
-                    <a:pt x="3151077" y="3473510"/>
+                    <a:pt x="3155745" y="537410"/>
                   </a:lnTo>
                   <a:cubicBezTo>
-                    <a:pt x="3149117" y="3507586"/>
-                    <a:pt x="3120913" y="3534215"/>
-                    <a:pt x="3086781" y="3534215"/>
+                    <a:pt x="3141374" y="580521"/>
+                    <a:pt x="3101030" y="609600"/>
+                    <a:pt x="3055587" y="609600"/>
                   </a:cubicBezTo>
                   <a:lnTo>
-                    <a:pt x="58222" y="3534215"/>
+                    <a:pt x="57607" y="609600"/>
                   </a:lnTo>
                   <a:cubicBezTo>
-                    <a:pt x="42424" y="3534215"/>
-                    <a:pt x="27324" y="3527705"/>
-                    <a:pt x="16479" y="3516218"/>
-                  </a:cubicBezTo>
-                  <a:cubicBezTo>
-                    <a:pt x="5633" y="3504731"/>
-                    <a:pt x="0" y="3489282"/>
-                    <a:pt x="907" y="3473510"/>
+                    <a:pt x="39977" y="609600"/>
+                    <a:pt x="23422" y="601125"/>
+                    <a:pt x="13113" y="586823"/>
+                  </a:cubicBezTo>
+                  <a:cubicBezTo>
+                    <a:pt x="2805" y="572521"/>
+                    <a:pt x="0" y="554135"/>
+                    <a:pt x="5575" y="537410"/>
                   </a:cubicBezTo>
                   <a:lnTo>
-                    <a:pt x="197127" y="60705"/>
+                    <a:pt x="160649" y="72190"/>
                   </a:lnTo>
                   <a:cubicBezTo>
-                    <a:pt x="199086" y="26629"/>
-                    <a:pt x="227290" y="0"/>
-                    <a:pt x="261422" y="0"/>
+                    <a:pt x="175019" y="29079"/>
+                    <a:pt x="215364" y="0"/>
+                    <a:pt x="260807" y="0"/>
                   </a:cubicBezTo>
                   <a:close/>
                 </a:path>
@@ -17189,14 +17664,14 @@
         </p:sp>
         <p:sp>
           <p:nvSpPr>
-            <p:cNvPr id="5" name="TextBox 5"/>
+            <p:cNvPr id="18" name="TextBox 18"/>
             <p:cNvSpPr txBox="1"/>
             <p:nvPr/>
           </p:nvSpPr>
           <p:spPr>
             <a:xfrm>
               <a:off x="101600" y="-47625"/>
-              <a:ext cx="3150169" cy="3581840"/>
+              <a:ext cx="3150169" cy="657225"/>
             </a:xfrm>
             <a:prstGeom prst="rect">
               <a:avLst/>
@@ -17218,28 +17693,28 @@
       </p:grpSp>
       <p:grpSp>
         <p:nvGrpSpPr>
-          <p:cNvPr id="17" name="Group 17"/>
+          <p:cNvPr id="22" name="Group 22"/>
           <p:cNvGrpSpPr/>
           <p:nvPr/>
         </p:nvGrpSpPr>
         <p:grpSpPr>
-          <a:xfrm>
-            <a:off x="16146813" y="8304146"/>
-            <a:ext cx="1066005" cy="1058401"/>
+          <a:xfrm rot="-4026990">
+            <a:off x="-4506930" y="7280495"/>
+            <a:ext cx="10174055" cy="1849514"/>
             <a:chOff x="0" y="0"/>
-            <a:chExt cx="289003" cy="286941"/>
+            <a:chExt cx="3353369" cy="609600"/>
           </a:xfrm>
         </p:grpSpPr>
         <p:sp>
           <p:nvSpPr>
-            <p:cNvPr id="18" name="Freeform 18"/>
+            <p:cNvPr id="23" name="Freeform 23"/>
             <p:cNvSpPr/>
             <p:nvPr/>
           </p:nvSpPr>
           <p:spPr>
             <a:xfrm>
-              <a:off x="0" y="0"/>
-              <a:ext cx="289003" cy="286941"/>
+              <a:off x="18488" y="0"/>
+              <a:ext cx="3316393" cy="609600"/>
             </a:xfrm>
             <a:custGeom>
               <a:avLst/>
@@ -17248,81 +17723,83 @@
               <a:cxnLst/>
               <a:rect l="l" t="t" r="r" b="b"/>
               <a:pathLst>
-                <a:path w="289003" h="286941">
+                <a:path w="3316393" h="609600">
                   <a:moveTo>
-                    <a:pt x="143471" y="0"/>
+                    <a:pt x="260807" y="0"/>
                   </a:moveTo>
                   <a:lnTo>
-                    <a:pt x="145532" y="0"/>
+                    <a:pt x="3258787" y="0"/>
                   </a:lnTo>
                   <a:cubicBezTo>
-                    <a:pt x="183583" y="0"/>
-                    <a:pt x="220075" y="15116"/>
-                    <a:pt x="246981" y="42022"/>
-                  </a:cubicBezTo>
-                  <a:cubicBezTo>
-                    <a:pt x="273887" y="68928"/>
-                    <a:pt x="289003" y="105420"/>
-                    <a:pt x="289003" y="143471"/>
+                    <a:pt x="3276416" y="0"/>
+                    <a:pt x="3292972" y="8475"/>
+                    <a:pt x="3303280" y="22777"/>
+                  </a:cubicBezTo>
+                  <a:cubicBezTo>
+                    <a:pt x="3313588" y="37079"/>
+                    <a:pt x="3316393" y="55465"/>
+                    <a:pt x="3310818" y="72190"/>
                   </a:cubicBezTo>
                   <a:lnTo>
-                    <a:pt x="289003" y="143471"/>
+                    <a:pt x="3155745" y="537410"/>
                   </a:lnTo>
                   <a:cubicBezTo>
-                    <a:pt x="289003" y="181521"/>
-                    <a:pt x="273887" y="218014"/>
-                    <a:pt x="246981" y="244920"/>
-                  </a:cubicBezTo>
-                  <a:cubicBezTo>
-                    <a:pt x="220075" y="271826"/>
-                    <a:pt x="183583" y="286941"/>
-                    <a:pt x="145532" y="286941"/>
+                    <a:pt x="3141374" y="580521"/>
+                    <a:pt x="3101030" y="609600"/>
+                    <a:pt x="3055587" y="609600"/>
                   </a:cubicBezTo>
                   <a:lnTo>
-                    <a:pt x="143471" y="286941"/>
+                    <a:pt x="57607" y="609600"/>
                   </a:lnTo>
                   <a:cubicBezTo>
-                    <a:pt x="105420" y="286941"/>
-                    <a:pt x="68928" y="271826"/>
-                    <a:pt x="42022" y="244920"/>
-                  </a:cubicBezTo>
-                  <a:cubicBezTo>
-                    <a:pt x="15116" y="218014"/>
-                    <a:pt x="0" y="181521"/>
-                    <a:pt x="0" y="143471"/>
+                    <a:pt x="39977" y="609600"/>
+                    <a:pt x="23422" y="601125"/>
+                    <a:pt x="13113" y="586823"/>
+                  </a:cubicBezTo>
+                  <a:cubicBezTo>
+                    <a:pt x="2805" y="572521"/>
+                    <a:pt x="0" y="554135"/>
+                    <a:pt x="5575" y="537410"/>
                   </a:cubicBezTo>
                   <a:lnTo>
-                    <a:pt x="0" y="143471"/>
+                    <a:pt x="160649" y="72190"/>
                   </a:lnTo>
                   <a:cubicBezTo>
-                    <a:pt x="0" y="105420"/>
-                    <a:pt x="15116" y="68928"/>
-                    <a:pt x="42022" y="42022"/>
-                  </a:cubicBezTo>
-                  <a:cubicBezTo>
-                    <a:pt x="68928" y="15116"/>
-                    <a:pt x="105420" y="0"/>
-                    <a:pt x="143471" y="0"/>
+                    <a:pt x="175019" y="29079"/>
+                    <a:pt x="215364" y="0"/>
+                    <a:pt x="260807" y="0"/>
                   </a:cubicBezTo>
                   <a:close/>
                 </a:path>
               </a:pathLst>
             </a:custGeom>
-            <a:solidFill>
-              <a:srgbClr val="F4F4F4"/>
-            </a:solidFill>
+            <a:gradFill rotWithShape="1">
+              <a:gsLst>
+                <a:gs pos="0">
+                  <a:srgbClr val="82A5FF">
+                    <a:alpha val="20000"/>
+                  </a:srgbClr>
+                </a:gs>
+                <a:gs pos="100000">
+                  <a:srgbClr val="005EFF">
+                    <a:alpha val="100000"/>
+                  </a:srgbClr>
+                </a:gs>
+              </a:gsLst>
+              <a:lin ang="0"/>
+            </a:gradFill>
           </p:spPr>
         </p:sp>
         <p:sp>
           <p:nvSpPr>
-            <p:cNvPr id="19" name="TextBox 19"/>
+            <p:cNvPr id="24" name="TextBox 24"/>
             <p:cNvSpPr txBox="1"/>
             <p:nvPr/>
           </p:nvSpPr>
           <p:spPr>
             <a:xfrm>
-              <a:off x="0" y="-38100"/>
-              <a:ext cx="289003" cy="325041"/>
+              <a:off x="101600" y="-47625"/>
+              <a:ext cx="3150169" cy="657225"/>
             </a:xfrm>
             <a:prstGeom prst="rect">
               <a:avLst/>
@@ -17334,80 +17811,24 @@
             <a:p>
               <a:pPr algn="ctr">
                 <a:lnSpc>
-                  <a:spcPts val="2659"/>
+                  <a:spcPts val="2731"/>
                 </a:lnSpc>
               </a:pPr>
-              <a:endParaRPr>
-                <a:solidFill>
-                  <a:srgbClr val="0070C0"/>
-                </a:solidFill>
-              </a:endParaRPr>
+              <a:endParaRPr/>
             </a:p>
           </p:txBody>
         </p:sp>
       </p:grpSp>
       <p:sp>
         <p:nvSpPr>
-          <p:cNvPr id="20" name="Freeform 20"/>
-          <p:cNvSpPr/>
-          <p:nvPr/>
-        </p:nvSpPr>
-        <p:spPr>
-          <a:xfrm rot="-5400000">
-            <a:off x="16511822" y="8588199"/>
-            <a:ext cx="362818" cy="490294"/>
-          </a:xfrm>
-          <a:custGeom>
-            <a:avLst/>
-            <a:gdLst/>
-            <a:ahLst/>
-            <a:cxnLst/>
-            <a:rect l="l" t="t" r="r" b="b"/>
-            <a:pathLst>
-              <a:path w="362818" h="490294">
-                <a:moveTo>
-                  <a:pt x="0" y="0"/>
-                </a:moveTo>
-                <a:lnTo>
-                  <a:pt x="362818" y="0"/>
-                </a:lnTo>
-                <a:lnTo>
-                  <a:pt x="362818" y="490294"/>
-                </a:lnTo>
-                <a:lnTo>
-                  <a:pt x="0" y="490294"/>
-                </a:lnTo>
-                <a:lnTo>
-                  <a:pt x="0" y="0"/>
-                </a:lnTo>
-                <a:close/>
-              </a:path>
-            </a:pathLst>
-          </a:custGeom>
-          <a:blipFill>
-            <a:blip r:embed="rId5">
-              <a:extLst>
-                <a:ext uri="{96DAC541-7B7A-43D3-8B79-37D633B846F1}">
-                  <asvg:svgBlip xmlns="" xmlns:asvg="http://schemas.microsoft.com/office/drawing/2016/SVG/main" r:embed="rId8"/>
-                </a:ext>
-              </a:extLst>
-            </a:blip>
-            <a:stretch>
-              <a:fillRect/>
-            </a:stretch>
-          </a:blipFill>
-        </p:spPr>
-      </p:sp>
-      <p:sp>
-        <p:nvSpPr>
-          <p:cNvPr id="29" name="TextBox 23"/>
+          <p:cNvPr id="14" name="TextBox 9"/>
           <p:cNvSpPr txBox="1"/>
           <p:nvPr/>
         </p:nvSpPr>
         <p:spPr>
           <a:xfrm>
-            <a:off x="5867400" y="4533900"/>
-            <a:ext cx="9872940" cy="1085105"/>
+            <a:off x="1757335" y="2260952"/>
+            <a:ext cx="15545496" cy="1166986"/>
           </a:xfrm>
           <a:prstGeom prst="rect">
             <a:avLst/>
@@ -17419,390 +17840,1381 @@
           </a:bodyPr>
           <a:lstStyle/>
           <a:p>
-            <a:pPr>
+            <a:pPr lvl="0" algn="r">
               <a:lnSpc>
                 <a:spcPts val="9112"/>
               </a:lnSpc>
             </a:pPr>
             <a:r>
-              <a:rPr lang="en-US" sz="6200" b="1" dirty="0" smtClean="0">
+              <a:rPr lang="en-US" sz="4000" b="1" dirty="0" smtClean="0">
                 <a:solidFill>
-                  <a:srgbClr val="0070C0"/>
+                  <a:srgbClr val="005EFF"/>
                 </a:solidFill>
-                <a:latin typeface="Calibri"/>
-                <a:ea typeface="Calibri"/>
+                <a:latin typeface="+mj-lt"/>
+                <a:ea typeface="Pattanakarn Bold"/>
                 <a:cs typeface="Pattanakarn Bold"/>
                 <a:sym typeface="Pattanakarn Bold"/>
               </a:rPr>
-              <a:t>THANK YOU!</a:t>
-            </a:r>
-            <a:endParaRPr lang="vi-VN" sz="6200" dirty="0">
+              <a:t>How the current  skill gaps can be fixed with a </a:t>
+            </a:r>
+            <a:r>
+              <a:rPr lang="en-US" sz="4000" b="1" dirty="0" smtClean="0">
+                <a:solidFill>
+                  <a:srgbClr val="005EFF"/>
+                </a:solidFill>
+                <a:latin typeface="+mj-lt"/>
+                <a:ea typeface="Pattanakarn Bold"/>
+                <a:cs typeface="Pattanakarn Bold"/>
+                <a:sym typeface="Pattanakarn Bold"/>
+              </a:rPr>
+              <a:t>coaching plan</a:t>
+            </a:r>
+            <a:endParaRPr lang="en-US" sz="4000" b="1" dirty="0">
               <a:solidFill>
-                <a:srgbClr val="0070C0"/>
+                <a:srgbClr val="005EFF"/>
               </a:solidFill>
-              <a:latin typeface="Calibri"/>
-              <a:ea typeface="Calibri"/>
-              <a:cs typeface="Calibri"/>
+              <a:latin typeface="+mj-lt"/>
+              <a:ea typeface="Pattanakarn Bold"/>
+              <a:cs typeface="Pattanakarn Bold"/>
+              <a:sym typeface="Pattanakarn Bold"/>
             </a:endParaRPr>
           </a:p>
         </p:txBody>
       </p:sp>
+      <p:graphicFrame>
+        <p:nvGraphicFramePr>
+          <p:cNvPr id="2" name="Table 1"/>
+          <p:cNvGraphicFramePr>
+            <a:graphicFrameLocks noGrp="1"/>
+          </p:cNvGraphicFramePr>
+          <p:nvPr>
+            <p:extLst>
+              <p:ext uri="{D42A27DB-BD31-4B8C-83A1-F6EECF244321}">
+                <p14:modId xmlns:p14="http://schemas.microsoft.com/office/powerpoint/2010/main" val="2865228057"/>
+              </p:ext>
+            </p:extLst>
+          </p:nvPr>
+        </p:nvGraphicFramePr>
+        <p:xfrm>
+          <a:off x="4648200" y="3363931"/>
+          <a:ext cx="12192000" cy="6497320"/>
+        </p:xfrm>
+        <a:graphic>
+          <a:graphicData uri="http://schemas.openxmlformats.org/drawingml/2006/table">
+            <a:tbl>
+              <a:tblPr firstRow="1" bandRow="1">
+                <a:tableStyleId>{5C22544A-7EE6-4342-B048-85BDC9FD1C3A}</a:tableStyleId>
+              </a:tblPr>
+              <a:tblGrid>
+                <a:gridCol w="3048000">
+                  <a:extLst>
+                    <a:ext uri="{9D8B030D-6E8A-4147-A177-3AD203B41FA5}">
+                      <a16:colId xmlns:a16="http://schemas.microsoft.com/office/drawing/2014/main" val="955446759"/>
+                    </a:ext>
+                  </a:extLst>
+                </a:gridCol>
+                <a:gridCol w="3048000">
+                  <a:extLst>
+                    <a:ext uri="{9D8B030D-6E8A-4147-A177-3AD203B41FA5}">
+                      <a16:colId xmlns:a16="http://schemas.microsoft.com/office/drawing/2014/main" val="3318477422"/>
+                    </a:ext>
+                  </a:extLst>
+                </a:gridCol>
+                <a:gridCol w="3048000">
+                  <a:extLst>
+                    <a:ext uri="{9D8B030D-6E8A-4147-A177-3AD203B41FA5}">
+                      <a16:colId xmlns:a16="http://schemas.microsoft.com/office/drawing/2014/main" val="2768420381"/>
+                    </a:ext>
+                  </a:extLst>
+                </a:gridCol>
+                <a:gridCol w="3048000">
+                  <a:extLst>
+                    <a:ext uri="{9D8B030D-6E8A-4147-A177-3AD203B41FA5}">
+                      <a16:colId xmlns:a16="http://schemas.microsoft.com/office/drawing/2014/main" val="4071344786"/>
+                    </a:ext>
+                  </a:extLst>
+                </a:gridCol>
+              </a:tblGrid>
+              <a:tr h="370840">
+                <a:tc>
+                  <a:txBody>
+                    <a:bodyPr/>
+                    <a:lstStyle/>
+                    <a:p>
+                      <a:pPr algn="ctr"/>
+                      <a:r>
+                        <a:rPr kumimoji="1" lang="en-US" altLang="ja-JP" dirty="0" smtClean="0"/>
+                        <a:t>Role</a:t>
+                      </a:r>
+                      <a:endParaRPr kumimoji="1" lang="ja-JP" altLang="en-US" dirty="0"/>
+                    </a:p>
+                  </a:txBody>
+                  <a:tcPr/>
+                </a:tc>
+                <a:tc>
+                  <a:txBody>
+                    <a:bodyPr/>
+                    <a:lstStyle/>
+                    <a:p>
+                      <a:pPr algn="ctr"/>
+                      <a:r>
+                        <a:rPr kumimoji="1" lang="en-US" altLang="ja-JP" dirty="0" smtClean="0"/>
+                        <a:t>Skill Gaps</a:t>
+                      </a:r>
+                      <a:endParaRPr kumimoji="1" lang="ja-JP" altLang="en-US" dirty="0"/>
+                    </a:p>
+                  </a:txBody>
+                  <a:tcPr/>
+                </a:tc>
+                <a:tc>
+                  <a:txBody>
+                    <a:bodyPr/>
+                    <a:lstStyle/>
+                    <a:p>
+                      <a:pPr algn="ctr"/>
+                      <a:r>
+                        <a:rPr kumimoji="1" lang="en-US" altLang="ja-JP" dirty="0" smtClean="0"/>
+                        <a:t>Stage</a:t>
+                      </a:r>
+                      <a:endParaRPr kumimoji="1" lang="ja-JP" altLang="en-US" dirty="0"/>
+                    </a:p>
+                  </a:txBody>
+                  <a:tcPr/>
+                </a:tc>
+                <a:tc>
+                  <a:txBody>
+                    <a:bodyPr/>
+                    <a:lstStyle/>
+                    <a:p>
+                      <a:pPr algn="ctr"/>
+                      <a:r>
+                        <a:rPr kumimoji="1" lang="en-US" altLang="ja-JP" dirty="0" smtClean="0"/>
+                        <a:t>Coaching Plan</a:t>
+                      </a:r>
+                      <a:endParaRPr kumimoji="1" lang="ja-JP" altLang="en-US" dirty="0"/>
+                    </a:p>
+                  </a:txBody>
+                  <a:tcPr/>
+                </a:tc>
+                <a:extLst>
+                  <a:ext uri="{0D108BD9-81ED-4DB2-BD59-A6C34878D82A}">
+                    <a16:rowId xmlns:a16="http://schemas.microsoft.com/office/drawing/2014/main" val="169925190"/>
+                  </a:ext>
+                </a:extLst>
+              </a:tr>
+              <a:tr h="370840">
+                <a:tc rowSpan="2">
+                  <a:txBody>
+                    <a:bodyPr/>
+                    <a:lstStyle/>
+                    <a:p>
+                      <a:r>
+                        <a:rPr lang="en-US" b="1" dirty="0">
+                          <a:solidFill>
+                            <a:srgbClr val="0070C0"/>
+                          </a:solidFill>
+                        </a:rPr>
+                        <a:t>Jane Doe (Project Manager)</a:t>
+                      </a:r>
+                      <a:endParaRPr lang="en-US" dirty="0">
+                        <a:solidFill>
+                          <a:srgbClr val="0070C0"/>
+                        </a:solidFill>
+                      </a:endParaRPr>
+                    </a:p>
+                  </a:txBody>
+                  <a:tcPr anchor="ctr"/>
+                </a:tc>
+                <a:tc>
+                  <a:txBody>
+                    <a:bodyPr/>
+                    <a:lstStyle/>
+                    <a:p>
+                      <a:r>
+                        <a:rPr lang="en-US" dirty="0">
+                          <a:solidFill>
+                            <a:srgbClr val="0070C0"/>
+                          </a:solidFill>
+                        </a:rPr>
+                        <a:t>Focuses on assigning tasks individually, lacks Agile mindset.</a:t>
+                      </a:r>
+                    </a:p>
+                  </a:txBody>
+                  <a:tcPr anchor="ctr"/>
+                </a:tc>
+                <a:tc>
+                  <a:txBody>
+                    <a:bodyPr/>
+                    <a:lstStyle/>
+                    <a:p>
+                      <a:r>
+                        <a:rPr lang="en-US" altLang="ja-JP" dirty="0" smtClean="0">
+                          <a:solidFill>
+                            <a:srgbClr val="0070C0"/>
+                          </a:solidFill>
+                        </a:rPr>
+                        <a:t>Shu </a:t>
+                      </a:r>
+                      <a:endParaRPr kumimoji="1" lang="ja-JP" altLang="en-US" dirty="0">
+                        <a:solidFill>
+                          <a:srgbClr val="0070C0"/>
+                        </a:solidFill>
+                      </a:endParaRPr>
+                    </a:p>
+                  </a:txBody>
+                  <a:tcPr/>
+                </a:tc>
+                <a:tc>
+                  <a:txBody>
+                    <a:bodyPr/>
+                    <a:lstStyle/>
+                    <a:p>
+                      <a:r>
+                        <a:rPr lang="en-US" dirty="0">
+                          <a:solidFill>
+                            <a:srgbClr val="0070C0"/>
+                          </a:solidFill>
+                        </a:rPr>
+                        <a:t>Provide foundational Agile training on Scrum roles, ceremonies, and values. Introduce her to the concept of servant leadership and team empowerment.</a:t>
+                      </a:r>
+                    </a:p>
+                  </a:txBody>
+                  <a:tcPr anchor="ctr"/>
+                </a:tc>
+                <a:extLst>
+                  <a:ext uri="{0D108BD9-81ED-4DB2-BD59-A6C34878D82A}">
+                    <a16:rowId xmlns:a16="http://schemas.microsoft.com/office/drawing/2014/main" val="2457495835"/>
+                  </a:ext>
+                </a:extLst>
+              </a:tr>
+              <a:tr h="370840">
+                <a:tc vMerge="1">
+                  <a:txBody>
+                    <a:bodyPr/>
+                    <a:lstStyle/>
+                    <a:p>
+                      <a:endParaRPr kumimoji="1" lang="ja-JP" altLang="en-US" dirty="0"/>
+                    </a:p>
+                  </a:txBody>
+                  <a:tcPr/>
+                </a:tc>
+                <a:tc>
+                  <a:txBody>
+                    <a:bodyPr/>
+                    <a:lstStyle/>
+                    <a:p>
+                      <a:r>
+                        <a:rPr lang="en-US" dirty="0">
+                          <a:solidFill>
+                            <a:srgbClr val="0070C0"/>
+                          </a:solidFill>
+                        </a:rPr>
+                        <a:t>Finds it hard to relinquish control over detailed planning.</a:t>
+                      </a:r>
+                    </a:p>
+                  </a:txBody>
+                  <a:tcPr anchor="ctr"/>
+                </a:tc>
+                <a:tc>
+                  <a:txBody>
+                    <a:bodyPr/>
+                    <a:lstStyle/>
+                    <a:p>
+                      <a:r>
+                        <a:rPr lang="en-US" altLang="ja-JP" dirty="0" smtClean="0">
+                          <a:solidFill>
+                            <a:srgbClr val="0070C0"/>
+                          </a:solidFill>
+                        </a:rPr>
+                        <a:t>Ha </a:t>
+                      </a:r>
+                      <a:endParaRPr kumimoji="1" lang="ja-JP" altLang="en-US" dirty="0">
+                        <a:solidFill>
+                          <a:srgbClr val="0070C0"/>
+                        </a:solidFill>
+                      </a:endParaRPr>
+                    </a:p>
+                  </a:txBody>
+                  <a:tcPr/>
+                </a:tc>
+                <a:tc>
+                  <a:txBody>
+                    <a:bodyPr/>
+                    <a:lstStyle/>
+                    <a:p>
+                      <a:r>
+                        <a:rPr lang="en-US" dirty="0">
+                          <a:solidFill>
+                            <a:srgbClr val="0070C0"/>
+                          </a:solidFill>
+                        </a:rPr>
+                        <a:t>Mentor her on backlog refinement and collaborative sprint planning. Encourage delegation of task assignments to the team.</a:t>
+                      </a:r>
+                    </a:p>
+                  </a:txBody>
+                  <a:tcPr anchor="ctr"/>
+                </a:tc>
+                <a:extLst>
+                  <a:ext uri="{0D108BD9-81ED-4DB2-BD59-A6C34878D82A}">
+                    <a16:rowId xmlns:a16="http://schemas.microsoft.com/office/drawing/2014/main" val="2090927134"/>
+                  </a:ext>
+                </a:extLst>
+              </a:tr>
+              <a:tr h="370840">
+                <a:tc rowSpan="2">
+                  <a:txBody>
+                    <a:bodyPr/>
+                    <a:lstStyle/>
+                    <a:p>
+                      <a:r>
+                        <a:rPr lang="en-US" b="1" dirty="0">
+                          <a:solidFill>
+                            <a:srgbClr val="0070C0"/>
+                          </a:solidFill>
+                        </a:rPr>
+                        <a:t>John Smith (Product Manager)</a:t>
+                      </a:r>
+                      <a:endParaRPr lang="en-US" dirty="0">
+                        <a:solidFill>
+                          <a:srgbClr val="0070C0"/>
+                        </a:solidFill>
+                      </a:endParaRPr>
+                    </a:p>
+                  </a:txBody>
+                  <a:tcPr anchor="ctr"/>
+                </a:tc>
+                <a:tc>
+                  <a:txBody>
+                    <a:bodyPr/>
+                    <a:lstStyle/>
+                    <a:p>
+                      <a:r>
+                        <a:rPr lang="en-US" dirty="0">
+                          <a:solidFill>
+                            <a:srgbClr val="0070C0"/>
+                          </a:solidFill>
+                        </a:rPr>
+                        <a:t>Detached from developers due to traditional upfront planning practices.</a:t>
+                      </a:r>
+                    </a:p>
+                  </a:txBody>
+                  <a:tcPr anchor="ctr"/>
+                </a:tc>
+                <a:tc>
+                  <a:txBody>
+                    <a:bodyPr/>
+                    <a:lstStyle/>
+                    <a:p>
+                      <a:r>
+                        <a:rPr kumimoji="1" lang="en-US" altLang="ja-JP" dirty="0" smtClean="0">
+                          <a:solidFill>
+                            <a:srgbClr val="0070C0"/>
+                          </a:solidFill>
+                        </a:rPr>
+                        <a:t>Shu</a:t>
+                      </a:r>
+                      <a:endParaRPr kumimoji="1" lang="ja-JP" altLang="en-US" dirty="0">
+                        <a:solidFill>
+                          <a:srgbClr val="0070C0"/>
+                        </a:solidFill>
+                      </a:endParaRPr>
+                    </a:p>
+                  </a:txBody>
+                  <a:tcPr/>
+                </a:tc>
+                <a:tc>
+                  <a:txBody>
+                    <a:bodyPr/>
+                    <a:lstStyle/>
+                    <a:p>
+                      <a:r>
+                        <a:rPr lang="en-US" dirty="0">
+                          <a:solidFill>
+                            <a:srgbClr val="0070C0"/>
+                          </a:solidFill>
+                        </a:rPr>
+                        <a:t>Educate on Agile product ownership, emphasizing continuous backlog prioritization and regular engagement with the team.</a:t>
+                      </a:r>
+                    </a:p>
+                  </a:txBody>
+                  <a:tcPr anchor="ctr"/>
+                </a:tc>
+                <a:extLst>
+                  <a:ext uri="{0D108BD9-81ED-4DB2-BD59-A6C34878D82A}">
+                    <a16:rowId xmlns:a16="http://schemas.microsoft.com/office/drawing/2014/main" val="2333577066"/>
+                  </a:ext>
+                </a:extLst>
+              </a:tr>
+              <a:tr h="370840">
+                <a:tc vMerge="1">
+                  <a:txBody>
+                    <a:bodyPr/>
+                    <a:lstStyle/>
+                    <a:p>
+                      <a:endParaRPr kumimoji="1" lang="ja-JP" altLang="en-US" dirty="0"/>
+                    </a:p>
+                  </a:txBody>
+                  <a:tcPr/>
+                </a:tc>
+                <a:tc>
+                  <a:txBody>
+                    <a:bodyPr/>
+                    <a:lstStyle/>
+                    <a:p>
+                      <a:r>
+                        <a:rPr lang="en-US" dirty="0">
+                          <a:solidFill>
+                            <a:srgbClr val="0070C0"/>
+                          </a:solidFill>
+                        </a:rPr>
+                        <a:t>Unfamiliar with breaking requirements into smaller, deliverable chunks.</a:t>
+                      </a:r>
+                    </a:p>
+                  </a:txBody>
+                  <a:tcPr anchor="ctr"/>
+                </a:tc>
+                <a:tc>
+                  <a:txBody>
+                    <a:bodyPr/>
+                    <a:lstStyle/>
+                    <a:p>
+                      <a:r>
+                        <a:rPr kumimoji="1" lang="en-US" altLang="ja-JP" dirty="0" smtClean="0">
+                          <a:solidFill>
+                            <a:srgbClr val="0070C0"/>
+                          </a:solidFill>
+                        </a:rPr>
+                        <a:t>Ha</a:t>
+                      </a:r>
+                      <a:endParaRPr kumimoji="1" lang="ja-JP" altLang="en-US" dirty="0">
+                        <a:solidFill>
+                          <a:srgbClr val="0070C0"/>
+                        </a:solidFill>
+                      </a:endParaRPr>
+                    </a:p>
+                  </a:txBody>
+                  <a:tcPr/>
+                </a:tc>
+                <a:tc>
+                  <a:txBody>
+                    <a:bodyPr/>
+                    <a:lstStyle/>
+                    <a:p>
+                      <a:r>
+                        <a:rPr lang="en-US" dirty="0">
+                          <a:solidFill>
+                            <a:srgbClr val="0070C0"/>
+                          </a:solidFill>
+                        </a:rPr>
+                        <a:t>Provide hands-on coaching for backlog grooming and user story writing. Focus on creating valuable, incremental deliverables with the team.</a:t>
+                      </a:r>
+                    </a:p>
+                  </a:txBody>
+                  <a:tcPr anchor="ctr"/>
+                </a:tc>
+                <a:extLst>
+                  <a:ext uri="{0D108BD9-81ED-4DB2-BD59-A6C34878D82A}">
+                    <a16:rowId xmlns:a16="http://schemas.microsoft.com/office/drawing/2014/main" val="2313968090"/>
+                  </a:ext>
+                </a:extLst>
+              </a:tr>
+            </a:tbl>
+          </a:graphicData>
+        </a:graphic>
+      </p:graphicFrame>
+    </p:spTree>
+    <p:extLst>
+      <p:ext uri="{BB962C8B-B14F-4D97-AF65-F5344CB8AC3E}">
+        <p14:creationId xmlns:p14="http://schemas.microsoft.com/office/powerpoint/2010/main" val="940918097"/>
+      </p:ext>
+    </p:extLst>
+  </p:cSld>
+  <p:clrMapOvr>
+    <a:masterClrMapping/>
+  </p:clrMapOvr>
+  <p:timing>
+    <p:tnLst>
+      <p:par>
+        <p:cTn id="1" dur="indefinite" restart="never" nodeType="tmRoot"/>
+      </p:par>
+    </p:tnLst>
+  </p:timing>
+</p:sld>
+</file>
+
+<file path=ppt/slides/slide19.xml><?xml version="1.0" encoding="utf-8"?>
+<p:sld xmlns:a="http://schemas.openxmlformats.org/drawingml/2006/main" xmlns:r="http://schemas.openxmlformats.org/officeDocument/2006/relationships" xmlns:p="http://schemas.openxmlformats.org/presentationml/2006/main">
+  <p:cSld>
+    <p:spTree>
+      <p:nvGrpSpPr>
+        <p:cNvPr id="1" name=""/>
+        <p:cNvGrpSpPr/>
+        <p:nvPr/>
+      </p:nvGrpSpPr>
+      <p:grpSpPr>
+        <a:xfrm>
+          <a:off x="0" y="0"/>
+          <a:ext cx="0" cy="0"/>
+          <a:chOff x="0" y="0"/>
+          <a:chExt cx="0" cy="0"/>
+        </a:xfrm>
+      </p:grpSpPr>
       <p:sp>
         <p:nvSpPr>
-          <p:cNvPr id="6" name="Rectangle 1"/>
-          <p:cNvSpPr>
-            <a:spLocks noChangeArrowheads="1"/>
-          </p:cNvSpPr>
+          <p:cNvPr id="8" name="Freeform 8"/>
+          <p:cNvSpPr/>
           <p:nvPr/>
         </p:nvSpPr>
-        <p:spPr bwMode="auto">
+        <p:spPr>
           <a:xfrm>
-            <a:off x="0" y="43934"/>
-            <a:ext cx="184731" cy="369332"/>
+            <a:off x="5624601" y="2100480"/>
+            <a:ext cx="10522211" cy="10522211"/>
+          </a:xfrm>
+          <a:custGeom>
+            <a:avLst/>
+            <a:gdLst/>
+            <a:ahLst/>
+            <a:cxnLst/>
+            <a:rect l="l" t="t" r="r" b="b"/>
+            <a:pathLst>
+              <a:path w="10522211" h="10522211">
+                <a:moveTo>
+                  <a:pt x="0" y="0"/>
+                </a:moveTo>
+                <a:lnTo>
+                  <a:pt x="10522212" y="0"/>
+                </a:lnTo>
+                <a:lnTo>
+                  <a:pt x="10522212" y="10522211"/>
+                </a:lnTo>
+                <a:lnTo>
+                  <a:pt x="0" y="10522211"/>
+                </a:lnTo>
+                <a:lnTo>
+                  <a:pt x="0" y="0"/>
+                </a:lnTo>
+                <a:close/>
+              </a:path>
+            </a:pathLst>
+          </a:custGeom>
+          <a:blipFill>
+            <a:blip r:embed="rId3">
+              <a:alphaModFix amt="32999"/>
+              <a:extLst>
+                <a:ext uri="{96DAC541-7B7A-43D3-8B79-37D633B846F1}">
+                  <asvg:svgBlip xmlns:asvg="http://schemas.microsoft.com/office/drawing/2016/SVG/main" xmlns="" r:embed="rId5"/>
+                </a:ext>
+              </a:extLst>
+            </a:blip>
+            <a:stretch>
+              <a:fillRect/>
+            </a:stretch>
+          </a:blipFill>
+        </p:spPr>
+      </p:sp>
+      <p:grpSp>
+        <p:nvGrpSpPr>
+          <p:cNvPr id="16" name="Group 16"/>
+          <p:cNvGrpSpPr/>
+          <p:nvPr/>
+        </p:nvGrpSpPr>
+        <p:grpSpPr>
+          <a:xfrm rot="-4026990">
+            <a:off x="-6173058" y="5534528"/>
+            <a:ext cx="10174055" cy="1849514"/>
+            <a:chOff x="0" y="0"/>
+            <a:chExt cx="3353369" cy="609600"/>
+          </a:xfrm>
+        </p:grpSpPr>
+        <p:sp>
+          <p:nvSpPr>
+            <p:cNvPr id="17" name="Freeform 17"/>
+            <p:cNvSpPr/>
+            <p:nvPr/>
+          </p:nvSpPr>
+          <p:spPr>
+            <a:xfrm>
+              <a:off x="18488" y="0"/>
+              <a:ext cx="3316393" cy="609600"/>
+            </a:xfrm>
+            <a:custGeom>
+              <a:avLst/>
+              <a:gdLst/>
+              <a:ahLst/>
+              <a:cxnLst/>
+              <a:rect l="l" t="t" r="r" b="b"/>
+              <a:pathLst>
+                <a:path w="3316393" h="609600">
+                  <a:moveTo>
+                    <a:pt x="260807" y="0"/>
+                  </a:moveTo>
+                  <a:lnTo>
+                    <a:pt x="3258787" y="0"/>
+                  </a:lnTo>
+                  <a:cubicBezTo>
+                    <a:pt x="3276416" y="0"/>
+                    <a:pt x="3292972" y="8475"/>
+                    <a:pt x="3303280" y="22777"/>
+                  </a:cubicBezTo>
+                  <a:cubicBezTo>
+                    <a:pt x="3313588" y="37079"/>
+                    <a:pt x="3316393" y="55465"/>
+                    <a:pt x="3310818" y="72190"/>
+                  </a:cubicBezTo>
+                  <a:lnTo>
+                    <a:pt x="3155745" y="537410"/>
+                  </a:lnTo>
+                  <a:cubicBezTo>
+                    <a:pt x="3141374" y="580521"/>
+                    <a:pt x="3101030" y="609600"/>
+                    <a:pt x="3055587" y="609600"/>
+                  </a:cubicBezTo>
+                  <a:lnTo>
+                    <a:pt x="57607" y="609600"/>
+                  </a:lnTo>
+                  <a:cubicBezTo>
+                    <a:pt x="39977" y="609600"/>
+                    <a:pt x="23422" y="601125"/>
+                    <a:pt x="13113" y="586823"/>
+                  </a:cubicBezTo>
+                  <a:cubicBezTo>
+                    <a:pt x="2805" y="572521"/>
+                    <a:pt x="0" y="554135"/>
+                    <a:pt x="5575" y="537410"/>
+                  </a:cubicBezTo>
+                  <a:lnTo>
+                    <a:pt x="160649" y="72190"/>
+                  </a:lnTo>
+                  <a:cubicBezTo>
+                    <a:pt x="175019" y="29079"/>
+                    <a:pt x="215364" y="0"/>
+                    <a:pt x="260807" y="0"/>
+                  </a:cubicBezTo>
+                  <a:close/>
+                </a:path>
+              </a:pathLst>
+            </a:custGeom>
+            <a:gradFill rotWithShape="1">
+              <a:gsLst>
+                <a:gs pos="0">
+                  <a:srgbClr val="82A5FF">
+                    <a:alpha val="20000"/>
+                  </a:srgbClr>
+                </a:gs>
+                <a:gs pos="100000">
+                  <a:srgbClr val="005EFF">
+                    <a:alpha val="100000"/>
+                  </a:srgbClr>
+                </a:gs>
+              </a:gsLst>
+              <a:lin ang="0"/>
+            </a:gradFill>
+          </p:spPr>
+        </p:sp>
+        <p:sp>
+          <p:nvSpPr>
+            <p:cNvPr id="18" name="TextBox 18"/>
+            <p:cNvSpPr txBox="1"/>
+            <p:nvPr/>
+          </p:nvSpPr>
+          <p:spPr>
+            <a:xfrm>
+              <a:off x="101600" y="-47625"/>
+              <a:ext cx="3150169" cy="657225"/>
+            </a:xfrm>
+            <a:prstGeom prst="rect">
+              <a:avLst/>
+            </a:prstGeom>
+          </p:spPr>
+          <p:txBody>
+            <a:bodyPr lIns="50800" tIns="50800" rIns="50800" bIns="50800" rtlCol="0" anchor="ctr"/>
+            <a:lstStyle/>
+            <a:p>
+              <a:pPr algn="ctr">
+                <a:lnSpc>
+                  <a:spcPts val="2731"/>
+                </a:lnSpc>
+              </a:pPr>
+              <a:endParaRPr/>
+            </a:p>
+          </p:txBody>
+        </p:sp>
+      </p:grpSp>
+      <p:grpSp>
+        <p:nvGrpSpPr>
+          <p:cNvPr id="22" name="Group 22"/>
+          <p:cNvGrpSpPr/>
+          <p:nvPr/>
+        </p:nvGrpSpPr>
+        <p:grpSpPr>
+          <a:xfrm rot="-4026990">
+            <a:off x="-4506930" y="7280495"/>
+            <a:ext cx="10174055" cy="1849514"/>
+            <a:chOff x="0" y="0"/>
+            <a:chExt cx="3353369" cy="609600"/>
+          </a:xfrm>
+        </p:grpSpPr>
+        <p:sp>
+          <p:nvSpPr>
+            <p:cNvPr id="23" name="Freeform 23"/>
+            <p:cNvSpPr/>
+            <p:nvPr/>
+          </p:nvSpPr>
+          <p:spPr>
+            <a:xfrm>
+              <a:off x="18488" y="0"/>
+              <a:ext cx="3316393" cy="609600"/>
+            </a:xfrm>
+            <a:custGeom>
+              <a:avLst/>
+              <a:gdLst/>
+              <a:ahLst/>
+              <a:cxnLst/>
+              <a:rect l="l" t="t" r="r" b="b"/>
+              <a:pathLst>
+                <a:path w="3316393" h="609600">
+                  <a:moveTo>
+                    <a:pt x="260807" y="0"/>
+                  </a:moveTo>
+                  <a:lnTo>
+                    <a:pt x="3258787" y="0"/>
+                  </a:lnTo>
+                  <a:cubicBezTo>
+                    <a:pt x="3276416" y="0"/>
+                    <a:pt x="3292972" y="8475"/>
+                    <a:pt x="3303280" y="22777"/>
+                  </a:cubicBezTo>
+                  <a:cubicBezTo>
+                    <a:pt x="3313588" y="37079"/>
+                    <a:pt x="3316393" y="55465"/>
+                    <a:pt x="3310818" y="72190"/>
+                  </a:cubicBezTo>
+                  <a:lnTo>
+                    <a:pt x="3155745" y="537410"/>
+                  </a:lnTo>
+                  <a:cubicBezTo>
+                    <a:pt x="3141374" y="580521"/>
+                    <a:pt x="3101030" y="609600"/>
+                    <a:pt x="3055587" y="609600"/>
+                  </a:cubicBezTo>
+                  <a:lnTo>
+                    <a:pt x="57607" y="609600"/>
+                  </a:lnTo>
+                  <a:cubicBezTo>
+                    <a:pt x="39977" y="609600"/>
+                    <a:pt x="23422" y="601125"/>
+                    <a:pt x="13113" y="586823"/>
+                  </a:cubicBezTo>
+                  <a:cubicBezTo>
+                    <a:pt x="2805" y="572521"/>
+                    <a:pt x="0" y="554135"/>
+                    <a:pt x="5575" y="537410"/>
+                  </a:cubicBezTo>
+                  <a:lnTo>
+                    <a:pt x="160649" y="72190"/>
+                  </a:lnTo>
+                  <a:cubicBezTo>
+                    <a:pt x="175019" y="29079"/>
+                    <a:pt x="215364" y="0"/>
+                    <a:pt x="260807" y="0"/>
+                  </a:cubicBezTo>
+                  <a:close/>
+                </a:path>
+              </a:pathLst>
+            </a:custGeom>
+            <a:gradFill rotWithShape="1">
+              <a:gsLst>
+                <a:gs pos="0">
+                  <a:srgbClr val="82A5FF">
+                    <a:alpha val="20000"/>
+                  </a:srgbClr>
+                </a:gs>
+                <a:gs pos="100000">
+                  <a:srgbClr val="005EFF">
+                    <a:alpha val="100000"/>
+                  </a:srgbClr>
+                </a:gs>
+              </a:gsLst>
+              <a:lin ang="0"/>
+            </a:gradFill>
+          </p:spPr>
+        </p:sp>
+        <p:sp>
+          <p:nvSpPr>
+            <p:cNvPr id="24" name="TextBox 24"/>
+            <p:cNvSpPr txBox="1"/>
+            <p:nvPr/>
+          </p:nvSpPr>
+          <p:spPr>
+            <a:xfrm>
+              <a:off x="101600" y="-47625"/>
+              <a:ext cx="3150169" cy="657225"/>
+            </a:xfrm>
+            <a:prstGeom prst="rect">
+              <a:avLst/>
+            </a:prstGeom>
+          </p:spPr>
+          <p:txBody>
+            <a:bodyPr lIns="50800" tIns="50800" rIns="50800" bIns="50800" rtlCol="0" anchor="ctr"/>
+            <a:lstStyle/>
+            <a:p>
+              <a:pPr algn="ctr">
+                <a:lnSpc>
+                  <a:spcPts val="2731"/>
+                </a:lnSpc>
+              </a:pPr>
+              <a:endParaRPr/>
+            </a:p>
+          </p:txBody>
+        </p:sp>
+      </p:grpSp>
+      <p:sp>
+        <p:nvSpPr>
+          <p:cNvPr id="14" name="TextBox 9"/>
+          <p:cNvSpPr txBox="1"/>
+          <p:nvPr/>
+        </p:nvSpPr>
+        <p:spPr>
+          <a:xfrm>
+            <a:off x="1757335" y="2260952"/>
+            <a:ext cx="15545496" cy="1166986"/>
           </a:xfrm>
           <a:prstGeom prst="rect">
             <a:avLst/>
           </a:prstGeom>
-          <a:noFill/>
-          <a:ln>
-            <a:noFill/>
-          </a:ln>
-          <a:effectLst/>
-          <a:extLst>
-            <a:ext uri="{909E8E84-426E-40DD-AFC4-6F175D3DCCD1}">
-              <a14:hiddenFill xmlns:a14="http://schemas.microsoft.com/office/drawing/2010/main">
-                <a:solidFill>
-                  <a:schemeClr val="accent1"/>
-                </a:solidFill>
-              </a14:hiddenFill>
-            </a:ext>
-            <a:ext uri="{91240B29-F687-4F45-9708-019B960494DF}">
-              <a14:hiddenLine xmlns:a14="http://schemas.microsoft.com/office/drawing/2010/main" w="9525">
-                <a:solidFill>
-                  <a:schemeClr val="tx1"/>
-                </a:solidFill>
-                <a:miter lim="800000"/>
-                <a:headEnd/>
-                <a:tailEnd/>
-              </a14:hiddenLine>
-            </a:ext>
-            <a:ext uri="{AF507438-7753-43E0-B8FC-AC1667EBCBE1}">
-              <a14:hiddenEffects xmlns:a14="http://schemas.microsoft.com/office/drawing/2010/main">
-                <a:effectLst>
-                  <a:outerShdw dist="35921" dir="2700000" algn="ctr" rotWithShape="0">
-                    <a:schemeClr val="bg2"/>
-                  </a:outerShdw>
-                </a:effectLst>
-              </a14:hiddenEffects>
-            </a:ext>
-          </a:extLst>
         </p:spPr>
         <p:txBody>
-          <a:bodyPr vert="horz" wrap="none" lIns="91440" tIns="45720" rIns="91440" bIns="45720" numCol="1" anchor="ctr" anchorCtr="0" compatLnSpc="1">
-            <a:prstTxWarp prst="textNoShape">
-              <a:avLst/>
-            </a:prstTxWarp>
+          <a:bodyPr wrap="square" lIns="0" tIns="0" rIns="0" bIns="0" rtlCol="0" anchor="t">
             <a:spAutoFit/>
           </a:bodyPr>
           <a:lstStyle/>
           <a:p>
-            <a:pPr marL="0" marR="0" lvl="0" indent="0" algn="l" defTabSz="914400" rtl="0" eaLnBrk="0" fontAlgn="base" latinLnBrk="0" hangingPunct="0">
+            <a:pPr lvl="0" algn="r">
               <a:lnSpc>
-                <a:spcPct val="100000"/>
+                <a:spcPts val="9112"/>
               </a:lnSpc>
-              <a:spcBef>
-                <a:spcPct val="0"/>
-              </a:spcBef>
-              <a:spcAft>
-                <a:spcPct val="0"/>
-              </a:spcAft>
-              <a:buClrTx/>
-              <a:buSzTx/>
-              <a:buFontTx/>
-              <a:buNone/>
-              <a:tabLst/>
             </a:pPr>
-            <a:endParaRPr kumimoji="0" lang="ja-JP" altLang="ja-JP" sz="1800" b="0" i="0" u="none" strike="noStrike" cap="none" normalizeH="0" baseline="0" dirty="0" smtClean="0">
-              <a:ln>
-                <a:noFill/>
-              </a:ln>
+            <a:r>
+              <a:rPr lang="en-US" sz="4000" b="1" dirty="0" smtClean="0">
+                <a:solidFill>
+                  <a:srgbClr val="005EFF"/>
+                </a:solidFill>
+                <a:latin typeface="+mj-lt"/>
+                <a:ea typeface="Pattanakarn Bold"/>
+                <a:cs typeface="Pattanakarn Bold"/>
+                <a:sym typeface="Pattanakarn Bold"/>
+              </a:rPr>
+              <a:t>How the current  skill gaps can be fixed with a </a:t>
+            </a:r>
+            <a:r>
+              <a:rPr lang="en-US" sz="4000" b="1" dirty="0" smtClean="0">
+                <a:solidFill>
+                  <a:srgbClr val="005EFF"/>
+                </a:solidFill>
+                <a:latin typeface="+mj-lt"/>
+                <a:ea typeface="Pattanakarn Bold"/>
+                <a:cs typeface="Pattanakarn Bold"/>
+                <a:sym typeface="Pattanakarn Bold"/>
+              </a:rPr>
+              <a:t>coaching plan</a:t>
+            </a:r>
+            <a:endParaRPr lang="en-US" sz="4000" b="1" dirty="0">
               <a:solidFill>
-                <a:schemeClr val="tx1"/>
+                <a:srgbClr val="005EFF"/>
               </a:solidFill>
-              <a:effectLst/>
-              <a:latin typeface="Arial" panose="020B0604020202020204" pitchFamily="34" charset="0"/>
+              <a:latin typeface="+mj-lt"/>
+              <a:ea typeface="Pattanakarn Bold"/>
+              <a:cs typeface="Pattanakarn Bold"/>
+              <a:sym typeface="Pattanakarn Bold"/>
             </a:endParaRPr>
           </a:p>
         </p:txBody>
       </p:sp>
-      <p:sp>
-        <p:nvSpPr>
-          <p:cNvPr id="7" name="Rectangle 2"/>
-          <p:cNvSpPr>
-            <a:spLocks noChangeArrowheads="1"/>
-          </p:cNvSpPr>
-          <p:nvPr/>
-        </p:nvSpPr>
-        <p:spPr bwMode="auto">
-          <a:xfrm>
-            <a:off x="0" y="43934"/>
-            <a:ext cx="184731" cy="369332"/>
-          </a:xfrm>
-          <a:prstGeom prst="rect">
-            <a:avLst/>
-          </a:prstGeom>
-          <a:noFill/>
-          <a:ln>
-            <a:noFill/>
-          </a:ln>
-          <a:effectLst/>
-          <a:extLst>
-            <a:ext uri="{909E8E84-426E-40DD-AFC4-6F175D3DCCD1}">
-              <a14:hiddenFill xmlns:a14="http://schemas.microsoft.com/office/drawing/2010/main">
-                <a:solidFill>
-                  <a:schemeClr val="accent1"/>
-                </a:solidFill>
-              </a14:hiddenFill>
-            </a:ext>
-            <a:ext uri="{91240B29-F687-4F45-9708-019B960494DF}">
-              <a14:hiddenLine xmlns:a14="http://schemas.microsoft.com/office/drawing/2010/main" w="9525">
-                <a:solidFill>
-                  <a:schemeClr val="tx1"/>
-                </a:solidFill>
-                <a:miter lim="800000"/>
-                <a:headEnd/>
-                <a:tailEnd/>
-              </a14:hiddenLine>
-            </a:ext>
-            <a:ext uri="{AF507438-7753-43E0-B8FC-AC1667EBCBE1}">
-              <a14:hiddenEffects xmlns:a14="http://schemas.microsoft.com/office/drawing/2010/main">
-                <a:effectLst>
-                  <a:outerShdw dist="35921" dir="2700000" algn="ctr" rotWithShape="0">
-                    <a:schemeClr val="bg2"/>
-                  </a:outerShdw>
-                </a:effectLst>
-              </a14:hiddenEffects>
-            </a:ext>
-          </a:extLst>
-        </p:spPr>
-        <p:txBody>
-          <a:bodyPr vert="horz" wrap="none" lIns="91440" tIns="45720" rIns="91440" bIns="45720" numCol="1" anchor="ctr" anchorCtr="0" compatLnSpc="1">
-            <a:prstTxWarp prst="textNoShape">
-              <a:avLst/>
-            </a:prstTxWarp>
-            <a:spAutoFit/>
-          </a:bodyPr>
-          <a:lstStyle/>
-          <a:p>
-            <a:pPr marL="0" marR="0" lvl="0" indent="0" algn="l" defTabSz="914400" rtl="0" eaLnBrk="0" fontAlgn="base" latinLnBrk="0" hangingPunct="0">
-              <a:lnSpc>
-                <a:spcPct val="100000"/>
-              </a:lnSpc>
-              <a:spcBef>
-                <a:spcPct val="0"/>
-              </a:spcBef>
-              <a:spcAft>
-                <a:spcPct val="0"/>
-              </a:spcAft>
-              <a:buClrTx/>
-              <a:buSzTx/>
-              <a:buFontTx/>
-              <a:buNone/>
-              <a:tabLst/>
-            </a:pPr>
-            <a:endParaRPr kumimoji="0" lang="ja-JP" altLang="ja-JP" sz="1800" b="0" i="0" u="none" strike="noStrike" cap="none" normalizeH="0" baseline="0" dirty="0" smtClean="0">
-              <a:ln>
-                <a:noFill/>
-              </a:ln>
-              <a:solidFill>
-                <a:schemeClr val="tx1"/>
-              </a:solidFill>
-              <a:effectLst/>
-              <a:latin typeface="Arial" panose="020B0604020202020204" pitchFamily="34" charset="0"/>
-            </a:endParaRPr>
-          </a:p>
-        </p:txBody>
-      </p:sp>
-      <p:sp>
-        <p:nvSpPr>
-          <p:cNvPr id="8" name="Rectangle 3"/>
-          <p:cNvSpPr>
-            <a:spLocks noChangeArrowheads="1"/>
-          </p:cNvSpPr>
-          <p:nvPr/>
-        </p:nvSpPr>
-        <p:spPr bwMode="auto">
-          <a:xfrm>
-            <a:off x="0" y="43934"/>
-            <a:ext cx="184731" cy="369332"/>
-          </a:xfrm>
-          <a:prstGeom prst="rect">
-            <a:avLst/>
-          </a:prstGeom>
-          <a:noFill/>
-          <a:ln>
-            <a:noFill/>
-          </a:ln>
-          <a:effectLst/>
-          <a:extLst>
-            <a:ext uri="{909E8E84-426E-40DD-AFC4-6F175D3DCCD1}">
-              <a14:hiddenFill xmlns:a14="http://schemas.microsoft.com/office/drawing/2010/main">
-                <a:solidFill>
-                  <a:schemeClr val="accent1"/>
-                </a:solidFill>
-              </a14:hiddenFill>
-            </a:ext>
-            <a:ext uri="{91240B29-F687-4F45-9708-019B960494DF}">
-              <a14:hiddenLine xmlns:a14="http://schemas.microsoft.com/office/drawing/2010/main" w="9525">
-                <a:solidFill>
-                  <a:schemeClr val="tx1"/>
-                </a:solidFill>
-                <a:miter lim="800000"/>
-                <a:headEnd/>
-                <a:tailEnd/>
-              </a14:hiddenLine>
-            </a:ext>
-            <a:ext uri="{AF507438-7753-43E0-B8FC-AC1667EBCBE1}">
-              <a14:hiddenEffects xmlns:a14="http://schemas.microsoft.com/office/drawing/2010/main">
-                <a:effectLst>
-                  <a:outerShdw dist="35921" dir="2700000" algn="ctr" rotWithShape="0">
-                    <a:schemeClr val="bg2"/>
-                  </a:outerShdw>
-                </a:effectLst>
-              </a14:hiddenEffects>
-            </a:ext>
-          </a:extLst>
-        </p:spPr>
-        <p:txBody>
-          <a:bodyPr vert="horz" wrap="none" lIns="91440" tIns="45720" rIns="91440" bIns="45720" numCol="1" anchor="ctr" anchorCtr="0" compatLnSpc="1">
-            <a:prstTxWarp prst="textNoShape">
-              <a:avLst/>
-            </a:prstTxWarp>
-            <a:spAutoFit/>
-          </a:bodyPr>
-          <a:lstStyle/>
-          <a:p>
-            <a:pPr marL="0" marR="0" lvl="0" indent="0" algn="l" defTabSz="914400" rtl="0" eaLnBrk="0" fontAlgn="base" latinLnBrk="0" hangingPunct="0">
-              <a:lnSpc>
-                <a:spcPct val="100000"/>
-              </a:lnSpc>
-              <a:spcBef>
-                <a:spcPct val="0"/>
-              </a:spcBef>
-              <a:spcAft>
-                <a:spcPct val="0"/>
-              </a:spcAft>
-              <a:buClrTx/>
-              <a:buSzTx/>
-              <a:buFontTx/>
-              <a:buNone/>
-              <a:tabLst/>
-            </a:pPr>
-            <a:endParaRPr kumimoji="0" lang="ja-JP" altLang="ja-JP" sz="1800" b="0" i="0" u="none" strike="noStrike" cap="none" normalizeH="0" baseline="0" dirty="0" smtClean="0">
-              <a:ln>
-                <a:noFill/>
-              </a:ln>
-              <a:solidFill>
-                <a:schemeClr val="tx1"/>
-              </a:solidFill>
-              <a:effectLst/>
-              <a:latin typeface="Arial" panose="020B0604020202020204" pitchFamily="34" charset="0"/>
-            </a:endParaRPr>
-          </a:p>
-        </p:txBody>
-      </p:sp>
-      <p:sp>
-        <p:nvSpPr>
-          <p:cNvPr id="9" name="Rectangle 4"/>
-          <p:cNvSpPr>
-            <a:spLocks noChangeArrowheads="1"/>
-          </p:cNvSpPr>
-          <p:nvPr/>
-        </p:nvSpPr>
-        <p:spPr bwMode="auto">
-          <a:xfrm>
-            <a:off x="0" y="43934"/>
-            <a:ext cx="184731" cy="369332"/>
-          </a:xfrm>
-          <a:prstGeom prst="rect">
-            <a:avLst/>
-          </a:prstGeom>
-          <a:noFill/>
-          <a:ln>
-            <a:noFill/>
-          </a:ln>
-          <a:effectLst/>
-          <a:extLst>
-            <a:ext uri="{909E8E84-426E-40DD-AFC4-6F175D3DCCD1}">
-              <a14:hiddenFill xmlns:a14="http://schemas.microsoft.com/office/drawing/2010/main">
-                <a:solidFill>
-                  <a:schemeClr val="accent1"/>
-                </a:solidFill>
-              </a14:hiddenFill>
-            </a:ext>
-            <a:ext uri="{91240B29-F687-4F45-9708-019B960494DF}">
-              <a14:hiddenLine xmlns:a14="http://schemas.microsoft.com/office/drawing/2010/main" w="9525">
-                <a:solidFill>
-                  <a:schemeClr val="tx1"/>
-                </a:solidFill>
-                <a:miter lim="800000"/>
-                <a:headEnd/>
-                <a:tailEnd/>
-              </a14:hiddenLine>
-            </a:ext>
-            <a:ext uri="{AF507438-7753-43E0-B8FC-AC1667EBCBE1}">
-              <a14:hiddenEffects xmlns:a14="http://schemas.microsoft.com/office/drawing/2010/main">
-                <a:effectLst>
-                  <a:outerShdw dist="35921" dir="2700000" algn="ctr" rotWithShape="0">
-                    <a:schemeClr val="bg2"/>
-                  </a:outerShdw>
-                </a:effectLst>
-              </a14:hiddenEffects>
-            </a:ext>
-          </a:extLst>
-        </p:spPr>
-        <p:txBody>
-          <a:bodyPr vert="horz" wrap="none" lIns="91440" tIns="45720" rIns="91440" bIns="45720" numCol="1" anchor="ctr" anchorCtr="0" compatLnSpc="1">
-            <a:prstTxWarp prst="textNoShape">
-              <a:avLst/>
-            </a:prstTxWarp>
-            <a:spAutoFit/>
-          </a:bodyPr>
-          <a:lstStyle/>
-          <a:p>
-            <a:pPr marL="0" marR="0" lvl="0" indent="0" algn="l" defTabSz="914400" rtl="0" eaLnBrk="0" fontAlgn="base" latinLnBrk="0" hangingPunct="0">
-              <a:lnSpc>
-                <a:spcPct val="100000"/>
-              </a:lnSpc>
-              <a:spcBef>
-                <a:spcPct val="0"/>
-              </a:spcBef>
-              <a:spcAft>
-                <a:spcPct val="0"/>
-              </a:spcAft>
-              <a:buClrTx/>
-              <a:buSzTx/>
-              <a:buFontTx/>
-              <a:buNone/>
-              <a:tabLst/>
-            </a:pPr>
-            <a:endParaRPr kumimoji="0" lang="ja-JP" altLang="ja-JP" sz="1800" b="0" i="0" u="none" strike="noStrike" cap="none" normalizeH="0" baseline="0" dirty="0" smtClean="0">
-              <a:ln>
-                <a:noFill/>
-              </a:ln>
-              <a:solidFill>
-                <a:schemeClr val="tx1"/>
-              </a:solidFill>
-              <a:effectLst/>
-              <a:latin typeface="Arial" panose="020B0604020202020204" pitchFamily="34" charset="0"/>
-            </a:endParaRPr>
-          </a:p>
-        </p:txBody>
-      </p:sp>
+      <p:graphicFrame>
+        <p:nvGraphicFramePr>
+          <p:cNvPr id="2" name="Table 1"/>
+          <p:cNvGraphicFramePr>
+            <a:graphicFrameLocks noGrp="1"/>
+          </p:cNvGraphicFramePr>
+          <p:nvPr>
+            <p:extLst>
+              <p:ext uri="{D42A27DB-BD31-4B8C-83A1-F6EECF244321}">
+                <p14:modId xmlns:p14="http://schemas.microsoft.com/office/powerpoint/2010/main" val="3367833396"/>
+              </p:ext>
+            </p:extLst>
+          </p:nvPr>
+        </p:nvGraphicFramePr>
+        <p:xfrm>
+          <a:off x="4648200" y="3363931"/>
+          <a:ext cx="12192000" cy="6771640"/>
+        </p:xfrm>
+        <a:graphic>
+          <a:graphicData uri="http://schemas.openxmlformats.org/drawingml/2006/table">
+            <a:tbl>
+              <a:tblPr firstRow="1" bandRow="1">
+                <a:tableStyleId>{5C22544A-7EE6-4342-B048-85BDC9FD1C3A}</a:tableStyleId>
+              </a:tblPr>
+              <a:tblGrid>
+                <a:gridCol w="3048000">
+                  <a:extLst>
+                    <a:ext uri="{9D8B030D-6E8A-4147-A177-3AD203B41FA5}">
+                      <a16:colId xmlns:a16="http://schemas.microsoft.com/office/drawing/2014/main" val="955446759"/>
+                    </a:ext>
+                  </a:extLst>
+                </a:gridCol>
+                <a:gridCol w="3048000">
+                  <a:extLst>
+                    <a:ext uri="{9D8B030D-6E8A-4147-A177-3AD203B41FA5}">
+                      <a16:colId xmlns:a16="http://schemas.microsoft.com/office/drawing/2014/main" val="3318477422"/>
+                    </a:ext>
+                  </a:extLst>
+                </a:gridCol>
+                <a:gridCol w="3048000">
+                  <a:extLst>
+                    <a:ext uri="{9D8B030D-6E8A-4147-A177-3AD203B41FA5}">
+                      <a16:colId xmlns:a16="http://schemas.microsoft.com/office/drawing/2014/main" val="2768420381"/>
+                    </a:ext>
+                  </a:extLst>
+                </a:gridCol>
+                <a:gridCol w="3048000">
+                  <a:extLst>
+                    <a:ext uri="{9D8B030D-6E8A-4147-A177-3AD203B41FA5}">
+                      <a16:colId xmlns:a16="http://schemas.microsoft.com/office/drawing/2014/main" val="4071344786"/>
+                    </a:ext>
+                  </a:extLst>
+                </a:gridCol>
+              </a:tblGrid>
+              <a:tr h="370840">
+                <a:tc>
+                  <a:txBody>
+                    <a:bodyPr/>
+                    <a:lstStyle/>
+                    <a:p>
+                      <a:pPr algn="ctr"/>
+                      <a:r>
+                        <a:rPr kumimoji="1" lang="en-US" altLang="ja-JP" dirty="0" smtClean="0"/>
+                        <a:t>Role</a:t>
+                      </a:r>
+                      <a:endParaRPr kumimoji="1" lang="ja-JP" altLang="en-US" dirty="0"/>
+                    </a:p>
+                  </a:txBody>
+                  <a:tcPr/>
+                </a:tc>
+                <a:tc>
+                  <a:txBody>
+                    <a:bodyPr/>
+                    <a:lstStyle/>
+                    <a:p>
+                      <a:pPr algn="ctr"/>
+                      <a:r>
+                        <a:rPr kumimoji="1" lang="en-US" altLang="ja-JP" dirty="0" smtClean="0"/>
+                        <a:t>Skill Gaps</a:t>
+                      </a:r>
+                      <a:endParaRPr kumimoji="1" lang="ja-JP" altLang="en-US" dirty="0"/>
+                    </a:p>
+                  </a:txBody>
+                  <a:tcPr/>
+                </a:tc>
+                <a:tc>
+                  <a:txBody>
+                    <a:bodyPr/>
+                    <a:lstStyle/>
+                    <a:p>
+                      <a:pPr algn="ctr"/>
+                      <a:r>
+                        <a:rPr kumimoji="1" lang="en-US" altLang="ja-JP" dirty="0" smtClean="0"/>
+                        <a:t>Stage</a:t>
+                      </a:r>
+                      <a:endParaRPr kumimoji="1" lang="ja-JP" altLang="en-US" dirty="0"/>
+                    </a:p>
+                  </a:txBody>
+                  <a:tcPr/>
+                </a:tc>
+                <a:tc>
+                  <a:txBody>
+                    <a:bodyPr/>
+                    <a:lstStyle/>
+                    <a:p>
+                      <a:pPr algn="ctr"/>
+                      <a:r>
+                        <a:rPr kumimoji="1" lang="en-US" altLang="ja-JP" dirty="0" smtClean="0"/>
+                        <a:t>Coaching Plan</a:t>
+                      </a:r>
+                      <a:endParaRPr kumimoji="1" lang="ja-JP" altLang="en-US" dirty="0"/>
+                    </a:p>
+                  </a:txBody>
+                  <a:tcPr/>
+                </a:tc>
+                <a:extLst>
+                  <a:ext uri="{0D108BD9-81ED-4DB2-BD59-A6C34878D82A}">
+                    <a16:rowId xmlns:a16="http://schemas.microsoft.com/office/drawing/2014/main" val="169925190"/>
+                  </a:ext>
+                </a:extLst>
+              </a:tr>
+              <a:tr h="370840">
+                <a:tc rowSpan="2">
+                  <a:txBody>
+                    <a:bodyPr/>
+                    <a:lstStyle/>
+                    <a:p>
+                      <a:r>
+                        <a:rPr lang="en-US" b="1" dirty="0" smtClean="0">
+                          <a:solidFill>
+                            <a:srgbClr val="0070C0"/>
+                          </a:solidFill>
+                        </a:rPr>
+                        <a:t>Development Team</a:t>
+                      </a:r>
+                      <a:endParaRPr lang="en-US" dirty="0">
+                        <a:solidFill>
+                          <a:srgbClr val="0070C0"/>
+                        </a:solidFill>
+                      </a:endParaRPr>
+                    </a:p>
+                  </a:txBody>
+                  <a:tcPr anchor="ctr"/>
+                </a:tc>
+                <a:tc>
+                  <a:txBody>
+                    <a:bodyPr/>
+                    <a:lstStyle/>
+                    <a:p>
+                      <a:r>
+                        <a:rPr lang="en-US" dirty="0" smtClean="0">
+                          <a:solidFill>
+                            <a:srgbClr val="0070C0"/>
+                          </a:solidFill>
+                        </a:rPr>
+                        <a:t>Lack of knowledge-sharing processes and inconsistent coding standards.	</a:t>
+                      </a:r>
+                      <a:endParaRPr lang="en-US" dirty="0">
+                        <a:solidFill>
+                          <a:srgbClr val="0070C0"/>
+                        </a:solidFill>
+                      </a:endParaRPr>
+                    </a:p>
+                  </a:txBody>
+                  <a:tcPr anchor="ctr"/>
+                </a:tc>
+                <a:tc>
+                  <a:txBody>
+                    <a:bodyPr/>
+                    <a:lstStyle/>
+                    <a:p>
+                      <a:r>
+                        <a:rPr lang="en-US" altLang="ja-JP" dirty="0" smtClean="0">
+                          <a:solidFill>
+                            <a:srgbClr val="0070C0"/>
+                          </a:solidFill>
+                        </a:rPr>
+                        <a:t>Shu </a:t>
+                      </a:r>
+                      <a:endParaRPr kumimoji="1" lang="ja-JP" altLang="en-US" dirty="0">
+                        <a:solidFill>
+                          <a:srgbClr val="0070C0"/>
+                        </a:solidFill>
+                      </a:endParaRPr>
+                    </a:p>
+                  </a:txBody>
+                  <a:tcPr/>
+                </a:tc>
+                <a:tc>
+                  <a:txBody>
+                    <a:bodyPr/>
+                    <a:lstStyle/>
+                    <a:p>
+                      <a:r>
+                        <a:rPr lang="en-US" dirty="0" smtClean="0">
+                          <a:solidFill>
+                            <a:srgbClr val="0070C0"/>
+                          </a:solidFill>
+                        </a:rPr>
+                        <a:t>Conduct workshops on Agile engineering practices (e.g., pair programming, code reviews, and consistent coding standards).</a:t>
+                      </a:r>
+                      <a:endParaRPr lang="en-US" dirty="0">
+                        <a:solidFill>
+                          <a:srgbClr val="0070C0"/>
+                        </a:solidFill>
+                      </a:endParaRPr>
+                    </a:p>
+                  </a:txBody>
+                  <a:tcPr anchor="ctr"/>
+                </a:tc>
+                <a:extLst>
+                  <a:ext uri="{0D108BD9-81ED-4DB2-BD59-A6C34878D82A}">
+                    <a16:rowId xmlns:a16="http://schemas.microsoft.com/office/drawing/2014/main" val="2457495835"/>
+                  </a:ext>
+                </a:extLst>
+              </a:tr>
+              <a:tr h="370840">
+                <a:tc vMerge="1">
+                  <a:txBody>
+                    <a:bodyPr/>
+                    <a:lstStyle/>
+                    <a:p>
+                      <a:endParaRPr kumimoji="1" lang="ja-JP" altLang="en-US" dirty="0"/>
+                    </a:p>
+                  </a:txBody>
+                  <a:tcPr/>
+                </a:tc>
+                <a:tc>
+                  <a:txBody>
+                    <a:bodyPr/>
+                    <a:lstStyle/>
+                    <a:p>
+                      <a:r>
+                        <a:rPr lang="en-US" dirty="0" smtClean="0">
+                          <a:solidFill>
+                            <a:srgbClr val="0070C0"/>
+                          </a:solidFill>
+                        </a:rPr>
+                        <a:t>Offshore and onshore developers feel isolated and disconnected.	</a:t>
+                      </a:r>
+                      <a:endParaRPr lang="en-US" dirty="0">
+                        <a:solidFill>
+                          <a:srgbClr val="0070C0"/>
+                        </a:solidFill>
+                      </a:endParaRPr>
+                    </a:p>
+                  </a:txBody>
+                  <a:tcPr anchor="ctr"/>
+                </a:tc>
+                <a:tc>
+                  <a:txBody>
+                    <a:bodyPr/>
+                    <a:lstStyle/>
+                    <a:p>
+                      <a:r>
+                        <a:rPr lang="en-US" altLang="ja-JP" dirty="0" smtClean="0">
+                          <a:solidFill>
+                            <a:srgbClr val="0070C0"/>
+                          </a:solidFill>
+                        </a:rPr>
+                        <a:t>Ha </a:t>
+                      </a:r>
+                      <a:endParaRPr kumimoji="1" lang="ja-JP" altLang="en-US" dirty="0">
+                        <a:solidFill>
+                          <a:srgbClr val="0070C0"/>
+                        </a:solidFill>
+                      </a:endParaRPr>
+                    </a:p>
+                  </a:txBody>
+                  <a:tcPr/>
+                </a:tc>
+                <a:tc>
+                  <a:txBody>
+                    <a:bodyPr/>
+                    <a:lstStyle/>
+                    <a:p>
+                      <a:r>
+                        <a:rPr lang="en-US" dirty="0" smtClean="0">
+                          <a:solidFill>
+                            <a:srgbClr val="0070C0"/>
+                          </a:solidFill>
+                        </a:rPr>
+                        <a:t>Facilitate team-building exercises and cross-location collaboration through virtual tools and ceremonies. Foster a shared ownership culture within the team.</a:t>
+                      </a:r>
+                      <a:endParaRPr lang="en-US" dirty="0">
+                        <a:solidFill>
+                          <a:srgbClr val="0070C0"/>
+                        </a:solidFill>
+                      </a:endParaRPr>
+                    </a:p>
+                  </a:txBody>
+                  <a:tcPr anchor="ctr"/>
+                </a:tc>
+                <a:extLst>
+                  <a:ext uri="{0D108BD9-81ED-4DB2-BD59-A6C34878D82A}">
+                    <a16:rowId xmlns:a16="http://schemas.microsoft.com/office/drawing/2014/main" val="2090927134"/>
+                  </a:ext>
+                </a:extLst>
+              </a:tr>
+              <a:tr h="370840">
+                <a:tc rowSpan="2">
+                  <a:txBody>
+                    <a:bodyPr/>
+                    <a:lstStyle/>
+                    <a:p>
+                      <a:r>
+                        <a:rPr lang="en-US" b="1" dirty="0" smtClean="0">
+                          <a:solidFill>
+                            <a:srgbClr val="0070C0"/>
+                          </a:solidFill>
+                        </a:rPr>
+                        <a:t>Kathy Qualls (Tester)	</a:t>
+                      </a:r>
+                      <a:endParaRPr lang="en-US" dirty="0">
+                        <a:solidFill>
+                          <a:srgbClr val="0070C0"/>
+                        </a:solidFill>
+                      </a:endParaRPr>
+                    </a:p>
+                  </a:txBody>
+                  <a:tcPr anchor="ctr"/>
+                </a:tc>
+                <a:tc>
+                  <a:txBody>
+                    <a:bodyPr/>
+                    <a:lstStyle/>
+                    <a:p>
+                      <a:r>
+                        <a:rPr lang="en-US" dirty="0" smtClean="0">
+                          <a:solidFill>
+                            <a:srgbClr val="0070C0"/>
+                          </a:solidFill>
+                        </a:rPr>
+                        <a:t>Joins testing late in the process, limiting feedback and integration.	</a:t>
+                      </a:r>
+                      <a:endParaRPr lang="en-US" dirty="0">
+                        <a:solidFill>
+                          <a:srgbClr val="0070C0"/>
+                        </a:solidFill>
+                      </a:endParaRPr>
+                    </a:p>
+                  </a:txBody>
+                  <a:tcPr anchor="ctr"/>
+                </a:tc>
+                <a:tc>
+                  <a:txBody>
+                    <a:bodyPr/>
+                    <a:lstStyle/>
+                    <a:p>
+                      <a:r>
+                        <a:rPr kumimoji="1" lang="en-US" altLang="ja-JP" dirty="0" smtClean="0">
+                          <a:solidFill>
+                            <a:srgbClr val="0070C0"/>
+                          </a:solidFill>
+                        </a:rPr>
+                        <a:t>Shu</a:t>
+                      </a:r>
+                      <a:endParaRPr kumimoji="1" lang="ja-JP" altLang="en-US" dirty="0">
+                        <a:solidFill>
+                          <a:srgbClr val="0070C0"/>
+                        </a:solidFill>
+                      </a:endParaRPr>
+                    </a:p>
+                  </a:txBody>
+                  <a:tcPr/>
+                </a:tc>
+                <a:tc>
+                  <a:txBody>
+                    <a:bodyPr/>
+                    <a:lstStyle/>
+                    <a:p>
+                      <a:r>
+                        <a:rPr lang="en-US" dirty="0" smtClean="0">
+                          <a:solidFill>
+                            <a:srgbClr val="0070C0"/>
+                          </a:solidFill>
+                        </a:rPr>
+                        <a:t>Train on Agile testing principles, including test-driven development (TDD) and integrating QA earlier in the sprint (shift-left approach).</a:t>
+                      </a:r>
+                      <a:endParaRPr lang="en-US" dirty="0">
+                        <a:solidFill>
+                          <a:srgbClr val="0070C0"/>
+                        </a:solidFill>
+                      </a:endParaRPr>
+                    </a:p>
+                  </a:txBody>
+                  <a:tcPr anchor="ctr"/>
+                </a:tc>
+                <a:extLst>
+                  <a:ext uri="{0D108BD9-81ED-4DB2-BD59-A6C34878D82A}">
+                    <a16:rowId xmlns:a16="http://schemas.microsoft.com/office/drawing/2014/main" val="2333577066"/>
+                  </a:ext>
+                </a:extLst>
+              </a:tr>
+              <a:tr h="370840">
+                <a:tc vMerge="1">
+                  <a:txBody>
+                    <a:bodyPr/>
+                    <a:lstStyle/>
+                    <a:p>
+                      <a:endParaRPr kumimoji="1" lang="ja-JP" altLang="en-US" dirty="0"/>
+                    </a:p>
+                  </a:txBody>
+                  <a:tcPr/>
+                </a:tc>
+                <a:tc>
+                  <a:txBody>
+                    <a:bodyPr/>
+                    <a:lstStyle/>
+                    <a:p>
+                      <a:r>
+                        <a:rPr lang="en-US" dirty="0" smtClean="0">
+                          <a:solidFill>
+                            <a:srgbClr val="0070C0"/>
+                          </a:solidFill>
+                        </a:rPr>
+                        <a:t>Feedback loop is delayed, reducing efficiency.	</a:t>
+                      </a:r>
+                      <a:endParaRPr lang="en-US" dirty="0">
+                        <a:solidFill>
+                          <a:srgbClr val="0070C0"/>
+                        </a:solidFill>
+                      </a:endParaRPr>
+                    </a:p>
+                  </a:txBody>
+                  <a:tcPr anchor="ctr"/>
+                </a:tc>
+                <a:tc>
+                  <a:txBody>
+                    <a:bodyPr/>
+                    <a:lstStyle/>
+                    <a:p>
+                      <a:r>
+                        <a:rPr kumimoji="1" lang="en-US" altLang="ja-JP" dirty="0" smtClean="0">
+                          <a:solidFill>
+                            <a:srgbClr val="0070C0"/>
+                          </a:solidFill>
+                        </a:rPr>
+                        <a:t>Ha</a:t>
+                      </a:r>
+                      <a:endParaRPr kumimoji="1" lang="ja-JP" altLang="en-US" dirty="0">
+                        <a:solidFill>
+                          <a:srgbClr val="0070C0"/>
+                        </a:solidFill>
+                      </a:endParaRPr>
+                    </a:p>
+                  </a:txBody>
+                  <a:tcPr/>
+                </a:tc>
+                <a:tc>
+                  <a:txBody>
+                    <a:bodyPr/>
+                    <a:lstStyle/>
+                    <a:p>
+                      <a:r>
+                        <a:rPr lang="en-US" dirty="0" smtClean="0">
+                          <a:solidFill>
+                            <a:srgbClr val="0070C0"/>
+                          </a:solidFill>
+                        </a:rPr>
+                        <a:t>Encourage active participation in daily standups, backlog refinement, and sprint planning to provide earlier feedback.</a:t>
+                      </a:r>
+                      <a:endParaRPr lang="en-US" dirty="0">
+                        <a:solidFill>
+                          <a:srgbClr val="0070C0"/>
+                        </a:solidFill>
+                      </a:endParaRPr>
+                    </a:p>
+                  </a:txBody>
+                  <a:tcPr anchor="ctr"/>
+                </a:tc>
+                <a:extLst>
+                  <a:ext uri="{0D108BD9-81ED-4DB2-BD59-A6C34878D82A}">
+                    <a16:rowId xmlns:a16="http://schemas.microsoft.com/office/drawing/2014/main" val="2313968090"/>
+                  </a:ext>
+                </a:extLst>
+              </a:tr>
+            </a:tbl>
+          </a:graphicData>
+        </a:graphic>
+      </p:graphicFrame>
     </p:spTree>
     <p:extLst>
       <p:ext uri="{BB962C8B-B14F-4D97-AF65-F5344CB8AC3E}">
-        <p14:creationId xmlns:p14="http://schemas.microsoft.com/office/powerpoint/2010/main" val="471206722"/>
+        <p14:creationId xmlns:p14="http://schemas.microsoft.com/office/powerpoint/2010/main" val="877653943"/>
       </p:ext>
     </p:extLst>
   </p:cSld>
@@ -18053,7 +19465,7 @@
             <a:blip r:embed="rId4">
               <a:extLst>
                 <a:ext uri="{96DAC541-7B7A-43D3-8B79-37D633B846F1}">
-                  <asvg:svgBlip xmlns="" xmlns:asvg="http://schemas.microsoft.com/office/drawing/2016/SVG/main" r:embed="rId5"/>
+                  <asvg:svgBlip xmlns:asvg="http://schemas.microsoft.com/office/drawing/2016/SVG/main" xmlns="" r:embed="rId5"/>
                 </a:ext>
               </a:extLst>
             </a:blip>
@@ -18714,6 +20126,2419 @@
         </p:txBody>
       </p:sp>
     </p:spTree>
+  </p:cSld>
+  <p:clrMapOvr>
+    <a:masterClrMapping/>
+  </p:clrMapOvr>
+  <p:timing>
+    <p:tnLst>
+      <p:par>
+        <p:cTn id="1" dur="indefinite" restart="never" nodeType="tmRoot"/>
+      </p:par>
+    </p:tnLst>
+  </p:timing>
+</p:sld>
+</file>
+
+<file path=ppt/slides/slide20.xml><?xml version="1.0" encoding="utf-8"?>
+<p:sld xmlns:a="http://schemas.openxmlformats.org/drawingml/2006/main" xmlns:r="http://schemas.openxmlformats.org/officeDocument/2006/relationships" xmlns:p="http://schemas.openxmlformats.org/presentationml/2006/main">
+  <p:cSld>
+    <p:spTree>
+      <p:nvGrpSpPr>
+        <p:cNvPr id="1" name=""/>
+        <p:cNvGrpSpPr/>
+        <p:nvPr/>
+      </p:nvGrpSpPr>
+      <p:grpSpPr>
+        <a:xfrm>
+          <a:off x="0" y="0"/>
+          <a:ext cx="0" cy="0"/>
+          <a:chOff x="0" y="0"/>
+          <a:chExt cx="0" cy="0"/>
+        </a:xfrm>
+      </p:grpSpPr>
+      <p:sp>
+        <p:nvSpPr>
+          <p:cNvPr id="8" name="Freeform 8"/>
+          <p:cNvSpPr/>
+          <p:nvPr/>
+        </p:nvSpPr>
+        <p:spPr>
+          <a:xfrm>
+            <a:off x="5624601" y="2100480"/>
+            <a:ext cx="10522211" cy="10522211"/>
+          </a:xfrm>
+          <a:custGeom>
+            <a:avLst/>
+            <a:gdLst/>
+            <a:ahLst/>
+            <a:cxnLst/>
+            <a:rect l="l" t="t" r="r" b="b"/>
+            <a:pathLst>
+              <a:path w="10522211" h="10522211">
+                <a:moveTo>
+                  <a:pt x="0" y="0"/>
+                </a:moveTo>
+                <a:lnTo>
+                  <a:pt x="10522212" y="0"/>
+                </a:lnTo>
+                <a:lnTo>
+                  <a:pt x="10522212" y="10522211"/>
+                </a:lnTo>
+                <a:lnTo>
+                  <a:pt x="0" y="10522211"/>
+                </a:lnTo>
+                <a:lnTo>
+                  <a:pt x="0" y="0"/>
+                </a:lnTo>
+                <a:close/>
+              </a:path>
+            </a:pathLst>
+          </a:custGeom>
+          <a:blipFill>
+            <a:blip r:embed="rId3">
+              <a:alphaModFix amt="32999"/>
+              <a:extLst>
+                <a:ext uri="{96DAC541-7B7A-43D3-8B79-37D633B846F1}">
+                  <asvg:svgBlip xmlns:asvg="http://schemas.microsoft.com/office/drawing/2016/SVG/main" xmlns="" r:embed="rId5"/>
+                </a:ext>
+              </a:extLst>
+            </a:blip>
+            <a:stretch>
+              <a:fillRect/>
+            </a:stretch>
+          </a:blipFill>
+        </p:spPr>
+      </p:sp>
+      <p:grpSp>
+        <p:nvGrpSpPr>
+          <p:cNvPr id="16" name="Group 16"/>
+          <p:cNvGrpSpPr/>
+          <p:nvPr/>
+        </p:nvGrpSpPr>
+        <p:grpSpPr>
+          <a:xfrm rot="-4026990">
+            <a:off x="-6173058" y="5534528"/>
+            <a:ext cx="10174055" cy="1849514"/>
+            <a:chOff x="0" y="0"/>
+            <a:chExt cx="3353369" cy="609600"/>
+          </a:xfrm>
+        </p:grpSpPr>
+        <p:sp>
+          <p:nvSpPr>
+            <p:cNvPr id="17" name="Freeform 17"/>
+            <p:cNvSpPr/>
+            <p:nvPr/>
+          </p:nvSpPr>
+          <p:spPr>
+            <a:xfrm>
+              <a:off x="18488" y="0"/>
+              <a:ext cx="3316393" cy="609600"/>
+            </a:xfrm>
+            <a:custGeom>
+              <a:avLst/>
+              <a:gdLst/>
+              <a:ahLst/>
+              <a:cxnLst/>
+              <a:rect l="l" t="t" r="r" b="b"/>
+              <a:pathLst>
+                <a:path w="3316393" h="609600">
+                  <a:moveTo>
+                    <a:pt x="260807" y="0"/>
+                  </a:moveTo>
+                  <a:lnTo>
+                    <a:pt x="3258787" y="0"/>
+                  </a:lnTo>
+                  <a:cubicBezTo>
+                    <a:pt x="3276416" y="0"/>
+                    <a:pt x="3292972" y="8475"/>
+                    <a:pt x="3303280" y="22777"/>
+                  </a:cubicBezTo>
+                  <a:cubicBezTo>
+                    <a:pt x="3313588" y="37079"/>
+                    <a:pt x="3316393" y="55465"/>
+                    <a:pt x="3310818" y="72190"/>
+                  </a:cubicBezTo>
+                  <a:lnTo>
+                    <a:pt x="3155745" y="537410"/>
+                  </a:lnTo>
+                  <a:cubicBezTo>
+                    <a:pt x="3141374" y="580521"/>
+                    <a:pt x="3101030" y="609600"/>
+                    <a:pt x="3055587" y="609600"/>
+                  </a:cubicBezTo>
+                  <a:lnTo>
+                    <a:pt x="57607" y="609600"/>
+                  </a:lnTo>
+                  <a:cubicBezTo>
+                    <a:pt x="39977" y="609600"/>
+                    <a:pt x="23422" y="601125"/>
+                    <a:pt x="13113" y="586823"/>
+                  </a:cubicBezTo>
+                  <a:cubicBezTo>
+                    <a:pt x="2805" y="572521"/>
+                    <a:pt x="0" y="554135"/>
+                    <a:pt x="5575" y="537410"/>
+                  </a:cubicBezTo>
+                  <a:lnTo>
+                    <a:pt x="160649" y="72190"/>
+                  </a:lnTo>
+                  <a:cubicBezTo>
+                    <a:pt x="175019" y="29079"/>
+                    <a:pt x="215364" y="0"/>
+                    <a:pt x="260807" y="0"/>
+                  </a:cubicBezTo>
+                  <a:close/>
+                </a:path>
+              </a:pathLst>
+            </a:custGeom>
+            <a:gradFill rotWithShape="1">
+              <a:gsLst>
+                <a:gs pos="0">
+                  <a:srgbClr val="82A5FF">
+                    <a:alpha val="20000"/>
+                  </a:srgbClr>
+                </a:gs>
+                <a:gs pos="100000">
+                  <a:srgbClr val="005EFF">
+                    <a:alpha val="100000"/>
+                  </a:srgbClr>
+                </a:gs>
+              </a:gsLst>
+              <a:lin ang="0"/>
+            </a:gradFill>
+          </p:spPr>
+        </p:sp>
+        <p:sp>
+          <p:nvSpPr>
+            <p:cNvPr id="18" name="TextBox 18"/>
+            <p:cNvSpPr txBox="1"/>
+            <p:nvPr/>
+          </p:nvSpPr>
+          <p:spPr>
+            <a:xfrm>
+              <a:off x="101600" y="-47625"/>
+              <a:ext cx="3150169" cy="657225"/>
+            </a:xfrm>
+            <a:prstGeom prst="rect">
+              <a:avLst/>
+            </a:prstGeom>
+          </p:spPr>
+          <p:txBody>
+            <a:bodyPr lIns="50800" tIns="50800" rIns="50800" bIns="50800" rtlCol="0" anchor="ctr"/>
+            <a:lstStyle/>
+            <a:p>
+              <a:pPr algn="ctr">
+                <a:lnSpc>
+                  <a:spcPts val="2731"/>
+                </a:lnSpc>
+              </a:pPr>
+              <a:endParaRPr/>
+            </a:p>
+          </p:txBody>
+        </p:sp>
+      </p:grpSp>
+      <p:grpSp>
+        <p:nvGrpSpPr>
+          <p:cNvPr id="22" name="Group 22"/>
+          <p:cNvGrpSpPr/>
+          <p:nvPr/>
+        </p:nvGrpSpPr>
+        <p:grpSpPr>
+          <a:xfrm rot="-4026990">
+            <a:off x="-4506930" y="7280495"/>
+            <a:ext cx="10174055" cy="1849514"/>
+            <a:chOff x="0" y="0"/>
+            <a:chExt cx="3353369" cy="609600"/>
+          </a:xfrm>
+        </p:grpSpPr>
+        <p:sp>
+          <p:nvSpPr>
+            <p:cNvPr id="23" name="Freeform 23"/>
+            <p:cNvSpPr/>
+            <p:nvPr/>
+          </p:nvSpPr>
+          <p:spPr>
+            <a:xfrm>
+              <a:off x="18488" y="0"/>
+              <a:ext cx="3316393" cy="609600"/>
+            </a:xfrm>
+            <a:custGeom>
+              <a:avLst/>
+              <a:gdLst/>
+              <a:ahLst/>
+              <a:cxnLst/>
+              <a:rect l="l" t="t" r="r" b="b"/>
+              <a:pathLst>
+                <a:path w="3316393" h="609600">
+                  <a:moveTo>
+                    <a:pt x="260807" y="0"/>
+                  </a:moveTo>
+                  <a:lnTo>
+                    <a:pt x="3258787" y="0"/>
+                  </a:lnTo>
+                  <a:cubicBezTo>
+                    <a:pt x="3276416" y="0"/>
+                    <a:pt x="3292972" y="8475"/>
+                    <a:pt x="3303280" y="22777"/>
+                  </a:cubicBezTo>
+                  <a:cubicBezTo>
+                    <a:pt x="3313588" y="37079"/>
+                    <a:pt x="3316393" y="55465"/>
+                    <a:pt x="3310818" y="72190"/>
+                  </a:cubicBezTo>
+                  <a:lnTo>
+                    <a:pt x="3155745" y="537410"/>
+                  </a:lnTo>
+                  <a:cubicBezTo>
+                    <a:pt x="3141374" y="580521"/>
+                    <a:pt x="3101030" y="609600"/>
+                    <a:pt x="3055587" y="609600"/>
+                  </a:cubicBezTo>
+                  <a:lnTo>
+                    <a:pt x="57607" y="609600"/>
+                  </a:lnTo>
+                  <a:cubicBezTo>
+                    <a:pt x="39977" y="609600"/>
+                    <a:pt x="23422" y="601125"/>
+                    <a:pt x="13113" y="586823"/>
+                  </a:cubicBezTo>
+                  <a:cubicBezTo>
+                    <a:pt x="2805" y="572521"/>
+                    <a:pt x="0" y="554135"/>
+                    <a:pt x="5575" y="537410"/>
+                  </a:cubicBezTo>
+                  <a:lnTo>
+                    <a:pt x="160649" y="72190"/>
+                  </a:lnTo>
+                  <a:cubicBezTo>
+                    <a:pt x="175019" y="29079"/>
+                    <a:pt x="215364" y="0"/>
+                    <a:pt x="260807" y="0"/>
+                  </a:cubicBezTo>
+                  <a:close/>
+                </a:path>
+              </a:pathLst>
+            </a:custGeom>
+            <a:gradFill rotWithShape="1">
+              <a:gsLst>
+                <a:gs pos="0">
+                  <a:srgbClr val="82A5FF">
+                    <a:alpha val="20000"/>
+                  </a:srgbClr>
+                </a:gs>
+                <a:gs pos="100000">
+                  <a:srgbClr val="005EFF">
+                    <a:alpha val="100000"/>
+                  </a:srgbClr>
+                </a:gs>
+              </a:gsLst>
+              <a:lin ang="0"/>
+            </a:gradFill>
+          </p:spPr>
+        </p:sp>
+        <p:sp>
+          <p:nvSpPr>
+            <p:cNvPr id="24" name="TextBox 24"/>
+            <p:cNvSpPr txBox="1"/>
+            <p:nvPr/>
+          </p:nvSpPr>
+          <p:spPr>
+            <a:xfrm>
+              <a:off x="101600" y="-47625"/>
+              <a:ext cx="3150169" cy="657225"/>
+            </a:xfrm>
+            <a:prstGeom prst="rect">
+              <a:avLst/>
+            </a:prstGeom>
+          </p:spPr>
+          <p:txBody>
+            <a:bodyPr lIns="50800" tIns="50800" rIns="50800" bIns="50800" rtlCol="0" anchor="ctr"/>
+            <a:lstStyle/>
+            <a:p>
+              <a:pPr algn="ctr">
+                <a:lnSpc>
+                  <a:spcPts val="2731"/>
+                </a:lnSpc>
+              </a:pPr>
+              <a:endParaRPr/>
+            </a:p>
+          </p:txBody>
+        </p:sp>
+      </p:grpSp>
+      <p:sp>
+        <p:nvSpPr>
+          <p:cNvPr id="14" name="TextBox 9"/>
+          <p:cNvSpPr txBox="1"/>
+          <p:nvPr/>
+        </p:nvSpPr>
+        <p:spPr>
+          <a:xfrm>
+            <a:off x="1757335" y="2260952"/>
+            <a:ext cx="15545496" cy="1166986"/>
+          </a:xfrm>
+          <a:prstGeom prst="rect">
+            <a:avLst/>
+          </a:prstGeom>
+        </p:spPr>
+        <p:txBody>
+          <a:bodyPr wrap="square" lIns="0" tIns="0" rIns="0" bIns="0" rtlCol="0" anchor="t">
+            <a:spAutoFit/>
+          </a:bodyPr>
+          <a:lstStyle/>
+          <a:p>
+            <a:pPr lvl="0" algn="r">
+              <a:lnSpc>
+                <a:spcPts val="9112"/>
+              </a:lnSpc>
+            </a:pPr>
+            <a:r>
+              <a:rPr lang="en-US" sz="4000" b="1" dirty="0" smtClean="0">
+                <a:solidFill>
+                  <a:srgbClr val="005EFF"/>
+                </a:solidFill>
+                <a:latin typeface="+mj-lt"/>
+                <a:ea typeface="Pattanakarn Bold"/>
+                <a:cs typeface="Pattanakarn Bold"/>
+                <a:sym typeface="Pattanakarn Bold"/>
+              </a:rPr>
+              <a:t>How the current  skill gaps can be fixed with a </a:t>
+            </a:r>
+            <a:r>
+              <a:rPr lang="en-US" sz="4000" b="1" dirty="0" smtClean="0">
+                <a:solidFill>
+                  <a:srgbClr val="005EFF"/>
+                </a:solidFill>
+                <a:latin typeface="+mj-lt"/>
+                <a:ea typeface="Pattanakarn Bold"/>
+                <a:cs typeface="Pattanakarn Bold"/>
+                <a:sym typeface="Pattanakarn Bold"/>
+              </a:rPr>
+              <a:t>coaching plan</a:t>
+            </a:r>
+            <a:endParaRPr lang="en-US" sz="4000" b="1" dirty="0">
+              <a:solidFill>
+                <a:srgbClr val="005EFF"/>
+              </a:solidFill>
+              <a:latin typeface="+mj-lt"/>
+              <a:ea typeface="Pattanakarn Bold"/>
+              <a:cs typeface="Pattanakarn Bold"/>
+              <a:sym typeface="Pattanakarn Bold"/>
+            </a:endParaRPr>
+          </a:p>
+        </p:txBody>
+      </p:sp>
+      <p:graphicFrame>
+        <p:nvGraphicFramePr>
+          <p:cNvPr id="2" name="Table 1"/>
+          <p:cNvGraphicFramePr>
+            <a:graphicFrameLocks noGrp="1"/>
+          </p:cNvGraphicFramePr>
+          <p:nvPr>
+            <p:extLst>
+              <p:ext uri="{D42A27DB-BD31-4B8C-83A1-F6EECF244321}">
+                <p14:modId xmlns:p14="http://schemas.microsoft.com/office/powerpoint/2010/main" val="1933102431"/>
+              </p:ext>
+            </p:extLst>
+          </p:nvPr>
+        </p:nvGraphicFramePr>
+        <p:xfrm>
+          <a:off x="4648200" y="3363931"/>
+          <a:ext cx="12192000" cy="5674360"/>
+        </p:xfrm>
+        <a:graphic>
+          <a:graphicData uri="http://schemas.openxmlformats.org/drawingml/2006/table">
+            <a:tbl>
+              <a:tblPr firstRow="1" bandRow="1">
+                <a:tableStyleId>{5C22544A-7EE6-4342-B048-85BDC9FD1C3A}</a:tableStyleId>
+              </a:tblPr>
+              <a:tblGrid>
+                <a:gridCol w="3048000">
+                  <a:extLst>
+                    <a:ext uri="{9D8B030D-6E8A-4147-A177-3AD203B41FA5}">
+                      <a16:colId xmlns:a16="http://schemas.microsoft.com/office/drawing/2014/main" val="955446759"/>
+                    </a:ext>
+                  </a:extLst>
+                </a:gridCol>
+                <a:gridCol w="3048000">
+                  <a:extLst>
+                    <a:ext uri="{9D8B030D-6E8A-4147-A177-3AD203B41FA5}">
+                      <a16:colId xmlns:a16="http://schemas.microsoft.com/office/drawing/2014/main" val="3318477422"/>
+                    </a:ext>
+                  </a:extLst>
+                </a:gridCol>
+                <a:gridCol w="3048000">
+                  <a:extLst>
+                    <a:ext uri="{9D8B030D-6E8A-4147-A177-3AD203B41FA5}">
+                      <a16:colId xmlns:a16="http://schemas.microsoft.com/office/drawing/2014/main" val="2768420381"/>
+                    </a:ext>
+                  </a:extLst>
+                </a:gridCol>
+                <a:gridCol w="3048000">
+                  <a:extLst>
+                    <a:ext uri="{9D8B030D-6E8A-4147-A177-3AD203B41FA5}">
+                      <a16:colId xmlns:a16="http://schemas.microsoft.com/office/drawing/2014/main" val="4071344786"/>
+                    </a:ext>
+                  </a:extLst>
+                </a:gridCol>
+              </a:tblGrid>
+              <a:tr h="370840">
+                <a:tc>
+                  <a:txBody>
+                    <a:bodyPr/>
+                    <a:lstStyle/>
+                    <a:p>
+                      <a:pPr algn="ctr"/>
+                      <a:r>
+                        <a:rPr kumimoji="1" lang="en-US" altLang="ja-JP" dirty="0" smtClean="0"/>
+                        <a:t>Role</a:t>
+                      </a:r>
+                      <a:endParaRPr kumimoji="1" lang="ja-JP" altLang="en-US" dirty="0"/>
+                    </a:p>
+                  </a:txBody>
+                  <a:tcPr/>
+                </a:tc>
+                <a:tc>
+                  <a:txBody>
+                    <a:bodyPr/>
+                    <a:lstStyle/>
+                    <a:p>
+                      <a:pPr algn="ctr"/>
+                      <a:r>
+                        <a:rPr kumimoji="1" lang="en-US" altLang="ja-JP" dirty="0" smtClean="0"/>
+                        <a:t>Skill Gaps</a:t>
+                      </a:r>
+                      <a:endParaRPr kumimoji="1" lang="ja-JP" altLang="en-US" dirty="0"/>
+                    </a:p>
+                  </a:txBody>
+                  <a:tcPr/>
+                </a:tc>
+                <a:tc>
+                  <a:txBody>
+                    <a:bodyPr/>
+                    <a:lstStyle/>
+                    <a:p>
+                      <a:pPr algn="ctr"/>
+                      <a:r>
+                        <a:rPr kumimoji="1" lang="en-US" altLang="ja-JP" dirty="0" smtClean="0"/>
+                        <a:t>Stage</a:t>
+                      </a:r>
+                      <a:endParaRPr kumimoji="1" lang="ja-JP" altLang="en-US" dirty="0"/>
+                    </a:p>
+                  </a:txBody>
+                  <a:tcPr/>
+                </a:tc>
+                <a:tc>
+                  <a:txBody>
+                    <a:bodyPr/>
+                    <a:lstStyle/>
+                    <a:p>
+                      <a:pPr algn="ctr"/>
+                      <a:r>
+                        <a:rPr kumimoji="1" lang="en-US" altLang="ja-JP" dirty="0" smtClean="0"/>
+                        <a:t>Coaching Plan</a:t>
+                      </a:r>
+                      <a:endParaRPr kumimoji="1" lang="ja-JP" altLang="en-US" dirty="0"/>
+                    </a:p>
+                  </a:txBody>
+                  <a:tcPr/>
+                </a:tc>
+                <a:extLst>
+                  <a:ext uri="{0D108BD9-81ED-4DB2-BD59-A6C34878D82A}">
+                    <a16:rowId xmlns:a16="http://schemas.microsoft.com/office/drawing/2014/main" val="169925190"/>
+                  </a:ext>
+                </a:extLst>
+              </a:tr>
+              <a:tr h="370840">
+                <a:tc rowSpan="2">
+                  <a:txBody>
+                    <a:bodyPr/>
+                    <a:lstStyle/>
+                    <a:p>
+                      <a:r>
+                        <a:rPr lang="en-US" b="1" dirty="0" smtClean="0">
+                          <a:solidFill>
+                            <a:srgbClr val="0070C0"/>
+                          </a:solidFill>
+                        </a:rPr>
+                        <a:t>Jerry Holden (Business Analyst)	</a:t>
+                      </a:r>
+                      <a:endParaRPr lang="en-US" dirty="0">
+                        <a:solidFill>
+                          <a:srgbClr val="0070C0"/>
+                        </a:solidFill>
+                      </a:endParaRPr>
+                    </a:p>
+                  </a:txBody>
+                  <a:tcPr anchor="ctr"/>
+                </a:tc>
+                <a:tc>
+                  <a:txBody>
+                    <a:bodyPr/>
+                    <a:lstStyle/>
+                    <a:p>
+                      <a:r>
+                        <a:rPr lang="en-US" dirty="0" smtClean="0">
+                          <a:solidFill>
+                            <a:srgbClr val="0070C0"/>
+                          </a:solidFill>
+                        </a:rPr>
+                        <a:t>Focuses on freezing detailed requirements upfront, limiting adaptability.	</a:t>
+                      </a:r>
+                      <a:endParaRPr lang="en-US" dirty="0">
+                        <a:solidFill>
+                          <a:srgbClr val="0070C0"/>
+                        </a:solidFill>
+                      </a:endParaRPr>
+                    </a:p>
+                  </a:txBody>
+                  <a:tcPr anchor="ctr"/>
+                </a:tc>
+                <a:tc>
+                  <a:txBody>
+                    <a:bodyPr/>
+                    <a:lstStyle/>
+                    <a:p>
+                      <a:r>
+                        <a:rPr lang="en-US" altLang="ja-JP" dirty="0" smtClean="0">
+                          <a:solidFill>
+                            <a:srgbClr val="0070C0"/>
+                          </a:solidFill>
+                        </a:rPr>
+                        <a:t>Shu </a:t>
+                      </a:r>
+                      <a:endParaRPr kumimoji="1" lang="ja-JP" altLang="en-US" dirty="0">
+                        <a:solidFill>
+                          <a:srgbClr val="0070C0"/>
+                        </a:solidFill>
+                      </a:endParaRPr>
+                    </a:p>
+                  </a:txBody>
+                  <a:tcPr/>
+                </a:tc>
+                <a:tc>
+                  <a:txBody>
+                    <a:bodyPr/>
+                    <a:lstStyle/>
+                    <a:p>
+                      <a:r>
+                        <a:rPr lang="en-US" dirty="0" smtClean="0">
+                          <a:solidFill>
+                            <a:srgbClr val="0070C0"/>
+                          </a:solidFill>
+                        </a:rPr>
+                        <a:t>Train on Agile requirements management and incremental delivery. Introduce user stories and story mapping as tools for dynamic prioritization.</a:t>
+                      </a:r>
+                      <a:endParaRPr lang="en-US" dirty="0">
+                        <a:solidFill>
+                          <a:srgbClr val="0070C0"/>
+                        </a:solidFill>
+                      </a:endParaRPr>
+                    </a:p>
+                  </a:txBody>
+                  <a:tcPr anchor="ctr"/>
+                </a:tc>
+                <a:extLst>
+                  <a:ext uri="{0D108BD9-81ED-4DB2-BD59-A6C34878D82A}">
+                    <a16:rowId xmlns:a16="http://schemas.microsoft.com/office/drawing/2014/main" val="2457495835"/>
+                  </a:ext>
+                </a:extLst>
+              </a:tr>
+              <a:tr h="370840">
+                <a:tc vMerge="1">
+                  <a:txBody>
+                    <a:bodyPr/>
+                    <a:lstStyle/>
+                    <a:p>
+                      <a:endParaRPr kumimoji="1" lang="ja-JP" altLang="en-US" dirty="0"/>
+                    </a:p>
+                  </a:txBody>
+                  <a:tcPr/>
+                </a:tc>
+                <a:tc>
+                  <a:txBody>
+                    <a:bodyPr/>
+                    <a:lstStyle/>
+                    <a:p>
+                      <a:r>
+                        <a:rPr lang="en-US" dirty="0" smtClean="0">
+                          <a:solidFill>
+                            <a:srgbClr val="0070C0"/>
+                          </a:solidFill>
+                        </a:rPr>
+                        <a:t>Lacks collaboration with developers and UX designer.	</a:t>
+                      </a:r>
+                      <a:endParaRPr lang="en-US" dirty="0">
+                        <a:solidFill>
+                          <a:srgbClr val="0070C0"/>
+                        </a:solidFill>
+                      </a:endParaRPr>
+                    </a:p>
+                  </a:txBody>
+                  <a:tcPr anchor="ctr"/>
+                </a:tc>
+                <a:tc>
+                  <a:txBody>
+                    <a:bodyPr/>
+                    <a:lstStyle/>
+                    <a:p>
+                      <a:r>
+                        <a:rPr lang="en-US" altLang="ja-JP" dirty="0" smtClean="0">
+                          <a:solidFill>
+                            <a:srgbClr val="0070C0"/>
+                          </a:solidFill>
+                        </a:rPr>
+                        <a:t>Ha </a:t>
+                      </a:r>
+                      <a:endParaRPr kumimoji="1" lang="ja-JP" altLang="en-US" dirty="0">
+                        <a:solidFill>
+                          <a:srgbClr val="0070C0"/>
+                        </a:solidFill>
+                      </a:endParaRPr>
+                    </a:p>
+                  </a:txBody>
+                  <a:tcPr/>
+                </a:tc>
+                <a:tc>
+                  <a:txBody>
+                    <a:bodyPr/>
+                    <a:lstStyle/>
+                    <a:p>
+                      <a:r>
+                        <a:rPr lang="en-US" dirty="0" smtClean="0">
+                          <a:solidFill>
+                            <a:srgbClr val="0070C0"/>
+                          </a:solidFill>
+                        </a:rPr>
+                        <a:t>Embed Jerry into the Scrum team to work collaboratively with developers and UX in backlog grooming and sprint planning.</a:t>
+                      </a:r>
+                      <a:endParaRPr lang="en-US" dirty="0">
+                        <a:solidFill>
+                          <a:srgbClr val="0070C0"/>
+                        </a:solidFill>
+                      </a:endParaRPr>
+                    </a:p>
+                  </a:txBody>
+                  <a:tcPr anchor="ctr"/>
+                </a:tc>
+                <a:extLst>
+                  <a:ext uri="{0D108BD9-81ED-4DB2-BD59-A6C34878D82A}">
+                    <a16:rowId xmlns:a16="http://schemas.microsoft.com/office/drawing/2014/main" val="2090927134"/>
+                  </a:ext>
+                </a:extLst>
+              </a:tr>
+              <a:tr h="370840">
+                <a:tc rowSpan="2">
+                  <a:txBody>
+                    <a:bodyPr/>
+                    <a:lstStyle/>
+                    <a:p>
+                      <a:r>
+                        <a:rPr lang="en-US" b="1" dirty="0" smtClean="0">
+                          <a:solidFill>
+                            <a:srgbClr val="0070C0"/>
+                          </a:solidFill>
+                        </a:rPr>
+                        <a:t>James </a:t>
+                      </a:r>
+                      <a:r>
+                        <a:rPr lang="en-US" b="1" dirty="0" err="1" smtClean="0">
+                          <a:solidFill>
+                            <a:srgbClr val="0070C0"/>
+                          </a:solidFill>
+                        </a:rPr>
+                        <a:t>Cowx</a:t>
+                      </a:r>
+                      <a:r>
+                        <a:rPr lang="en-US" b="1" dirty="0" smtClean="0">
+                          <a:solidFill>
+                            <a:srgbClr val="0070C0"/>
+                          </a:solidFill>
+                        </a:rPr>
+                        <a:t> (UX Designer)	</a:t>
+                      </a:r>
+                      <a:endParaRPr lang="en-US" dirty="0">
+                        <a:solidFill>
+                          <a:srgbClr val="0070C0"/>
+                        </a:solidFill>
+                      </a:endParaRPr>
+                    </a:p>
+                  </a:txBody>
+                  <a:tcPr anchor="ctr"/>
+                </a:tc>
+                <a:tc>
+                  <a:txBody>
+                    <a:bodyPr/>
+                    <a:lstStyle/>
+                    <a:p>
+                      <a:r>
+                        <a:rPr lang="en-US" dirty="0" smtClean="0">
+                          <a:solidFill>
+                            <a:srgbClr val="0070C0"/>
+                          </a:solidFill>
+                        </a:rPr>
+                        <a:t>Receives customer feedback late, causing inefficiencies in design improvements.	</a:t>
+                      </a:r>
+                      <a:endParaRPr lang="en-US" dirty="0">
+                        <a:solidFill>
+                          <a:srgbClr val="0070C0"/>
+                        </a:solidFill>
+                      </a:endParaRPr>
+                    </a:p>
+                  </a:txBody>
+                  <a:tcPr anchor="ctr"/>
+                </a:tc>
+                <a:tc>
+                  <a:txBody>
+                    <a:bodyPr/>
+                    <a:lstStyle/>
+                    <a:p>
+                      <a:r>
+                        <a:rPr kumimoji="1" lang="en-US" altLang="ja-JP" dirty="0" smtClean="0">
+                          <a:solidFill>
+                            <a:srgbClr val="0070C0"/>
+                          </a:solidFill>
+                        </a:rPr>
+                        <a:t>Shu</a:t>
+                      </a:r>
+                      <a:endParaRPr kumimoji="1" lang="ja-JP" altLang="en-US" dirty="0">
+                        <a:solidFill>
+                          <a:srgbClr val="0070C0"/>
+                        </a:solidFill>
+                      </a:endParaRPr>
+                    </a:p>
+                  </a:txBody>
+                  <a:tcPr/>
+                </a:tc>
+                <a:tc>
+                  <a:txBody>
+                    <a:bodyPr/>
+                    <a:lstStyle/>
+                    <a:p>
+                      <a:r>
+                        <a:rPr lang="en-US" dirty="0" smtClean="0">
+                          <a:solidFill>
+                            <a:srgbClr val="0070C0"/>
+                          </a:solidFill>
+                        </a:rPr>
+                        <a:t>Provide training on Lean UX and incorporating feedback in iterative cycles.</a:t>
+                      </a:r>
+                      <a:endParaRPr lang="en-US" dirty="0">
+                        <a:solidFill>
+                          <a:srgbClr val="0070C0"/>
+                        </a:solidFill>
+                      </a:endParaRPr>
+                    </a:p>
+                  </a:txBody>
+                  <a:tcPr anchor="ctr"/>
+                </a:tc>
+                <a:extLst>
+                  <a:ext uri="{0D108BD9-81ED-4DB2-BD59-A6C34878D82A}">
+                    <a16:rowId xmlns:a16="http://schemas.microsoft.com/office/drawing/2014/main" val="2333577066"/>
+                  </a:ext>
+                </a:extLst>
+              </a:tr>
+              <a:tr h="370840">
+                <a:tc vMerge="1">
+                  <a:txBody>
+                    <a:bodyPr/>
+                    <a:lstStyle/>
+                    <a:p>
+                      <a:endParaRPr kumimoji="1" lang="ja-JP" altLang="en-US" dirty="0"/>
+                    </a:p>
+                  </a:txBody>
+                  <a:tcPr/>
+                </a:tc>
+                <a:tc>
+                  <a:txBody>
+                    <a:bodyPr/>
+                    <a:lstStyle/>
+                    <a:p>
+                      <a:r>
+                        <a:rPr lang="en-US" dirty="0" smtClean="0">
+                          <a:solidFill>
+                            <a:srgbClr val="0070C0"/>
+                          </a:solidFill>
+                        </a:rPr>
+                        <a:t>Works based on static project requirements rather than dynamic collaboration.	</a:t>
+                      </a:r>
+                      <a:endParaRPr lang="en-US" dirty="0">
+                        <a:solidFill>
+                          <a:srgbClr val="0070C0"/>
+                        </a:solidFill>
+                      </a:endParaRPr>
+                    </a:p>
+                  </a:txBody>
+                  <a:tcPr anchor="ctr"/>
+                </a:tc>
+                <a:tc>
+                  <a:txBody>
+                    <a:bodyPr/>
+                    <a:lstStyle/>
+                    <a:p>
+                      <a:r>
+                        <a:rPr kumimoji="1" lang="en-US" altLang="ja-JP" dirty="0" smtClean="0">
+                          <a:solidFill>
+                            <a:srgbClr val="0070C0"/>
+                          </a:solidFill>
+                        </a:rPr>
+                        <a:t>Ha</a:t>
+                      </a:r>
+                      <a:endParaRPr kumimoji="1" lang="ja-JP" altLang="en-US" dirty="0">
+                        <a:solidFill>
+                          <a:srgbClr val="0070C0"/>
+                        </a:solidFill>
+                      </a:endParaRPr>
+                    </a:p>
+                  </a:txBody>
+                  <a:tcPr/>
+                </a:tc>
+                <a:tc>
+                  <a:txBody>
+                    <a:bodyPr/>
+                    <a:lstStyle/>
+                    <a:p>
+                      <a:r>
+                        <a:rPr lang="en-US" dirty="0" smtClean="0">
+                          <a:solidFill>
+                            <a:srgbClr val="0070C0"/>
+                          </a:solidFill>
+                        </a:rPr>
+                        <a:t>Foster close collaboration with the Product Owner and developers. Embed UX in Agile ceremonies (e.g., sprint reviews and retrospectives).</a:t>
+                      </a:r>
+                      <a:endParaRPr lang="en-US" dirty="0">
+                        <a:solidFill>
+                          <a:srgbClr val="0070C0"/>
+                        </a:solidFill>
+                      </a:endParaRPr>
+                    </a:p>
+                  </a:txBody>
+                  <a:tcPr anchor="ctr"/>
+                </a:tc>
+                <a:extLst>
+                  <a:ext uri="{0D108BD9-81ED-4DB2-BD59-A6C34878D82A}">
+                    <a16:rowId xmlns:a16="http://schemas.microsoft.com/office/drawing/2014/main" val="2313968090"/>
+                  </a:ext>
+                </a:extLst>
+              </a:tr>
+            </a:tbl>
+          </a:graphicData>
+        </a:graphic>
+      </p:graphicFrame>
+    </p:spTree>
+    <p:extLst>
+      <p:ext uri="{BB962C8B-B14F-4D97-AF65-F5344CB8AC3E}">
+        <p14:creationId xmlns:p14="http://schemas.microsoft.com/office/powerpoint/2010/main" val="2381253282"/>
+      </p:ext>
+    </p:extLst>
+  </p:cSld>
+  <p:clrMapOvr>
+    <a:masterClrMapping/>
+  </p:clrMapOvr>
+  <p:timing>
+    <p:tnLst>
+      <p:par>
+        <p:cTn id="1" dur="indefinite" restart="never" nodeType="tmRoot"/>
+      </p:par>
+    </p:tnLst>
+  </p:timing>
+</p:sld>
+</file>
+
+<file path=ppt/slides/slide21.xml><?xml version="1.0" encoding="utf-8"?>
+<p:sld xmlns:a="http://schemas.openxmlformats.org/drawingml/2006/main" xmlns:r="http://schemas.openxmlformats.org/officeDocument/2006/relationships" xmlns:p="http://schemas.openxmlformats.org/presentationml/2006/main">
+  <p:cSld>
+    <p:spTree>
+      <p:nvGrpSpPr>
+        <p:cNvPr id="1" name=""/>
+        <p:cNvGrpSpPr/>
+        <p:nvPr/>
+      </p:nvGrpSpPr>
+      <p:grpSpPr>
+        <a:xfrm>
+          <a:off x="0" y="0"/>
+          <a:ext cx="0" cy="0"/>
+          <a:chOff x="0" y="0"/>
+          <a:chExt cx="0" cy="0"/>
+        </a:xfrm>
+      </p:grpSpPr>
+      <p:sp>
+        <p:nvSpPr>
+          <p:cNvPr id="8" name="Freeform 8"/>
+          <p:cNvSpPr/>
+          <p:nvPr/>
+        </p:nvSpPr>
+        <p:spPr>
+          <a:xfrm>
+            <a:off x="5624601" y="2100480"/>
+            <a:ext cx="10522211" cy="10522211"/>
+          </a:xfrm>
+          <a:custGeom>
+            <a:avLst/>
+            <a:gdLst/>
+            <a:ahLst/>
+            <a:cxnLst/>
+            <a:rect l="l" t="t" r="r" b="b"/>
+            <a:pathLst>
+              <a:path w="10522211" h="10522211">
+                <a:moveTo>
+                  <a:pt x="0" y="0"/>
+                </a:moveTo>
+                <a:lnTo>
+                  <a:pt x="10522212" y="0"/>
+                </a:lnTo>
+                <a:lnTo>
+                  <a:pt x="10522212" y="10522211"/>
+                </a:lnTo>
+                <a:lnTo>
+                  <a:pt x="0" y="10522211"/>
+                </a:lnTo>
+                <a:lnTo>
+                  <a:pt x="0" y="0"/>
+                </a:lnTo>
+                <a:close/>
+              </a:path>
+            </a:pathLst>
+          </a:custGeom>
+          <a:blipFill>
+            <a:blip r:embed="rId3">
+              <a:alphaModFix amt="32999"/>
+              <a:extLst>
+                <a:ext uri="{96DAC541-7B7A-43D3-8B79-37D633B846F1}">
+                  <asvg:svgBlip xmlns:asvg="http://schemas.microsoft.com/office/drawing/2016/SVG/main" xmlns="" r:embed="rId5"/>
+                </a:ext>
+              </a:extLst>
+            </a:blip>
+            <a:stretch>
+              <a:fillRect/>
+            </a:stretch>
+          </a:blipFill>
+        </p:spPr>
+      </p:sp>
+      <p:grpSp>
+        <p:nvGrpSpPr>
+          <p:cNvPr id="16" name="Group 16"/>
+          <p:cNvGrpSpPr/>
+          <p:nvPr/>
+        </p:nvGrpSpPr>
+        <p:grpSpPr>
+          <a:xfrm rot="-4026990">
+            <a:off x="-6173058" y="5534528"/>
+            <a:ext cx="10174055" cy="1849514"/>
+            <a:chOff x="0" y="0"/>
+            <a:chExt cx="3353369" cy="609600"/>
+          </a:xfrm>
+        </p:grpSpPr>
+        <p:sp>
+          <p:nvSpPr>
+            <p:cNvPr id="17" name="Freeform 17"/>
+            <p:cNvSpPr/>
+            <p:nvPr/>
+          </p:nvSpPr>
+          <p:spPr>
+            <a:xfrm>
+              <a:off x="18488" y="0"/>
+              <a:ext cx="3316393" cy="609600"/>
+            </a:xfrm>
+            <a:custGeom>
+              <a:avLst/>
+              <a:gdLst/>
+              <a:ahLst/>
+              <a:cxnLst/>
+              <a:rect l="l" t="t" r="r" b="b"/>
+              <a:pathLst>
+                <a:path w="3316393" h="609600">
+                  <a:moveTo>
+                    <a:pt x="260807" y="0"/>
+                  </a:moveTo>
+                  <a:lnTo>
+                    <a:pt x="3258787" y="0"/>
+                  </a:lnTo>
+                  <a:cubicBezTo>
+                    <a:pt x="3276416" y="0"/>
+                    <a:pt x="3292972" y="8475"/>
+                    <a:pt x="3303280" y="22777"/>
+                  </a:cubicBezTo>
+                  <a:cubicBezTo>
+                    <a:pt x="3313588" y="37079"/>
+                    <a:pt x="3316393" y="55465"/>
+                    <a:pt x="3310818" y="72190"/>
+                  </a:cubicBezTo>
+                  <a:lnTo>
+                    <a:pt x="3155745" y="537410"/>
+                  </a:lnTo>
+                  <a:cubicBezTo>
+                    <a:pt x="3141374" y="580521"/>
+                    <a:pt x="3101030" y="609600"/>
+                    <a:pt x="3055587" y="609600"/>
+                  </a:cubicBezTo>
+                  <a:lnTo>
+                    <a:pt x="57607" y="609600"/>
+                  </a:lnTo>
+                  <a:cubicBezTo>
+                    <a:pt x="39977" y="609600"/>
+                    <a:pt x="23422" y="601125"/>
+                    <a:pt x="13113" y="586823"/>
+                  </a:cubicBezTo>
+                  <a:cubicBezTo>
+                    <a:pt x="2805" y="572521"/>
+                    <a:pt x="0" y="554135"/>
+                    <a:pt x="5575" y="537410"/>
+                  </a:cubicBezTo>
+                  <a:lnTo>
+                    <a:pt x="160649" y="72190"/>
+                  </a:lnTo>
+                  <a:cubicBezTo>
+                    <a:pt x="175019" y="29079"/>
+                    <a:pt x="215364" y="0"/>
+                    <a:pt x="260807" y="0"/>
+                  </a:cubicBezTo>
+                  <a:close/>
+                </a:path>
+              </a:pathLst>
+            </a:custGeom>
+            <a:gradFill rotWithShape="1">
+              <a:gsLst>
+                <a:gs pos="0">
+                  <a:srgbClr val="82A5FF">
+                    <a:alpha val="20000"/>
+                  </a:srgbClr>
+                </a:gs>
+                <a:gs pos="100000">
+                  <a:srgbClr val="005EFF">
+                    <a:alpha val="100000"/>
+                  </a:srgbClr>
+                </a:gs>
+              </a:gsLst>
+              <a:lin ang="0"/>
+            </a:gradFill>
+          </p:spPr>
+        </p:sp>
+        <p:sp>
+          <p:nvSpPr>
+            <p:cNvPr id="18" name="TextBox 18"/>
+            <p:cNvSpPr txBox="1"/>
+            <p:nvPr/>
+          </p:nvSpPr>
+          <p:spPr>
+            <a:xfrm>
+              <a:off x="101600" y="-47625"/>
+              <a:ext cx="3150169" cy="657225"/>
+            </a:xfrm>
+            <a:prstGeom prst="rect">
+              <a:avLst/>
+            </a:prstGeom>
+          </p:spPr>
+          <p:txBody>
+            <a:bodyPr lIns="50800" tIns="50800" rIns="50800" bIns="50800" rtlCol="0" anchor="ctr"/>
+            <a:lstStyle/>
+            <a:p>
+              <a:pPr algn="ctr">
+                <a:lnSpc>
+                  <a:spcPts val="2731"/>
+                </a:lnSpc>
+              </a:pPr>
+              <a:endParaRPr/>
+            </a:p>
+          </p:txBody>
+        </p:sp>
+      </p:grpSp>
+      <p:grpSp>
+        <p:nvGrpSpPr>
+          <p:cNvPr id="22" name="Group 22"/>
+          <p:cNvGrpSpPr/>
+          <p:nvPr/>
+        </p:nvGrpSpPr>
+        <p:grpSpPr>
+          <a:xfrm rot="-4026990">
+            <a:off x="-4506930" y="7280495"/>
+            <a:ext cx="10174055" cy="1849514"/>
+            <a:chOff x="0" y="0"/>
+            <a:chExt cx="3353369" cy="609600"/>
+          </a:xfrm>
+        </p:grpSpPr>
+        <p:sp>
+          <p:nvSpPr>
+            <p:cNvPr id="23" name="Freeform 23"/>
+            <p:cNvSpPr/>
+            <p:nvPr/>
+          </p:nvSpPr>
+          <p:spPr>
+            <a:xfrm>
+              <a:off x="18488" y="0"/>
+              <a:ext cx="3316393" cy="609600"/>
+            </a:xfrm>
+            <a:custGeom>
+              <a:avLst/>
+              <a:gdLst/>
+              <a:ahLst/>
+              <a:cxnLst/>
+              <a:rect l="l" t="t" r="r" b="b"/>
+              <a:pathLst>
+                <a:path w="3316393" h="609600">
+                  <a:moveTo>
+                    <a:pt x="260807" y="0"/>
+                  </a:moveTo>
+                  <a:lnTo>
+                    <a:pt x="3258787" y="0"/>
+                  </a:lnTo>
+                  <a:cubicBezTo>
+                    <a:pt x="3276416" y="0"/>
+                    <a:pt x="3292972" y="8475"/>
+                    <a:pt x="3303280" y="22777"/>
+                  </a:cubicBezTo>
+                  <a:cubicBezTo>
+                    <a:pt x="3313588" y="37079"/>
+                    <a:pt x="3316393" y="55465"/>
+                    <a:pt x="3310818" y="72190"/>
+                  </a:cubicBezTo>
+                  <a:lnTo>
+                    <a:pt x="3155745" y="537410"/>
+                  </a:lnTo>
+                  <a:cubicBezTo>
+                    <a:pt x="3141374" y="580521"/>
+                    <a:pt x="3101030" y="609600"/>
+                    <a:pt x="3055587" y="609600"/>
+                  </a:cubicBezTo>
+                  <a:lnTo>
+                    <a:pt x="57607" y="609600"/>
+                  </a:lnTo>
+                  <a:cubicBezTo>
+                    <a:pt x="39977" y="609600"/>
+                    <a:pt x="23422" y="601125"/>
+                    <a:pt x="13113" y="586823"/>
+                  </a:cubicBezTo>
+                  <a:cubicBezTo>
+                    <a:pt x="2805" y="572521"/>
+                    <a:pt x="0" y="554135"/>
+                    <a:pt x="5575" y="537410"/>
+                  </a:cubicBezTo>
+                  <a:lnTo>
+                    <a:pt x="160649" y="72190"/>
+                  </a:lnTo>
+                  <a:cubicBezTo>
+                    <a:pt x="175019" y="29079"/>
+                    <a:pt x="215364" y="0"/>
+                    <a:pt x="260807" y="0"/>
+                  </a:cubicBezTo>
+                  <a:close/>
+                </a:path>
+              </a:pathLst>
+            </a:custGeom>
+            <a:gradFill rotWithShape="1">
+              <a:gsLst>
+                <a:gs pos="0">
+                  <a:srgbClr val="82A5FF">
+                    <a:alpha val="20000"/>
+                  </a:srgbClr>
+                </a:gs>
+                <a:gs pos="100000">
+                  <a:srgbClr val="005EFF">
+                    <a:alpha val="100000"/>
+                  </a:srgbClr>
+                </a:gs>
+              </a:gsLst>
+              <a:lin ang="0"/>
+            </a:gradFill>
+          </p:spPr>
+        </p:sp>
+        <p:sp>
+          <p:nvSpPr>
+            <p:cNvPr id="24" name="TextBox 24"/>
+            <p:cNvSpPr txBox="1"/>
+            <p:nvPr/>
+          </p:nvSpPr>
+          <p:spPr>
+            <a:xfrm>
+              <a:off x="101600" y="-47625"/>
+              <a:ext cx="3150169" cy="657225"/>
+            </a:xfrm>
+            <a:prstGeom prst="rect">
+              <a:avLst/>
+            </a:prstGeom>
+          </p:spPr>
+          <p:txBody>
+            <a:bodyPr lIns="50800" tIns="50800" rIns="50800" bIns="50800" rtlCol="0" anchor="ctr"/>
+            <a:lstStyle/>
+            <a:p>
+              <a:pPr algn="ctr">
+                <a:lnSpc>
+                  <a:spcPts val="2731"/>
+                </a:lnSpc>
+              </a:pPr>
+              <a:endParaRPr/>
+            </a:p>
+          </p:txBody>
+        </p:sp>
+      </p:grpSp>
+      <p:sp>
+        <p:nvSpPr>
+          <p:cNvPr id="14" name="TextBox 9"/>
+          <p:cNvSpPr txBox="1"/>
+          <p:nvPr/>
+        </p:nvSpPr>
+        <p:spPr>
+          <a:xfrm>
+            <a:off x="1757335" y="2260952"/>
+            <a:ext cx="15545496" cy="1166986"/>
+          </a:xfrm>
+          <a:prstGeom prst="rect">
+            <a:avLst/>
+          </a:prstGeom>
+        </p:spPr>
+        <p:txBody>
+          <a:bodyPr wrap="square" lIns="0" tIns="0" rIns="0" bIns="0" rtlCol="0" anchor="t">
+            <a:spAutoFit/>
+          </a:bodyPr>
+          <a:lstStyle/>
+          <a:p>
+            <a:pPr lvl="0" algn="r">
+              <a:lnSpc>
+                <a:spcPts val="9112"/>
+              </a:lnSpc>
+            </a:pPr>
+            <a:r>
+              <a:rPr lang="en-US" sz="4000" b="1" dirty="0" smtClean="0">
+                <a:solidFill>
+                  <a:srgbClr val="005EFF"/>
+                </a:solidFill>
+                <a:latin typeface="+mj-lt"/>
+                <a:ea typeface="Pattanakarn Bold"/>
+                <a:cs typeface="Pattanakarn Bold"/>
+                <a:sym typeface="Pattanakarn Bold"/>
+              </a:rPr>
+              <a:t>How the current  skill gaps can be fixed with a </a:t>
+            </a:r>
+            <a:r>
+              <a:rPr lang="en-US" sz="4000" b="1" dirty="0" smtClean="0">
+                <a:solidFill>
+                  <a:srgbClr val="005EFF"/>
+                </a:solidFill>
+                <a:latin typeface="+mj-lt"/>
+                <a:ea typeface="Pattanakarn Bold"/>
+                <a:cs typeface="Pattanakarn Bold"/>
+                <a:sym typeface="Pattanakarn Bold"/>
+              </a:rPr>
+              <a:t>coaching plan</a:t>
+            </a:r>
+            <a:endParaRPr lang="en-US" sz="4000" b="1" dirty="0">
+              <a:solidFill>
+                <a:srgbClr val="005EFF"/>
+              </a:solidFill>
+              <a:latin typeface="+mj-lt"/>
+              <a:ea typeface="Pattanakarn Bold"/>
+              <a:cs typeface="Pattanakarn Bold"/>
+              <a:sym typeface="Pattanakarn Bold"/>
+            </a:endParaRPr>
+          </a:p>
+        </p:txBody>
+      </p:sp>
+      <p:graphicFrame>
+        <p:nvGraphicFramePr>
+          <p:cNvPr id="4" name="Table 3"/>
+          <p:cNvGraphicFramePr>
+            <a:graphicFrameLocks noGrp="1"/>
+          </p:cNvGraphicFramePr>
+          <p:nvPr>
+            <p:extLst>
+              <p:ext uri="{D42A27DB-BD31-4B8C-83A1-F6EECF244321}">
+                <p14:modId xmlns:p14="http://schemas.microsoft.com/office/powerpoint/2010/main" val="2142109760"/>
+              </p:ext>
+            </p:extLst>
+          </p:nvPr>
+        </p:nvGraphicFramePr>
+        <p:xfrm>
+          <a:off x="4956470" y="4076700"/>
+          <a:ext cx="12192000" cy="3296920"/>
+        </p:xfrm>
+        <a:graphic>
+          <a:graphicData uri="http://schemas.openxmlformats.org/drawingml/2006/table">
+            <a:tbl>
+              <a:tblPr firstRow="1" bandRow="1">
+                <a:tableStyleId>{5C22544A-7EE6-4342-B048-85BDC9FD1C3A}</a:tableStyleId>
+              </a:tblPr>
+              <a:tblGrid>
+                <a:gridCol w="3048000">
+                  <a:extLst>
+                    <a:ext uri="{9D8B030D-6E8A-4147-A177-3AD203B41FA5}">
+                      <a16:colId xmlns:a16="http://schemas.microsoft.com/office/drawing/2014/main" val="1701412878"/>
+                    </a:ext>
+                  </a:extLst>
+                </a:gridCol>
+                <a:gridCol w="3048000">
+                  <a:extLst>
+                    <a:ext uri="{9D8B030D-6E8A-4147-A177-3AD203B41FA5}">
+                      <a16:colId xmlns:a16="http://schemas.microsoft.com/office/drawing/2014/main" val="45695957"/>
+                    </a:ext>
+                  </a:extLst>
+                </a:gridCol>
+                <a:gridCol w="3048000">
+                  <a:extLst>
+                    <a:ext uri="{9D8B030D-6E8A-4147-A177-3AD203B41FA5}">
+                      <a16:colId xmlns:a16="http://schemas.microsoft.com/office/drawing/2014/main" val="2446985782"/>
+                    </a:ext>
+                  </a:extLst>
+                </a:gridCol>
+                <a:gridCol w="3048000">
+                  <a:extLst>
+                    <a:ext uri="{9D8B030D-6E8A-4147-A177-3AD203B41FA5}">
+                      <a16:colId xmlns:a16="http://schemas.microsoft.com/office/drawing/2014/main" val="142976929"/>
+                    </a:ext>
+                  </a:extLst>
+                </a:gridCol>
+              </a:tblGrid>
+              <a:tr h="370840">
+                <a:tc>
+                  <a:txBody>
+                    <a:bodyPr/>
+                    <a:lstStyle/>
+                    <a:p>
+                      <a:pPr algn="ctr"/>
+                      <a:r>
+                        <a:rPr kumimoji="1" lang="en-US" altLang="ja-JP" dirty="0" smtClean="0"/>
+                        <a:t>Role</a:t>
+                      </a:r>
+                      <a:endParaRPr kumimoji="1" lang="ja-JP" altLang="en-US" dirty="0"/>
+                    </a:p>
+                  </a:txBody>
+                  <a:tcPr/>
+                </a:tc>
+                <a:tc>
+                  <a:txBody>
+                    <a:bodyPr/>
+                    <a:lstStyle/>
+                    <a:p>
+                      <a:pPr algn="ctr"/>
+                      <a:r>
+                        <a:rPr kumimoji="1" lang="en-US" altLang="ja-JP" dirty="0" smtClean="0"/>
+                        <a:t>Skill Gaps</a:t>
+                      </a:r>
+                      <a:endParaRPr kumimoji="1" lang="ja-JP" altLang="en-US" dirty="0"/>
+                    </a:p>
+                  </a:txBody>
+                  <a:tcPr/>
+                </a:tc>
+                <a:tc>
+                  <a:txBody>
+                    <a:bodyPr/>
+                    <a:lstStyle/>
+                    <a:p>
+                      <a:pPr algn="ctr"/>
+                      <a:r>
+                        <a:rPr kumimoji="1" lang="en-US" altLang="ja-JP" dirty="0" smtClean="0"/>
+                        <a:t>Stage</a:t>
+                      </a:r>
+                      <a:endParaRPr kumimoji="1" lang="ja-JP" altLang="en-US" dirty="0"/>
+                    </a:p>
+                  </a:txBody>
+                  <a:tcPr/>
+                </a:tc>
+                <a:tc>
+                  <a:txBody>
+                    <a:bodyPr/>
+                    <a:lstStyle/>
+                    <a:p>
+                      <a:pPr algn="ctr"/>
+                      <a:r>
+                        <a:rPr kumimoji="1" lang="en-US" altLang="ja-JP" dirty="0" smtClean="0"/>
+                        <a:t>Coaching Plan</a:t>
+                      </a:r>
+                      <a:endParaRPr kumimoji="1" lang="ja-JP" altLang="en-US" dirty="0"/>
+                    </a:p>
+                  </a:txBody>
+                  <a:tcPr/>
+                </a:tc>
+                <a:extLst>
+                  <a:ext uri="{0D108BD9-81ED-4DB2-BD59-A6C34878D82A}">
+                    <a16:rowId xmlns:a16="http://schemas.microsoft.com/office/drawing/2014/main" val="3217177485"/>
+                  </a:ext>
+                </a:extLst>
+              </a:tr>
+              <a:tr h="370840">
+                <a:tc rowSpan="2">
+                  <a:txBody>
+                    <a:bodyPr/>
+                    <a:lstStyle/>
+                    <a:p>
+                      <a:r>
+                        <a:rPr kumimoji="1" lang="en-US" altLang="ja-JP" b="1" dirty="0" smtClean="0">
+                          <a:solidFill>
+                            <a:srgbClr val="0070C0"/>
+                          </a:solidFill>
+                        </a:rPr>
+                        <a:t>Holly Vogt (Subject Matter Expert)	</a:t>
+                      </a:r>
+                      <a:endParaRPr kumimoji="1" lang="ja-JP" altLang="en-US" b="1" dirty="0">
+                        <a:solidFill>
+                          <a:srgbClr val="0070C0"/>
+                        </a:solidFill>
+                      </a:endParaRPr>
+                    </a:p>
+                  </a:txBody>
+                  <a:tcPr/>
+                </a:tc>
+                <a:tc>
+                  <a:txBody>
+                    <a:bodyPr/>
+                    <a:lstStyle/>
+                    <a:p>
+                      <a:r>
+                        <a:rPr lang="en-US" dirty="0">
+                          <a:solidFill>
+                            <a:srgbClr val="0070C0"/>
+                          </a:solidFill>
+                        </a:rPr>
+                        <a:t>Provides input in a </a:t>
+                      </a:r>
+                      <a:r>
+                        <a:rPr lang="en-US" dirty="0" err="1">
+                          <a:solidFill>
+                            <a:srgbClr val="0070C0"/>
+                          </a:solidFill>
+                        </a:rPr>
+                        <a:t>siloed</a:t>
+                      </a:r>
+                      <a:r>
+                        <a:rPr lang="en-US" dirty="0">
+                          <a:solidFill>
+                            <a:srgbClr val="0070C0"/>
+                          </a:solidFill>
+                        </a:rPr>
+                        <a:t> manner, relying on one-on-one interviews rather than collaborative forums.</a:t>
+                      </a:r>
+                    </a:p>
+                  </a:txBody>
+                  <a:tcPr anchor="ctr"/>
+                </a:tc>
+                <a:tc>
+                  <a:txBody>
+                    <a:bodyPr/>
+                    <a:lstStyle/>
+                    <a:p>
+                      <a:r>
+                        <a:rPr kumimoji="1" lang="en-US" altLang="ja-JP" dirty="0" smtClean="0">
+                          <a:solidFill>
+                            <a:srgbClr val="0070C0"/>
+                          </a:solidFill>
+                        </a:rPr>
+                        <a:t>Shu</a:t>
+                      </a:r>
+                      <a:endParaRPr kumimoji="1" lang="ja-JP" altLang="en-US" dirty="0">
+                        <a:solidFill>
+                          <a:srgbClr val="0070C0"/>
+                        </a:solidFill>
+                      </a:endParaRPr>
+                    </a:p>
+                  </a:txBody>
+                  <a:tcPr/>
+                </a:tc>
+                <a:tc>
+                  <a:txBody>
+                    <a:bodyPr/>
+                    <a:lstStyle/>
+                    <a:p>
+                      <a:r>
+                        <a:rPr lang="en-US" dirty="0">
+                          <a:solidFill>
+                            <a:srgbClr val="0070C0"/>
+                          </a:solidFill>
+                        </a:rPr>
+                        <a:t>Educate on Agile team dynamics and shared knowledge. Introduce SME participation in team ceremonies, such as sprint reviews or backlog grooming.</a:t>
+                      </a:r>
+                    </a:p>
+                  </a:txBody>
+                  <a:tcPr anchor="ctr"/>
+                </a:tc>
+                <a:extLst>
+                  <a:ext uri="{0D108BD9-81ED-4DB2-BD59-A6C34878D82A}">
+                    <a16:rowId xmlns:a16="http://schemas.microsoft.com/office/drawing/2014/main" val="731819763"/>
+                  </a:ext>
+                </a:extLst>
+              </a:tr>
+              <a:tr h="370840">
+                <a:tc vMerge="1">
+                  <a:txBody>
+                    <a:bodyPr/>
+                    <a:lstStyle/>
+                    <a:p>
+                      <a:endParaRPr kumimoji="1" lang="ja-JP" altLang="en-US" dirty="0"/>
+                    </a:p>
+                  </a:txBody>
+                  <a:tcPr/>
+                </a:tc>
+                <a:tc>
+                  <a:txBody>
+                    <a:bodyPr/>
+                    <a:lstStyle/>
+                    <a:p>
+                      <a:r>
+                        <a:rPr lang="en-US" dirty="0">
+                          <a:solidFill>
+                            <a:srgbClr val="0070C0"/>
+                          </a:solidFill>
+                        </a:rPr>
+                        <a:t>Limited direct interaction with the full development team.</a:t>
+                      </a:r>
+                    </a:p>
+                  </a:txBody>
+                  <a:tcPr anchor="ctr"/>
+                </a:tc>
+                <a:tc>
+                  <a:txBody>
+                    <a:bodyPr/>
+                    <a:lstStyle/>
+                    <a:p>
+                      <a:r>
+                        <a:rPr kumimoji="1" lang="en-US" altLang="ja-JP" dirty="0" smtClean="0">
+                          <a:solidFill>
+                            <a:srgbClr val="0070C0"/>
+                          </a:solidFill>
+                        </a:rPr>
+                        <a:t>Ha</a:t>
+                      </a:r>
+                      <a:endParaRPr kumimoji="1" lang="ja-JP" altLang="en-US" dirty="0">
+                        <a:solidFill>
+                          <a:srgbClr val="0070C0"/>
+                        </a:solidFill>
+                      </a:endParaRPr>
+                    </a:p>
+                  </a:txBody>
+                  <a:tcPr/>
+                </a:tc>
+                <a:tc>
+                  <a:txBody>
+                    <a:bodyPr/>
+                    <a:lstStyle/>
+                    <a:p>
+                      <a:r>
+                        <a:rPr lang="en-US" dirty="0">
+                          <a:solidFill>
+                            <a:srgbClr val="0070C0"/>
+                          </a:solidFill>
+                        </a:rPr>
+                        <a:t>Encourage regular knowledge-sharing sessions with the team and active involvement in cross-functional discussions.</a:t>
+                      </a:r>
+                    </a:p>
+                  </a:txBody>
+                  <a:tcPr anchor="ctr"/>
+                </a:tc>
+                <a:extLst>
+                  <a:ext uri="{0D108BD9-81ED-4DB2-BD59-A6C34878D82A}">
+                    <a16:rowId xmlns:a16="http://schemas.microsoft.com/office/drawing/2014/main" val="2678282499"/>
+                  </a:ext>
+                </a:extLst>
+              </a:tr>
+            </a:tbl>
+          </a:graphicData>
+        </a:graphic>
+      </p:graphicFrame>
+    </p:spTree>
+    <p:extLst>
+      <p:ext uri="{BB962C8B-B14F-4D97-AF65-F5344CB8AC3E}">
+        <p14:creationId xmlns:p14="http://schemas.microsoft.com/office/powerpoint/2010/main" val="2487564612"/>
+      </p:ext>
+    </p:extLst>
+  </p:cSld>
+  <p:clrMapOvr>
+    <a:masterClrMapping/>
+  </p:clrMapOvr>
+  <p:timing>
+    <p:tnLst>
+      <p:par>
+        <p:cTn id="1" dur="indefinite" restart="never" nodeType="tmRoot"/>
+      </p:par>
+    </p:tnLst>
+  </p:timing>
+</p:sld>
+</file>
+
+<file path=ppt/slides/slide22.xml><?xml version="1.0" encoding="utf-8"?>
+<p:sld xmlns:a="http://schemas.openxmlformats.org/drawingml/2006/main" xmlns:r="http://schemas.openxmlformats.org/officeDocument/2006/relationships" xmlns:p="http://schemas.openxmlformats.org/presentationml/2006/main">
+  <p:cSld>
+    <p:spTree>
+      <p:nvGrpSpPr>
+        <p:cNvPr id="1" name=""/>
+        <p:cNvGrpSpPr/>
+        <p:nvPr/>
+      </p:nvGrpSpPr>
+      <p:grpSpPr>
+        <a:xfrm>
+          <a:off x="0" y="0"/>
+          <a:ext cx="0" cy="0"/>
+          <a:chOff x="0" y="0"/>
+          <a:chExt cx="0" cy="0"/>
+        </a:xfrm>
+      </p:grpSpPr>
+      <p:sp>
+        <p:nvSpPr>
+          <p:cNvPr id="2" name="Freeform 2"/>
+          <p:cNvSpPr/>
+          <p:nvPr/>
+        </p:nvSpPr>
+        <p:spPr>
+          <a:xfrm>
+            <a:off x="9449760" y="-439536"/>
+            <a:ext cx="7275446" cy="7275446"/>
+          </a:xfrm>
+          <a:custGeom>
+            <a:avLst/>
+            <a:gdLst/>
+            <a:ahLst/>
+            <a:cxnLst/>
+            <a:rect l="l" t="t" r="r" b="b"/>
+            <a:pathLst>
+              <a:path w="7275446" h="7275446">
+                <a:moveTo>
+                  <a:pt x="0" y="0"/>
+                </a:moveTo>
+                <a:lnTo>
+                  <a:pt x="7275446" y="0"/>
+                </a:lnTo>
+                <a:lnTo>
+                  <a:pt x="7275446" y="7275446"/>
+                </a:lnTo>
+                <a:lnTo>
+                  <a:pt x="0" y="7275446"/>
+                </a:lnTo>
+                <a:lnTo>
+                  <a:pt x="0" y="0"/>
+                </a:lnTo>
+                <a:close/>
+              </a:path>
+            </a:pathLst>
+          </a:custGeom>
+          <a:blipFill>
+            <a:blip r:embed="rId3">
+              <a:alphaModFix amt="32999"/>
+              <a:extLst>
+                <a:ext uri="{96DAC541-7B7A-43D3-8B79-37D633B846F1}">
+                  <asvg:svgBlip xmlns:asvg="http://schemas.microsoft.com/office/drawing/2016/SVG/main" xmlns="" r:embed="rId4"/>
+                </a:ext>
+              </a:extLst>
+            </a:blip>
+            <a:stretch>
+              <a:fillRect/>
+            </a:stretch>
+          </a:blipFill>
+        </p:spPr>
+      </p:sp>
+      <p:grpSp>
+        <p:nvGrpSpPr>
+          <p:cNvPr id="3" name="Group 3"/>
+          <p:cNvGrpSpPr/>
+          <p:nvPr/>
+        </p:nvGrpSpPr>
+        <p:grpSpPr>
+          <a:xfrm rot="-2346748">
+            <a:off x="6196826" y="1119047"/>
+            <a:ext cx="12732324" cy="13418974"/>
+            <a:chOff x="0" y="0"/>
+            <a:chExt cx="3353369" cy="3534215"/>
+          </a:xfrm>
+        </p:grpSpPr>
+        <p:sp>
+          <p:nvSpPr>
+            <p:cNvPr id="4" name="Freeform 4"/>
+            <p:cNvSpPr/>
+            <p:nvPr/>
+          </p:nvSpPr>
+          <p:spPr>
+            <a:xfrm>
+              <a:off x="2583" y="0"/>
+              <a:ext cx="3348202" cy="3534215"/>
+            </a:xfrm>
+            <a:custGeom>
+              <a:avLst/>
+              <a:gdLst/>
+              <a:ahLst/>
+              <a:cxnLst/>
+              <a:rect l="l" t="t" r="r" b="b"/>
+              <a:pathLst>
+                <a:path w="3348202" h="3534215">
+                  <a:moveTo>
+                    <a:pt x="261422" y="0"/>
+                  </a:moveTo>
+                  <a:lnTo>
+                    <a:pt x="3289981" y="0"/>
+                  </a:lnTo>
+                  <a:cubicBezTo>
+                    <a:pt x="3305779" y="0"/>
+                    <a:pt x="3320879" y="6510"/>
+                    <a:pt x="3331725" y="17997"/>
+                  </a:cubicBezTo>
+                  <a:cubicBezTo>
+                    <a:pt x="3342570" y="29484"/>
+                    <a:pt x="3348203" y="44933"/>
+                    <a:pt x="3347296" y="60705"/>
+                  </a:cubicBezTo>
+                  <a:lnTo>
+                    <a:pt x="3151077" y="3473510"/>
+                  </a:lnTo>
+                  <a:cubicBezTo>
+                    <a:pt x="3149117" y="3507586"/>
+                    <a:pt x="3120913" y="3534215"/>
+                    <a:pt x="3086781" y="3534215"/>
+                  </a:cubicBezTo>
+                  <a:lnTo>
+                    <a:pt x="58222" y="3534215"/>
+                  </a:lnTo>
+                  <a:cubicBezTo>
+                    <a:pt x="42424" y="3534215"/>
+                    <a:pt x="27324" y="3527705"/>
+                    <a:pt x="16479" y="3516218"/>
+                  </a:cubicBezTo>
+                  <a:cubicBezTo>
+                    <a:pt x="5633" y="3504731"/>
+                    <a:pt x="0" y="3489282"/>
+                    <a:pt x="907" y="3473510"/>
+                  </a:cubicBezTo>
+                  <a:lnTo>
+                    <a:pt x="197127" y="60705"/>
+                  </a:lnTo>
+                  <a:cubicBezTo>
+                    <a:pt x="199086" y="26629"/>
+                    <a:pt x="227290" y="0"/>
+                    <a:pt x="261422" y="0"/>
+                  </a:cubicBezTo>
+                  <a:close/>
+                </a:path>
+              </a:pathLst>
+            </a:custGeom>
+            <a:gradFill rotWithShape="1">
+              <a:gsLst>
+                <a:gs pos="0">
+                  <a:srgbClr val="82A5FF">
+                    <a:alpha val="20000"/>
+                  </a:srgbClr>
+                </a:gs>
+                <a:gs pos="100000">
+                  <a:srgbClr val="005EFF">
+                    <a:alpha val="100000"/>
+                  </a:srgbClr>
+                </a:gs>
+              </a:gsLst>
+              <a:lin ang="0"/>
+            </a:gradFill>
+          </p:spPr>
+        </p:sp>
+        <p:sp>
+          <p:nvSpPr>
+            <p:cNvPr id="5" name="TextBox 5"/>
+            <p:cNvSpPr txBox="1"/>
+            <p:nvPr/>
+          </p:nvSpPr>
+          <p:spPr>
+            <a:xfrm>
+              <a:off x="101600" y="-47625"/>
+              <a:ext cx="3150169" cy="3581840"/>
+            </a:xfrm>
+            <a:prstGeom prst="rect">
+              <a:avLst/>
+            </a:prstGeom>
+          </p:spPr>
+          <p:txBody>
+            <a:bodyPr lIns="50800" tIns="50800" rIns="50800" bIns="50800" rtlCol="0" anchor="ctr"/>
+            <a:lstStyle/>
+            <a:p>
+              <a:pPr algn="ctr">
+                <a:lnSpc>
+                  <a:spcPts val="2731"/>
+                </a:lnSpc>
+              </a:pPr>
+              <a:endParaRPr/>
+            </a:p>
+          </p:txBody>
+        </p:sp>
+      </p:grpSp>
+      <p:grpSp>
+        <p:nvGrpSpPr>
+          <p:cNvPr id="17" name="Group 17"/>
+          <p:cNvGrpSpPr/>
+          <p:nvPr/>
+        </p:nvGrpSpPr>
+        <p:grpSpPr>
+          <a:xfrm>
+            <a:off x="16146813" y="8304146"/>
+            <a:ext cx="1066005" cy="1058401"/>
+            <a:chOff x="0" y="0"/>
+            <a:chExt cx="289003" cy="286941"/>
+          </a:xfrm>
+        </p:grpSpPr>
+        <p:sp>
+          <p:nvSpPr>
+            <p:cNvPr id="18" name="Freeform 18"/>
+            <p:cNvSpPr/>
+            <p:nvPr/>
+          </p:nvSpPr>
+          <p:spPr>
+            <a:xfrm>
+              <a:off x="0" y="0"/>
+              <a:ext cx="289003" cy="286941"/>
+            </a:xfrm>
+            <a:custGeom>
+              <a:avLst/>
+              <a:gdLst/>
+              <a:ahLst/>
+              <a:cxnLst/>
+              <a:rect l="l" t="t" r="r" b="b"/>
+              <a:pathLst>
+                <a:path w="289003" h="286941">
+                  <a:moveTo>
+                    <a:pt x="143471" y="0"/>
+                  </a:moveTo>
+                  <a:lnTo>
+                    <a:pt x="145532" y="0"/>
+                  </a:lnTo>
+                  <a:cubicBezTo>
+                    <a:pt x="183583" y="0"/>
+                    <a:pt x="220075" y="15116"/>
+                    <a:pt x="246981" y="42022"/>
+                  </a:cubicBezTo>
+                  <a:cubicBezTo>
+                    <a:pt x="273887" y="68928"/>
+                    <a:pt x="289003" y="105420"/>
+                    <a:pt x="289003" y="143471"/>
+                  </a:cubicBezTo>
+                  <a:lnTo>
+                    <a:pt x="289003" y="143471"/>
+                  </a:lnTo>
+                  <a:cubicBezTo>
+                    <a:pt x="289003" y="181521"/>
+                    <a:pt x="273887" y="218014"/>
+                    <a:pt x="246981" y="244920"/>
+                  </a:cubicBezTo>
+                  <a:cubicBezTo>
+                    <a:pt x="220075" y="271826"/>
+                    <a:pt x="183583" y="286941"/>
+                    <a:pt x="145532" y="286941"/>
+                  </a:cubicBezTo>
+                  <a:lnTo>
+                    <a:pt x="143471" y="286941"/>
+                  </a:lnTo>
+                  <a:cubicBezTo>
+                    <a:pt x="105420" y="286941"/>
+                    <a:pt x="68928" y="271826"/>
+                    <a:pt x="42022" y="244920"/>
+                  </a:cubicBezTo>
+                  <a:cubicBezTo>
+                    <a:pt x="15116" y="218014"/>
+                    <a:pt x="0" y="181521"/>
+                    <a:pt x="0" y="143471"/>
+                  </a:cubicBezTo>
+                  <a:lnTo>
+                    <a:pt x="0" y="143471"/>
+                  </a:lnTo>
+                  <a:cubicBezTo>
+                    <a:pt x="0" y="105420"/>
+                    <a:pt x="15116" y="68928"/>
+                    <a:pt x="42022" y="42022"/>
+                  </a:cubicBezTo>
+                  <a:cubicBezTo>
+                    <a:pt x="68928" y="15116"/>
+                    <a:pt x="105420" y="0"/>
+                    <a:pt x="143471" y="0"/>
+                  </a:cubicBezTo>
+                  <a:close/>
+                </a:path>
+              </a:pathLst>
+            </a:custGeom>
+            <a:solidFill>
+              <a:srgbClr val="F4F4F4"/>
+            </a:solidFill>
+          </p:spPr>
+        </p:sp>
+        <p:sp>
+          <p:nvSpPr>
+            <p:cNvPr id="19" name="TextBox 19"/>
+            <p:cNvSpPr txBox="1"/>
+            <p:nvPr/>
+          </p:nvSpPr>
+          <p:spPr>
+            <a:xfrm>
+              <a:off x="0" y="-38100"/>
+              <a:ext cx="289003" cy="325041"/>
+            </a:xfrm>
+            <a:prstGeom prst="rect">
+              <a:avLst/>
+            </a:prstGeom>
+          </p:spPr>
+          <p:txBody>
+            <a:bodyPr lIns="50800" tIns="50800" rIns="50800" bIns="50800" rtlCol="0" anchor="ctr"/>
+            <a:lstStyle/>
+            <a:p>
+              <a:pPr algn="ctr">
+                <a:lnSpc>
+                  <a:spcPts val="2659"/>
+                </a:lnSpc>
+              </a:pPr>
+              <a:endParaRPr>
+                <a:solidFill>
+                  <a:srgbClr val="0070C0"/>
+                </a:solidFill>
+              </a:endParaRPr>
+            </a:p>
+          </p:txBody>
+        </p:sp>
+      </p:grpSp>
+      <p:sp>
+        <p:nvSpPr>
+          <p:cNvPr id="20" name="Freeform 20"/>
+          <p:cNvSpPr/>
+          <p:nvPr/>
+        </p:nvSpPr>
+        <p:spPr>
+          <a:xfrm rot="-5400000">
+            <a:off x="16511822" y="8588199"/>
+            <a:ext cx="362818" cy="490294"/>
+          </a:xfrm>
+          <a:custGeom>
+            <a:avLst/>
+            <a:gdLst/>
+            <a:ahLst/>
+            <a:cxnLst/>
+            <a:rect l="l" t="t" r="r" b="b"/>
+            <a:pathLst>
+              <a:path w="362818" h="490294">
+                <a:moveTo>
+                  <a:pt x="0" y="0"/>
+                </a:moveTo>
+                <a:lnTo>
+                  <a:pt x="362818" y="0"/>
+                </a:lnTo>
+                <a:lnTo>
+                  <a:pt x="362818" y="490294"/>
+                </a:lnTo>
+                <a:lnTo>
+                  <a:pt x="0" y="490294"/>
+                </a:lnTo>
+                <a:lnTo>
+                  <a:pt x="0" y="0"/>
+                </a:lnTo>
+                <a:close/>
+              </a:path>
+            </a:pathLst>
+          </a:custGeom>
+          <a:blipFill>
+            <a:blip r:embed="rId5">
+              <a:extLst>
+                <a:ext uri="{96DAC541-7B7A-43D3-8B79-37D633B846F1}">
+                  <asvg:svgBlip xmlns:asvg="http://schemas.microsoft.com/office/drawing/2016/SVG/main" xmlns="" r:embed="rId8"/>
+                </a:ext>
+              </a:extLst>
+            </a:blip>
+            <a:stretch>
+              <a:fillRect/>
+            </a:stretch>
+          </a:blipFill>
+        </p:spPr>
+      </p:sp>
+      <p:sp>
+        <p:nvSpPr>
+          <p:cNvPr id="29" name="TextBox 23"/>
+          <p:cNvSpPr txBox="1"/>
+          <p:nvPr/>
+        </p:nvSpPr>
+        <p:spPr>
+          <a:xfrm>
+            <a:off x="5867400" y="4533900"/>
+            <a:ext cx="9872940" cy="1085105"/>
+          </a:xfrm>
+          <a:prstGeom prst="rect">
+            <a:avLst/>
+          </a:prstGeom>
+        </p:spPr>
+        <p:txBody>
+          <a:bodyPr wrap="square" lIns="0" tIns="0" rIns="0" bIns="0" rtlCol="0" anchor="t">
+            <a:spAutoFit/>
+          </a:bodyPr>
+          <a:lstStyle/>
+          <a:p>
+            <a:pPr>
+              <a:lnSpc>
+                <a:spcPts val="9112"/>
+              </a:lnSpc>
+            </a:pPr>
+            <a:r>
+              <a:rPr lang="en-US" sz="6200" b="1" dirty="0" smtClean="0">
+                <a:solidFill>
+                  <a:srgbClr val="0070C0"/>
+                </a:solidFill>
+                <a:latin typeface="Calibri"/>
+                <a:ea typeface="Calibri"/>
+                <a:cs typeface="Pattanakarn Bold"/>
+                <a:sym typeface="Pattanakarn Bold"/>
+              </a:rPr>
+              <a:t>THANK YOU!</a:t>
+            </a:r>
+            <a:endParaRPr lang="vi-VN" sz="6200" dirty="0">
+              <a:solidFill>
+                <a:srgbClr val="0070C0"/>
+              </a:solidFill>
+              <a:latin typeface="Calibri"/>
+              <a:ea typeface="Calibri"/>
+              <a:cs typeface="Calibri"/>
+            </a:endParaRPr>
+          </a:p>
+        </p:txBody>
+      </p:sp>
+      <p:sp>
+        <p:nvSpPr>
+          <p:cNvPr id="6" name="Rectangle 1"/>
+          <p:cNvSpPr>
+            <a:spLocks noChangeArrowheads="1"/>
+          </p:cNvSpPr>
+          <p:nvPr/>
+        </p:nvSpPr>
+        <p:spPr bwMode="auto">
+          <a:xfrm>
+            <a:off x="0" y="43934"/>
+            <a:ext cx="184731" cy="369332"/>
+          </a:xfrm>
+          <a:prstGeom prst="rect">
+            <a:avLst/>
+          </a:prstGeom>
+          <a:noFill/>
+          <a:ln>
+            <a:noFill/>
+          </a:ln>
+          <a:effectLst/>
+          <a:extLst>
+            <a:ext uri="{909E8E84-426E-40DD-AFC4-6F175D3DCCD1}">
+              <a14:hiddenFill xmlns:a14="http://schemas.microsoft.com/office/drawing/2010/main">
+                <a:solidFill>
+                  <a:schemeClr val="accent1"/>
+                </a:solidFill>
+              </a14:hiddenFill>
+            </a:ext>
+            <a:ext uri="{91240B29-F687-4F45-9708-019B960494DF}">
+              <a14:hiddenLine xmlns:a14="http://schemas.microsoft.com/office/drawing/2010/main" w="9525">
+                <a:solidFill>
+                  <a:schemeClr val="tx1"/>
+                </a:solidFill>
+                <a:miter lim="800000"/>
+                <a:headEnd/>
+                <a:tailEnd/>
+              </a14:hiddenLine>
+            </a:ext>
+            <a:ext uri="{AF507438-7753-43E0-B8FC-AC1667EBCBE1}">
+              <a14:hiddenEffects xmlns:a14="http://schemas.microsoft.com/office/drawing/2010/main">
+                <a:effectLst>
+                  <a:outerShdw dist="35921" dir="2700000" algn="ctr" rotWithShape="0">
+                    <a:schemeClr val="bg2"/>
+                  </a:outerShdw>
+                </a:effectLst>
+              </a14:hiddenEffects>
+            </a:ext>
+          </a:extLst>
+        </p:spPr>
+        <p:txBody>
+          <a:bodyPr vert="horz" wrap="none" lIns="91440" tIns="45720" rIns="91440" bIns="45720" numCol="1" anchor="ctr" anchorCtr="0" compatLnSpc="1">
+            <a:prstTxWarp prst="textNoShape">
+              <a:avLst/>
+            </a:prstTxWarp>
+            <a:spAutoFit/>
+          </a:bodyPr>
+          <a:lstStyle/>
+          <a:p>
+            <a:pPr marL="0" marR="0" lvl="0" indent="0" algn="l" defTabSz="914400" rtl="0" eaLnBrk="0" fontAlgn="base" latinLnBrk="0" hangingPunct="0">
+              <a:lnSpc>
+                <a:spcPct val="100000"/>
+              </a:lnSpc>
+              <a:spcBef>
+                <a:spcPct val="0"/>
+              </a:spcBef>
+              <a:spcAft>
+                <a:spcPct val="0"/>
+              </a:spcAft>
+              <a:buClrTx/>
+              <a:buSzTx/>
+              <a:buFontTx/>
+              <a:buNone/>
+              <a:tabLst/>
+            </a:pPr>
+            <a:endParaRPr kumimoji="0" lang="ja-JP" altLang="ja-JP" sz="1800" b="0" i="0" u="none" strike="noStrike" cap="none" normalizeH="0" baseline="0" dirty="0" smtClean="0">
+              <a:ln>
+                <a:noFill/>
+              </a:ln>
+              <a:solidFill>
+                <a:schemeClr val="tx1"/>
+              </a:solidFill>
+              <a:effectLst/>
+              <a:latin typeface="Arial" panose="020B0604020202020204" pitchFamily="34" charset="0"/>
+            </a:endParaRPr>
+          </a:p>
+        </p:txBody>
+      </p:sp>
+      <p:sp>
+        <p:nvSpPr>
+          <p:cNvPr id="7" name="Rectangle 2"/>
+          <p:cNvSpPr>
+            <a:spLocks noChangeArrowheads="1"/>
+          </p:cNvSpPr>
+          <p:nvPr/>
+        </p:nvSpPr>
+        <p:spPr bwMode="auto">
+          <a:xfrm>
+            <a:off x="0" y="43934"/>
+            <a:ext cx="184731" cy="369332"/>
+          </a:xfrm>
+          <a:prstGeom prst="rect">
+            <a:avLst/>
+          </a:prstGeom>
+          <a:noFill/>
+          <a:ln>
+            <a:noFill/>
+          </a:ln>
+          <a:effectLst/>
+          <a:extLst>
+            <a:ext uri="{909E8E84-426E-40DD-AFC4-6F175D3DCCD1}">
+              <a14:hiddenFill xmlns:a14="http://schemas.microsoft.com/office/drawing/2010/main">
+                <a:solidFill>
+                  <a:schemeClr val="accent1"/>
+                </a:solidFill>
+              </a14:hiddenFill>
+            </a:ext>
+            <a:ext uri="{91240B29-F687-4F45-9708-019B960494DF}">
+              <a14:hiddenLine xmlns:a14="http://schemas.microsoft.com/office/drawing/2010/main" w="9525">
+                <a:solidFill>
+                  <a:schemeClr val="tx1"/>
+                </a:solidFill>
+                <a:miter lim="800000"/>
+                <a:headEnd/>
+                <a:tailEnd/>
+              </a14:hiddenLine>
+            </a:ext>
+            <a:ext uri="{AF507438-7753-43E0-B8FC-AC1667EBCBE1}">
+              <a14:hiddenEffects xmlns:a14="http://schemas.microsoft.com/office/drawing/2010/main">
+                <a:effectLst>
+                  <a:outerShdw dist="35921" dir="2700000" algn="ctr" rotWithShape="0">
+                    <a:schemeClr val="bg2"/>
+                  </a:outerShdw>
+                </a:effectLst>
+              </a14:hiddenEffects>
+            </a:ext>
+          </a:extLst>
+        </p:spPr>
+        <p:txBody>
+          <a:bodyPr vert="horz" wrap="none" lIns="91440" tIns="45720" rIns="91440" bIns="45720" numCol="1" anchor="ctr" anchorCtr="0" compatLnSpc="1">
+            <a:prstTxWarp prst="textNoShape">
+              <a:avLst/>
+            </a:prstTxWarp>
+            <a:spAutoFit/>
+          </a:bodyPr>
+          <a:lstStyle/>
+          <a:p>
+            <a:pPr marL="0" marR="0" lvl="0" indent="0" algn="l" defTabSz="914400" rtl="0" eaLnBrk="0" fontAlgn="base" latinLnBrk="0" hangingPunct="0">
+              <a:lnSpc>
+                <a:spcPct val="100000"/>
+              </a:lnSpc>
+              <a:spcBef>
+                <a:spcPct val="0"/>
+              </a:spcBef>
+              <a:spcAft>
+                <a:spcPct val="0"/>
+              </a:spcAft>
+              <a:buClrTx/>
+              <a:buSzTx/>
+              <a:buFontTx/>
+              <a:buNone/>
+              <a:tabLst/>
+            </a:pPr>
+            <a:endParaRPr kumimoji="0" lang="ja-JP" altLang="ja-JP" sz="1800" b="0" i="0" u="none" strike="noStrike" cap="none" normalizeH="0" baseline="0" dirty="0" smtClean="0">
+              <a:ln>
+                <a:noFill/>
+              </a:ln>
+              <a:solidFill>
+                <a:schemeClr val="tx1"/>
+              </a:solidFill>
+              <a:effectLst/>
+              <a:latin typeface="Arial" panose="020B0604020202020204" pitchFamily="34" charset="0"/>
+            </a:endParaRPr>
+          </a:p>
+        </p:txBody>
+      </p:sp>
+      <p:sp>
+        <p:nvSpPr>
+          <p:cNvPr id="8" name="Rectangle 3"/>
+          <p:cNvSpPr>
+            <a:spLocks noChangeArrowheads="1"/>
+          </p:cNvSpPr>
+          <p:nvPr/>
+        </p:nvSpPr>
+        <p:spPr bwMode="auto">
+          <a:xfrm>
+            <a:off x="0" y="43934"/>
+            <a:ext cx="184731" cy="369332"/>
+          </a:xfrm>
+          <a:prstGeom prst="rect">
+            <a:avLst/>
+          </a:prstGeom>
+          <a:noFill/>
+          <a:ln>
+            <a:noFill/>
+          </a:ln>
+          <a:effectLst/>
+          <a:extLst>
+            <a:ext uri="{909E8E84-426E-40DD-AFC4-6F175D3DCCD1}">
+              <a14:hiddenFill xmlns:a14="http://schemas.microsoft.com/office/drawing/2010/main">
+                <a:solidFill>
+                  <a:schemeClr val="accent1"/>
+                </a:solidFill>
+              </a14:hiddenFill>
+            </a:ext>
+            <a:ext uri="{91240B29-F687-4F45-9708-019B960494DF}">
+              <a14:hiddenLine xmlns:a14="http://schemas.microsoft.com/office/drawing/2010/main" w="9525">
+                <a:solidFill>
+                  <a:schemeClr val="tx1"/>
+                </a:solidFill>
+                <a:miter lim="800000"/>
+                <a:headEnd/>
+                <a:tailEnd/>
+              </a14:hiddenLine>
+            </a:ext>
+            <a:ext uri="{AF507438-7753-43E0-B8FC-AC1667EBCBE1}">
+              <a14:hiddenEffects xmlns:a14="http://schemas.microsoft.com/office/drawing/2010/main">
+                <a:effectLst>
+                  <a:outerShdw dist="35921" dir="2700000" algn="ctr" rotWithShape="0">
+                    <a:schemeClr val="bg2"/>
+                  </a:outerShdw>
+                </a:effectLst>
+              </a14:hiddenEffects>
+            </a:ext>
+          </a:extLst>
+        </p:spPr>
+        <p:txBody>
+          <a:bodyPr vert="horz" wrap="none" lIns="91440" tIns="45720" rIns="91440" bIns="45720" numCol="1" anchor="ctr" anchorCtr="0" compatLnSpc="1">
+            <a:prstTxWarp prst="textNoShape">
+              <a:avLst/>
+            </a:prstTxWarp>
+            <a:spAutoFit/>
+          </a:bodyPr>
+          <a:lstStyle/>
+          <a:p>
+            <a:pPr marL="0" marR="0" lvl="0" indent="0" algn="l" defTabSz="914400" rtl="0" eaLnBrk="0" fontAlgn="base" latinLnBrk="0" hangingPunct="0">
+              <a:lnSpc>
+                <a:spcPct val="100000"/>
+              </a:lnSpc>
+              <a:spcBef>
+                <a:spcPct val="0"/>
+              </a:spcBef>
+              <a:spcAft>
+                <a:spcPct val="0"/>
+              </a:spcAft>
+              <a:buClrTx/>
+              <a:buSzTx/>
+              <a:buFontTx/>
+              <a:buNone/>
+              <a:tabLst/>
+            </a:pPr>
+            <a:endParaRPr kumimoji="0" lang="ja-JP" altLang="ja-JP" sz="1800" b="0" i="0" u="none" strike="noStrike" cap="none" normalizeH="0" baseline="0" dirty="0" smtClean="0">
+              <a:ln>
+                <a:noFill/>
+              </a:ln>
+              <a:solidFill>
+                <a:schemeClr val="tx1"/>
+              </a:solidFill>
+              <a:effectLst/>
+              <a:latin typeface="Arial" panose="020B0604020202020204" pitchFamily="34" charset="0"/>
+            </a:endParaRPr>
+          </a:p>
+        </p:txBody>
+      </p:sp>
+      <p:sp>
+        <p:nvSpPr>
+          <p:cNvPr id="9" name="Rectangle 4"/>
+          <p:cNvSpPr>
+            <a:spLocks noChangeArrowheads="1"/>
+          </p:cNvSpPr>
+          <p:nvPr/>
+        </p:nvSpPr>
+        <p:spPr bwMode="auto">
+          <a:xfrm>
+            <a:off x="0" y="43934"/>
+            <a:ext cx="184731" cy="369332"/>
+          </a:xfrm>
+          <a:prstGeom prst="rect">
+            <a:avLst/>
+          </a:prstGeom>
+          <a:noFill/>
+          <a:ln>
+            <a:noFill/>
+          </a:ln>
+          <a:effectLst/>
+          <a:extLst>
+            <a:ext uri="{909E8E84-426E-40DD-AFC4-6F175D3DCCD1}">
+              <a14:hiddenFill xmlns:a14="http://schemas.microsoft.com/office/drawing/2010/main">
+                <a:solidFill>
+                  <a:schemeClr val="accent1"/>
+                </a:solidFill>
+              </a14:hiddenFill>
+            </a:ext>
+            <a:ext uri="{91240B29-F687-4F45-9708-019B960494DF}">
+              <a14:hiddenLine xmlns:a14="http://schemas.microsoft.com/office/drawing/2010/main" w="9525">
+                <a:solidFill>
+                  <a:schemeClr val="tx1"/>
+                </a:solidFill>
+                <a:miter lim="800000"/>
+                <a:headEnd/>
+                <a:tailEnd/>
+              </a14:hiddenLine>
+            </a:ext>
+            <a:ext uri="{AF507438-7753-43E0-B8FC-AC1667EBCBE1}">
+              <a14:hiddenEffects xmlns:a14="http://schemas.microsoft.com/office/drawing/2010/main">
+                <a:effectLst>
+                  <a:outerShdw dist="35921" dir="2700000" algn="ctr" rotWithShape="0">
+                    <a:schemeClr val="bg2"/>
+                  </a:outerShdw>
+                </a:effectLst>
+              </a14:hiddenEffects>
+            </a:ext>
+          </a:extLst>
+        </p:spPr>
+        <p:txBody>
+          <a:bodyPr vert="horz" wrap="none" lIns="91440" tIns="45720" rIns="91440" bIns="45720" numCol="1" anchor="ctr" anchorCtr="0" compatLnSpc="1">
+            <a:prstTxWarp prst="textNoShape">
+              <a:avLst/>
+            </a:prstTxWarp>
+            <a:spAutoFit/>
+          </a:bodyPr>
+          <a:lstStyle/>
+          <a:p>
+            <a:pPr marL="0" marR="0" lvl="0" indent="0" algn="l" defTabSz="914400" rtl="0" eaLnBrk="0" fontAlgn="base" latinLnBrk="0" hangingPunct="0">
+              <a:lnSpc>
+                <a:spcPct val="100000"/>
+              </a:lnSpc>
+              <a:spcBef>
+                <a:spcPct val="0"/>
+              </a:spcBef>
+              <a:spcAft>
+                <a:spcPct val="0"/>
+              </a:spcAft>
+              <a:buClrTx/>
+              <a:buSzTx/>
+              <a:buFontTx/>
+              <a:buNone/>
+              <a:tabLst/>
+            </a:pPr>
+            <a:endParaRPr kumimoji="0" lang="ja-JP" altLang="ja-JP" sz="1800" b="0" i="0" u="none" strike="noStrike" cap="none" normalizeH="0" baseline="0" dirty="0" smtClean="0">
+              <a:ln>
+                <a:noFill/>
+              </a:ln>
+              <a:solidFill>
+                <a:schemeClr val="tx1"/>
+              </a:solidFill>
+              <a:effectLst/>
+              <a:latin typeface="Arial" panose="020B0604020202020204" pitchFamily="34" charset="0"/>
+            </a:endParaRPr>
+          </a:p>
+        </p:txBody>
+      </p:sp>
+    </p:spTree>
+    <p:extLst>
+      <p:ext uri="{BB962C8B-B14F-4D97-AF65-F5344CB8AC3E}">
+        <p14:creationId xmlns:p14="http://schemas.microsoft.com/office/powerpoint/2010/main" val="471206722"/>
+      </p:ext>
+    </p:extLst>
   </p:cSld>
   <p:clrMapOvr>
     <a:masterClrMapping/>
@@ -18954,7 +22779,7 @@
             <a:blip r:embed="rId4">
               <a:extLst>
                 <a:ext uri="{96DAC541-7B7A-43D3-8B79-37D633B846F1}">
-                  <asvg:svgBlip xmlns="" xmlns:asvg="http://schemas.microsoft.com/office/drawing/2016/SVG/main" r:embed="rId5"/>
+                  <asvg:svgBlip xmlns:asvg="http://schemas.microsoft.com/office/drawing/2016/SVG/main" xmlns="" r:embed="rId5"/>
                 </a:ext>
               </a:extLst>
             </a:blip>
@@ -19849,7 +23674,7 @@
             <a:blip r:embed="rId4">
               <a:extLst>
                 <a:ext uri="{96DAC541-7B7A-43D3-8B79-37D633B846F1}">
-                  <asvg:svgBlip xmlns="" xmlns:asvg="http://schemas.microsoft.com/office/drawing/2016/SVG/main" r:embed="rId5"/>
+                  <asvg:svgBlip xmlns:asvg="http://schemas.microsoft.com/office/drawing/2016/SVG/main" xmlns="" r:embed="rId5"/>
                 </a:ext>
               </a:extLst>
             </a:blip>
@@ -20744,7 +24569,7 @@
               <a:alphaModFix amt="32999"/>
               <a:extLst>
                 <a:ext uri="{96DAC541-7B7A-43D3-8B79-37D633B846F1}">
-                  <asvg:svgBlip xmlns="" xmlns:asvg="http://schemas.microsoft.com/office/drawing/2016/SVG/main" r:embed="rId4"/>
+                  <asvg:svgBlip xmlns:asvg="http://schemas.microsoft.com/office/drawing/2016/SVG/main" xmlns="" r:embed="rId4"/>
                 </a:ext>
               </a:extLst>
             </a:blip>
@@ -20922,7 +24747,7 @@
             <a:blip r:embed="rId5">
               <a:extLst>
                 <a:ext uri="{96DAC541-7B7A-43D3-8B79-37D633B846F1}">
-                  <asvg:svgBlip xmlns="" xmlns:asvg="http://schemas.microsoft.com/office/drawing/2016/SVG/main" r:embed="rId7"/>
+                  <asvg:svgBlip xmlns:asvg="http://schemas.microsoft.com/office/drawing/2016/SVG/main" xmlns="" r:embed="rId7"/>
                 </a:ext>
               </a:extLst>
             </a:blip>
@@ -21214,7 +25039,7 @@
             <a:blip r:embed="rId3">
               <a:extLst>
                 <a:ext uri="{96DAC541-7B7A-43D3-8B79-37D633B846F1}">
-                  <asvg:svgBlip xmlns="" xmlns:asvg="http://schemas.microsoft.com/office/drawing/2016/SVG/main" r:embed="rId4"/>
+                  <asvg:svgBlip xmlns:asvg="http://schemas.microsoft.com/office/drawing/2016/SVG/main" xmlns="" r:embed="rId4"/>
                 </a:ext>
               </a:extLst>
             </a:blip>
@@ -22524,7 +26349,7 @@
             <a:blip r:embed="rId3">
               <a:extLst>
                 <a:ext uri="{96DAC541-7B7A-43D3-8B79-37D633B846F1}">
-                  <asvg:svgBlip xmlns="" xmlns:asvg="http://schemas.microsoft.com/office/drawing/2016/SVG/main" r:embed="rId5"/>
+                  <asvg:svgBlip xmlns:asvg="http://schemas.microsoft.com/office/drawing/2016/SVG/main" xmlns="" r:embed="rId5"/>
                 </a:ext>
               </a:extLst>
             </a:blip>
@@ -23103,7 +26928,7 @@
             <a:blip r:embed="rId3">
               <a:extLst>
                 <a:ext uri="{96DAC541-7B7A-43D3-8B79-37D633B846F1}">
-                  <asvg:svgBlip xmlns="" xmlns:asvg="http://schemas.microsoft.com/office/drawing/2016/SVG/main" r:embed="rId5"/>
+                  <asvg:svgBlip xmlns:asvg="http://schemas.microsoft.com/office/drawing/2016/SVG/main" xmlns="" r:embed="rId5"/>
                 </a:ext>
               </a:extLst>
             </a:blip>
@@ -23547,7 +27372,7 @@
             <a:blip r:embed="rId3">
               <a:extLst>
                 <a:ext uri="{96DAC541-7B7A-43D3-8B79-37D633B846F1}">
-                  <asvg:svgBlip xmlns="" xmlns:asvg="http://schemas.microsoft.com/office/drawing/2016/SVG/main" r:embed="rId4"/>
+                  <asvg:svgBlip xmlns:asvg="http://schemas.microsoft.com/office/drawing/2016/SVG/main" xmlns="" r:embed="rId4"/>
                 </a:ext>
               </a:extLst>
             </a:blip>
@@ -24251,7 +28076,7 @@
             <a:blip r:embed="rId3">
               <a:extLst>
                 <a:ext uri="{96DAC541-7B7A-43D3-8B79-37D633B846F1}">
-                  <asvg:svgBlip xmlns="" xmlns:asvg="http://schemas.microsoft.com/office/drawing/2016/SVG/main" r:embed="rId7"/>
+                  <asvg:svgBlip xmlns:asvg="http://schemas.microsoft.com/office/drawing/2016/SVG/main" xmlns="" r:embed="rId7"/>
                 </a:ext>
               </a:extLst>
             </a:blip>
@@ -24304,7 +28129,7 @@
               <a:alphaModFix amt="32999"/>
               <a:extLst>
                 <a:ext uri="{96DAC541-7B7A-43D3-8B79-37D633B846F1}">
-                  <asvg:svgBlip xmlns="" xmlns:asvg="http://schemas.microsoft.com/office/drawing/2016/SVG/main" r:embed="rId9"/>
+                  <asvg:svgBlip xmlns:asvg="http://schemas.microsoft.com/office/drawing/2016/SVG/main" xmlns="" r:embed="rId9"/>
                 </a:ext>
               </a:extLst>
             </a:blip>
